--- a/提案書/キックオフ_石積.pptx
+++ b/提案書/キックオフ_石積.pptx
@@ -6,7 +6,7 @@
     <p:sldMasterId id="2147483664" r:id="rId2"/>
   </p:sldMasterIdLst>
   <p:notesMasterIdLst>
-    <p:notesMasterId r:id="rId17"/>
+    <p:notesMasterId r:id="rId19"/>
   </p:notesMasterIdLst>
   <p:sldIdLst>
     <p:sldId id="256" r:id="rId3"/>
@@ -16,42 +16,44 @@
     <p:sldId id="258" r:id="rId7"/>
     <p:sldId id="259" r:id="rId8"/>
     <p:sldId id="260" r:id="rId9"/>
-    <p:sldId id="261" r:id="rId10"/>
-    <p:sldId id="262" r:id="rId11"/>
-    <p:sldId id="267" r:id="rId12"/>
-    <p:sldId id="263" r:id="rId13"/>
-    <p:sldId id="264" r:id="rId14"/>
-    <p:sldId id="268" r:id="rId15"/>
-    <p:sldId id="269" r:id="rId16"/>
+    <p:sldId id="270" r:id="rId10"/>
+    <p:sldId id="271" r:id="rId11"/>
+    <p:sldId id="272" r:id="rId12"/>
+    <p:sldId id="262" r:id="rId13"/>
+    <p:sldId id="267" r:id="rId14"/>
+    <p:sldId id="263" r:id="rId15"/>
+    <p:sldId id="264" r:id="rId16"/>
+    <p:sldId id="268" r:id="rId17"/>
+    <p:sldId id="269" r:id="rId18"/>
   </p:sldIdLst>
   <p:sldSz cx="9144000" cy="5143500" type="screen16x9"/>
   <p:notesSz cx="6858000" cy="9144000"/>
   <p:embeddedFontLst>
     <p:embeddedFont>
       <p:font typeface="Helvetica Neue" panose="020B0600070205080204" charset="0"/>
-      <p:regular r:id="rId18"/>
-      <p:bold r:id="rId19"/>
-      <p:italic r:id="rId20"/>
-      <p:boldItalic r:id="rId21"/>
+      <p:regular r:id="rId20"/>
+      <p:bold r:id="rId21"/>
+      <p:italic r:id="rId22"/>
+      <p:boldItalic r:id="rId23"/>
     </p:embeddedFont>
     <p:embeddedFont>
       <p:font typeface="Helvetica Neue Light" panose="020B0600070205080204" charset="0"/>
-      <p:regular r:id="rId22"/>
-      <p:bold r:id="rId23"/>
-      <p:italic r:id="rId24"/>
-      <p:boldItalic r:id="rId25"/>
+      <p:regular r:id="rId24"/>
+      <p:bold r:id="rId25"/>
+      <p:italic r:id="rId26"/>
+      <p:boldItalic r:id="rId27"/>
     </p:embeddedFont>
     <p:embeddedFont>
       <p:font typeface="Maven Pro Medium" panose="020B0600070205080204" charset="0"/>
-      <p:regular r:id="rId26"/>
-      <p:bold r:id="rId27"/>
+      <p:regular r:id="rId28"/>
+      <p:bold r:id="rId29"/>
     </p:embeddedFont>
     <p:embeddedFont>
       <p:font typeface="Open Sans" panose="020B0606030504020204" pitchFamily="34" charset="0"/>
-      <p:regular r:id="rId28"/>
-      <p:bold r:id="rId29"/>
-      <p:italic r:id="rId30"/>
-      <p:boldItalic r:id="rId31"/>
+      <p:regular r:id="rId30"/>
+      <p:bold r:id="rId31"/>
+      <p:italic r:id="rId32"/>
+      <p:boldItalic r:id="rId33"/>
     </p:embeddedFont>
   </p:embeddedFontLst>
   <p:defaultTextStyle>
@@ -852,6 +854,237 @@
   <p:cSld>
     <p:spTree>
       <p:nvGrpSpPr>
+        <p:cNvPr id="1" name="Shape 154">
+          <a:extLst>
+            <a:ext uri="{FF2B5EF4-FFF2-40B4-BE49-F238E27FC236}">
+              <a16:creationId xmlns:a16="http://schemas.microsoft.com/office/drawing/2014/main" id="{95A7E4FE-070E-2028-85A5-97562DC57B3F}"/>
+            </a:ext>
+          </a:extLst>
+        </p:cNvPr>
+        <p:cNvGrpSpPr/>
+        <p:nvPr/>
+      </p:nvGrpSpPr>
+      <p:grpSpPr>
+        <a:xfrm>
+          <a:off x="0" y="0"/>
+          <a:ext cx="0" cy="0"/>
+          <a:chOff x="0" y="0"/>
+          <a:chExt cx="0" cy="0"/>
+        </a:xfrm>
+      </p:grpSpPr>
+      <p:sp>
+        <p:nvSpPr>
+          <p:cNvPr id="155" name="Google Shape;155;g24a24232bea_0_1:notes">
+            <a:extLst>
+              <a:ext uri="{FF2B5EF4-FFF2-40B4-BE49-F238E27FC236}">
+                <a16:creationId xmlns:a16="http://schemas.microsoft.com/office/drawing/2014/main" id="{DC7E5853-38AC-B3D7-240D-9457D4FF518D}"/>
+              </a:ext>
+            </a:extLst>
+          </p:cNvPr>
+          <p:cNvSpPr>
+            <a:spLocks noGrp="1" noRot="1" noChangeAspect="1"/>
+          </p:cNvSpPr>
+          <p:nvPr>
+            <p:ph type="sldImg" idx="2"/>
+          </p:nvPr>
+        </p:nvSpPr>
+        <p:spPr>
+          <a:xfrm>
+            <a:off x="381000" y="685800"/>
+            <a:ext cx="6096000" cy="3429000"/>
+          </a:xfrm>
+          <a:custGeom>
+            <a:avLst/>
+            <a:gdLst/>
+            <a:ahLst/>
+            <a:cxnLst/>
+            <a:rect l="l" t="t" r="r" b="b"/>
+            <a:pathLst>
+              <a:path w="120000" h="120000" extrusionOk="0">
+                <a:moveTo>
+                  <a:pt x="0" y="0"/>
+                </a:moveTo>
+                <a:lnTo>
+                  <a:pt x="120000" y="0"/>
+                </a:lnTo>
+                <a:lnTo>
+                  <a:pt x="120000" y="120000"/>
+                </a:lnTo>
+                <a:lnTo>
+                  <a:pt x="0" y="120000"/>
+                </a:lnTo>
+                <a:close/>
+              </a:path>
+            </a:pathLst>
+          </a:custGeom>
+        </p:spPr>
+      </p:sp>
+      <p:sp>
+        <p:nvSpPr>
+          <p:cNvPr id="156" name="Google Shape;156;g24a24232bea_0_1:notes">
+            <a:extLst>
+              <a:ext uri="{FF2B5EF4-FFF2-40B4-BE49-F238E27FC236}">
+                <a16:creationId xmlns:a16="http://schemas.microsoft.com/office/drawing/2014/main" id="{7A631C5A-DF55-96F4-6587-CF56D3CAEBF1}"/>
+              </a:ext>
+            </a:extLst>
+          </p:cNvPr>
+          <p:cNvSpPr txBox="1">
+            <a:spLocks noGrp="1"/>
+          </p:cNvSpPr>
+          <p:nvPr>
+            <p:ph type="body" idx="1"/>
+          </p:nvPr>
+        </p:nvSpPr>
+        <p:spPr>
+          <a:xfrm>
+            <a:off x="685800" y="4343400"/>
+            <a:ext cx="5486400" cy="4114800"/>
+          </a:xfrm>
+          <a:prstGeom prst="rect">
+            <a:avLst/>
+          </a:prstGeom>
+        </p:spPr>
+        <p:txBody>
+          <a:bodyPr spcFirstLastPara="1" wrap="square" lIns="91425" tIns="91425" rIns="91425" bIns="91425" anchor="t" anchorCtr="0">
+            <a:noAutofit/>
+          </a:bodyPr>
+          <a:lstStyle/>
+          <a:p>
+            <a:pPr marL="0" lvl="0" indent="0" algn="l" rtl="0">
+              <a:spcBef>
+                <a:spcPts val="0"/>
+              </a:spcBef>
+              <a:spcAft>
+                <a:spcPts val="0"/>
+              </a:spcAft>
+              <a:buNone/>
+            </a:pPr>
+            <a:endParaRPr/>
+          </a:p>
+        </p:txBody>
+      </p:sp>
+    </p:spTree>
+    <p:extLst>
+      <p:ext uri="{BB962C8B-B14F-4D97-AF65-F5344CB8AC3E}">
+        <p14:creationId xmlns:p14="http://schemas.microsoft.com/office/powerpoint/2010/main" val="1614176312"/>
+      </p:ext>
+    </p:extLst>
+  </p:cSld>
+  <p:clrMapOvr>
+    <a:masterClrMapping/>
+  </p:clrMapOvr>
+</p:notes>
+</file>
+
+<file path=ppt/notesSlides/notesSlide11.xml><?xml version="1.0" encoding="utf-8"?>
+<p:notes xmlns:a="http://schemas.openxmlformats.org/drawingml/2006/main" xmlns:r="http://schemas.openxmlformats.org/officeDocument/2006/relationships" xmlns:p="http://schemas.openxmlformats.org/presentationml/2006/main" showMasterSp="0" showMasterPhAnim="0">
+  <p:cSld>
+    <p:spTree>
+      <p:nvGrpSpPr>
+        <p:cNvPr id="1" name="Shape 170"/>
+        <p:cNvGrpSpPr/>
+        <p:nvPr/>
+      </p:nvGrpSpPr>
+      <p:grpSpPr>
+        <a:xfrm>
+          <a:off x="0" y="0"/>
+          <a:ext cx="0" cy="0"/>
+          <a:chOff x="0" y="0"/>
+          <a:chExt cx="0" cy="0"/>
+        </a:xfrm>
+      </p:grpSpPr>
+      <p:sp>
+        <p:nvSpPr>
+          <p:cNvPr id="171" name="Google Shape;171;g226338714c5_1_7:notes"/>
+          <p:cNvSpPr txBox="1">
+            <a:spLocks noGrp="1"/>
+          </p:cNvSpPr>
+          <p:nvPr>
+            <p:ph type="body" idx="1"/>
+          </p:nvPr>
+        </p:nvSpPr>
+        <p:spPr>
+          <a:xfrm>
+            <a:off x="914400" y="4343400"/>
+            <a:ext cx="5029200" cy="4114800"/>
+          </a:xfrm>
+          <a:prstGeom prst="rect">
+            <a:avLst/>
+          </a:prstGeom>
+        </p:spPr>
+        <p:txBody>
+          <a:bodyPr spcFirstLastPara="1" wrap="square" lIns="91425" tIns="91425" rIns="91425" bIns="91425" anchor="t" anchorCtr="0">
+            <a:noAutofit/>
+          </a:bodyPr>
+          <a:lstStyle/>
+          <a:p>
+            <a:pPr marL="0" lvl="0" indent="0" algn="l" rtl="0">
+              <a:spcBef>
+                <a:spcPts val="0"/>
+              </a:spcBef>
+              <a:spcAft>
+                <a:spcPts val="0"/>
+              </a:spcAft>
+              <a:buNone/>
+            </a:pPr>
+            <a:endParaRPr/>
+          </a:p>
+        </p:txBody>
+      </p:sp>
+      <p:sp>
+        <p:nvSpPr>
+          <p:cNvPr id="172" name="Google Shape;172;g226338714c5_1_7:notes"/>
+          <p:cNvSpPr>
+            <a:spLocks noGrp="1" noRot="1" noChangeAspect="1"/>
+          </p:cNvSpPr>
+          <p:nvPr>
+            <p:ph type="sldImg" idx="2"/>
+          </p:nvPr>
+        </p:nvSpPr>
+        <p:spPr>
+          <a:xfrm>
+            <a:off x="381000" y="685800"/>
+            <a:ext cx="6096000" cy="3429000"/>
+          </a:xfrm>
+          <a:custGeom>
+            <a:avLst/>
+            <a:gdLst/>
+            <a:ahLst/>
+            <a:cxnLst/>
+            <a:rect l="l" t="t" r="r" b="b"/>
+            <a:pathLst>
+              <a:path w="120000" h="120000" extrusionOk="0">
+                <a:moveTo>
+                  <a:pt x="0" y="0"/>
+                </a:moveTo>
+                <a:lnTo>
+                  <a:pt x="120000" y="0"/>
+                </a:lnTo>
+                <a:lnTo>
+                  <a:pt x="120000" y="120000"/>
+                </a:lnTo>
+                <a:lnTo>
+                  <a:pt x="0" y="120000"/>
+                </a:lnTo>
+                <a:close/>
+              </a:path>
+            </a:pathLst>
+          </a:custGeom>
+        </p:spPr>
+      </p:sp>
+    </p:spTree>
+  </p:cSld>
+  <p:clrMapOvr>
+    <a:masterClrMapping/>
+  </p:clrMapOvr>
+</p:notes>
+</file>
+
+<file path=ppt/notesSlides/notesSlide12.xml><?xml version="1.0" encoding="utf-8"?>
+<p:notes xmlns:a="http://schemas.openxmlformats.org/drawingml/2006/main" xmlns:r="http://schemas.openxmlformats.org/officeDocument/2006/relationships" xmlns:p="http://schemas.openxmlformats.org/presentationml/2006/main" showMasterSp="0" showMasterPhAnim="0">
+  <p:cSld>
+    <p:spTree>
+      <p:nvGrpSpPr>
         <p:cNvPr id="1" name="Shape 170">
           <a:extLst>
             <a:ext uri="{FF2B5EF4-FFF2-40B4-BE49-F238E27FC236}">
@@ -974,7 +1207,7 @@
 </p:notes>
 </file>
 
-<file path=ppt/notesSlides/notesSlide11.xml><?xml version="1.0" encoding="utf-8"?>
+<file path=ppt/notesSlides/notesSlide13.xml><?xml version="1.0" encoding="utf-8"?>
 <p:notes xmlns:a="http://schemas.openxmlformats.org/drawingml/2006/main" xmlns:r="http://schemas.openxmlformats.org/officeDocument/2006/relationships" xmlns:p="http://schemas.openxmlformats.org/presentationml/2006/main" showMasterSp="0" showMasterPhAnim="0">
   <p:cSld>
     <p:spTree>
@@ -1078,7 +1311,7 @@
 </p:notes>
 </file>
 
-<file path=ppt/notesSlides/notesSlide12.xml><?xml version="1.0" encoding="utf-8"?>
+<file path=ppt/notesSlides/notesSlide14.xml><?xml version="1.0" encoding="utf-8"?>
 <p:notes xmlns:a="http://schemas.openxmlformats.org/drawingml/2006/main" xmlns:r="http://schemas.openxmlformats.org/officeDocument/2006/relationships" xmlns:p="http://schemas.openxmlformats.org/presentationml/2006/main" showMasterSp="0" showMasterPhAnim="0">
   <p:cSld>
     <p:spTree>
@@ -1182,7 +1415,7 @@
 </p:notes>
 </file>
 
-<file path=ppt/notesSlides/notesSlide13.xml><?xml version="1.0" encoding="utf-8"?>
+<file path=ppt/notesSlides/notesSlide15.xml><?xml version="1.0" encoding="utf-8"?>
 <p:notes xmlns:a="http://schemas.openxmlformats.org/drawingml/2006/main" xmlns:r="http://schemas.openxmlformats.org/officeDocument/2006/relationships" xmlns:p="http://schemas.openxmlformats.org/presentationml/2006/main" showMasterSp="0" showMasterPhAnim="0">
   <p:cSld>
     <p:spTree>
@@ -1309,7 +1542,7 @@
 </p:notes>
 </file>
 
-<file path=ppt/notesSlides/notesSlide14.xml><?xml version="1.0" encoding="utf-8"?>
+<file path=ppt/notesSlides/notesSlide16.xml><?xml version="1.0" encoding="utf-8"?>
 <p:notes xmlns:a="http://schemas.openxmlformats.org/drawingml/2006/main" xmlns:r="http://schemas.openxmlformats.org/officeDocument/2006/relationships" xmlns:p="http://schemas.openxmlformats.org/presentationml/2006/main" showMasterSp="0" showMasterPhAnim="0">
   <p:cSld>
     <p:spTree>
@@ -1861,8 +2094,8 @@
         </p:nvSpPr>
         <p:spPr>
           <a:xfrm>
-            <a:off x="1143000" y="685800"/>
-            <a:ext cx="4572000" cy="3429000"/>
+            <a:off x="381000" y="685800"/>
+            <a:ext cx="6096000" cy="3429000"/>
           </a:xfrm>
           <a:custGeom>
             <a:avLst/>
@@ -1927,7 +2160,7 @@
         </p:nvSpPr>
         <p:spPr>
           <a:xfrm>
-            <a:off x="381300" y="685800"/>
+            <a:off x="381000" y="685800"/>
             <a:ext cx="6096000" cy="3429000"/>
           </a:xfrm>
           <a:custGeom>
@@ -2031,7 +2264,7 @@
         </p:nvSpPr>
         <p:spPr>
           <a:xfrm>
-            <a:off x="381300" y="685800"/>
+            <a:off x="381000" y="685800"/>
             <a:ext cx="6096000" cy="3429000"/>
           </a:xfrm>
           <a:custGeom>
@@ -2111,7 +2344,13 @@
   <p:cSld>
     <p:spTree>
       <p:nvGrpSpPr>
-        <p:cNvPr id="1" name="Shape 162"/>
+        <p:cNvPr id="1" name="Shape 154">
+          <a:extLst>
+            <a:ext uri="{FF2B5EF4-FFF2-40B4-BE49-F238E27FC236}">
+              <a16:creationId xmlns:a16="http://schemas.microsoft.com/office/drawing/2014/main" id="{483C969E-0E84-320F-62F4-10EDC4BE7EF0}"/>
+            </a:ext>
+          </a:extLst>
+        </p:cNvPr>
         <p:cNvGrpSpPr/>
         <p:nvPr/>
       </p:nvGrpSpPr>
@@ -2125,149 +2364,13 @@
       </p:grpSpPr>
       <p:sp>
         <p:nvSpPr>
-          <p:cNvPr id="163" name="Google Shape;163;g22a842c74f4_0_6:notes"/>
-          <p:cNvSpPr>
-            <a:spLocks noGrp="1" noRot="1" noChangeAspect="1"/>
-          </p:cNvSpPr>
-          <p:nvPr>
-            <p:ph type="sldImg" idx="2"/>
-          </p:nvPr>
-        </p:nvSpPr>
-        <p:spPr>
-          <a:xfrm>
-            <a:off x="381300" y="685800"/>
-            <a:ext cx="6096000" cy="3429000"/>
-          </a:xfrm>
-          <a:custGeom>
-            <a:avLst/>
-            <a:gdLst/>
-            <a:ahLst/>
-            <a:cxnLst/>
-            <a:rect l="l" t="t" r="r" b="b"/>
-            <a:pathLst>
-              <a:path w="120000" h="120000" extrusionOk="0">
-                <a:moveTo>
-                  <a:pt x="0" y="0"/>
-                </a:moveTo>
-                <a:lnTo>
-                  <a:pt x="120000" y="0"/>
-                </a:lnTo>
-                <a:lnTo>
-                  <a:pt x="120000" y="120000"/>
-                </a:lnTo>
-                <a:lnTo>
-                  <a:pt x="0" y="120000"/>
-                </a:lnTo>
-                <a:close/>
-              </a:path>
-            </a:pathLst>
-          </a:custGeom>
-        </p:spPr>
-      </p:sp>
-      <p:sp>
-        <p:nvSpPr>
-          <p:cNvPr id="164" name="Google Shape;164;g22a842c74f4_0_6:notes"/>
-          <p:cNvSpPr txBox="1">
-            <a:spLocks noGrp="1"/>
-          </p:cNvSpPr>
-          <p:nvPr>
-            <p:ph type="body" idx="1"/>
-          </p:nvPr>
-        </p:nvSpPr>
-        <p:spPr>
-          <a:xfrm>
-            <a:off x="685800" y="4343400"/>
-            <a:ext cx="5486400" cy="4114800"/>
-          </a:xfrm>
-          <a:prstGeom prst="rect">
-            <a:avLst/>
-          </a:prstGeom>
-        </p:spPr>
-        <p:txBody>
-          <a:bodyPr spcFirstLastPara="1" wrap="square" lIns="91425" tIns="91425" rIns="91425" bIns="91425" anchor="t" anchorCtr="0">
-            <a:noAutofit/>
-          </a:bodyPr>
-          <a:lstStyle/>
-          <a:p>
-            <a:pPr marL="0" lvl="0" indent="0" algn="l" rtl="0">
-              <a:spcBef>
-                <a:spcPts val="0"/>
-              </a:spcBef>
-              <a:spcAft>
-                <a:spcPts val="0"/>
-              </a:spcAft>
-              <a:buNone/>
-            </a:pPr>
-            <a:endParaRPr/>
-          </a:p>
-        </p:txBody>
-      </p:sp>
-    </p:spTree>
-  </p:cSld>
-  <p:clrMapOvr>
-    <a:masterClrMapping/>
-  </p:clrMapOvr>
-</p:notes>
-</file>
-
-<file path=ppt/notesSlides/notesSlide9.xml><?xml version="1.0" encoding="utf-8"?>
-<p:notes xmlns:a="http://schemas.openxmlformats.org/drawingml/2006/main" xmlns:r="http://schemas.openxmlformats.org/officeDocument/2006/relationships" xmlns:p="http://schemas.openxmlformats.org/presentationml/2006/main" showMasterSp="0" showMasterPhAnim="0">
-  <p:cSld>
-    <p:spTree>
-      <p:nvGrpSpPr>
-        <p:cNvPr id="1" name="Shape 170"/>
-        <p:cNvGrpSpPr/>
-        <p:nvPr/>
-      </p:nvGrpSpPr>
-      <p:grpSpPr>
-        <a:xfrm>
-          <a:off x="0" y="0"/>
-          <a:ext cx="0" cy="0"/>
-          <a:chOff x="0" y="0"/>
-          <a:chExt cx="0" cy="0"/>
-        </a:xfrm>
-      </p:grpSpPr>
-      <p:sp>
-        <p:nvSpPr>
-          <p:cNvPr id="171" name="Google Shape;171;g226338714c5_1_7:notes"/>
-          <p:cNvSpPr txBox="1">
-            <a:spLocks noGrp="1"/>
-          </p:cNvSpPr>
-          <p:nvPr>
-            <p:ph type="body" idx="1"/>
-          </p:nvPr>
-        </p:nvSpPr>
-        <p:spPr>
-          <a:xfrm>
-            <a:off x="914400" y="4343400"/>
-            <a:ext cx="5029200" cy="4114800"/>
-          </a:xfrm>
-          <a:prstGeom prst="rect">
-            <a:avLst/>
-          </a:prstGeom>
-        </p:spPr>
-        <p:txBody>
-          <a:bodyPr spcFirstLastPara="1" wrap="square" lIns="91425" tIns="91425" rIns="91425" bIns="91425" anchor="t" anchorCtr="0">
-            <a:noAutofit/>
-          </a:bodyPr>
-          <a:lstStyle/>
-          <a:p>
-            <a:pPr marL="0" lvl="0" indent="0" algn="l" rtl="0">
-              <a:spcBef>
-                <a:spcPts val="0"/>
-              </a:spcBef>
-              <a:spcAft>
-                <a:spcPts val="0"/>
-              </a:spcAft>
-              <a:buNone/>
-            </a:pPr>
-            <a:endParaRPr/>
-          </a:p>
-        </p:txBody>
-      </p:sp>
-      <p:sp>
-        <p:nvSpPr>
-          <p:cNvPr id="172" name="Google Shape;172;g226338714c5_1_7:notes"/>
+          <p:cNvPr id="155" name="Google Shape;155;g24a24232bea_0_1:notes">
+            <a:extLst>
+              <a:ext uri="{FF2B5EF4-FFF2-40B4-BE49-F238E27FC236}">
+                <a16:creationId xmlns:a16="http://schemas.microsoft.com/office/drawing/2014/main" id="{7B8D3F06-760B-CFDC-B1C9-21291B848A2B}"/>
+              </a:ext>
+            </a:extLst>
+          </p:cNvPr>
           <p:cNvSpPr>
             <a:spLocks noGrp="1" noRot="1" noChangeAspect="1"/>
           </p:cNvSpPr>
@@ -2306,7 +2409,183 @@
           </a:custGeom>
         </p:spPr>
       </p:sp>
+      <p:sp>
+        <p:nvSpPr>
+          <p:cNvPr id="156" name="Google Shape;156;g24a24232bea_0_1:notes">
+            <a:extLst>
+              <a:ext uri="{FF2B5EF4-FFF2-40B4-BE49-F238E27FC236}">
+                <a16:creationId xmlns:a16="http://schemas.microsoft.com/office/drawing/2014/main" id="{F25A29AE-0514-F2A8-3250-15384A6FEAD7}"/>
+              </a:ext>
+            </a:extLst>
+          </p:cNvPr>
+          <p:cNvSpPr txBox="1">
+            <a:spLocks noGrp="1"/>
+          </p:cNvSpPr>
+          <p:nvPr>
+            <p:ph type="body" idx="1"/>
+          </p:nvPr>
+        </p:nvSpPr>
+        <p:spPr>
+          <a:xfrm>
+            <a:off x="685800" y="4343400"/>
+            <a:ext cx="5486400" cy="4114800"/>
+          </a:xfrm>
+          <a:prstGeom prst="rect">
+            <a:avLst/>
+          </a:prstGeom>
+        </p:spPr>
+        <p:txBody>
+          <a:bodyPr spcFirstLastPara="1" wrap="square" lIns="91425" tIns="91425" rIns="91425" bIns="91425" anchor="t" anchorCtr="0">
+            <a:noAutofit/>
+          </a:bodyPr>
+          <a:lstStyle/>
+          <a:p>
+            <a:pPr marL="0" lvl="0" indent="0" algn="l" rtl="0">
+              <a:spcBef>
+                <a:spcPts val="0"/>
+              </a:spcBef>
+              <a:spcAft>
+                <a:spcPts val="0"/>
+              </a:spcAft>
+              <a:buNone/>
+            </a:pPr>
+            <a:endParaRPr/>
+          </a:p>
+        </p:txBody>
+      </p:sp>
     </p:spTree>
+    <p:extLst>
+      <p:ext uri="{BB962C8B-B14F-4D97-AF65-F5344CB8AC3E}">
+        <p14:creationId xmlns:p14="http://schemas.microsoft.com/office/powerpoint/2010/main" val="2356697971"/>
+      </p:ext>
+    </p:extLst>
+  </p:cSld>
+  <p:clrMapOvr>
+    <a:masterClrMapping/>
+  </p:clrMapOvr>
+</p:notes>
+</file>
+
+<file path=ppt/notesSlides/notesSlide9.xml><?xml version="1.0" encoding="utf-8"?>
+<p:notes xmlns:a="http://schemas.openxmlformats.org/drawingml/2006/main" xmlns:r="http://schemas.openxmlformats.org/officeDocument/2006/relationships" xmlns:p="http://schemas.openxmlformats.org/presentationml/2006/main" showMasterSp="0" showMasterPhAnim="0">
+  <p:cSld>
+    <p:spTree>
+      <p:nvGrpSpPr>
+        <p:cNvPr id="1" name="Shape 154">
+          <a:extLst>
+            <a:ext uri="{FF2B5EF4-FFF2-40B4-BE49-F238E27FC236}">
+              <a16:creationId xmlns:a16="http://schemas.microsoft.com/office/drawing/2014/main" id="{D098E909-1D28-8C19-6A1E-DB007B7B5FAA}"/>
+            </a:ext>
+          </a:extLst>
+        </p:cNvPr>
+        <p:cNvGrpSpPr/>
+        <p:nvPr/>
+      </p:nvGrpSpPr>
+      <p:grpSpPr>
+        <a:xfrm>
+          <a:off x="0" y="0"/>
+          <a:ext cx="0" cy="0"/>
+          <a:chOff x="0" y="0"/>
+          <a:chExt cx="0" cy="0"/>
+        </a:xfrm>
+      </p:grpSpPr>
+      <p:sp>
+        <p:nvSpPr>
+          <p:cNvPr id="155" name="Google Shape;155;g24a24232bea_0_1:notes">
+            <a:extLst>
+              <a:ext uri="{FF2B5EF4-FFF2-40B4-BE49-F238E27FC236}">
+                <a16:creationId xmlns:a16="http://schemas.microsoft.com/office/drawing/2014/main" id="{5EC9E953-686C-1677-A949-D03D140CE036}"/>
+              </a:ext>
+            </a:extLst>
+          </p:cNvPr>
+          <p:cNvSpPr>
+            <a:spLocks noGrp="1" noRot="1" noChangeAspect="1"/>
+          </p:cNvSpPr>
+          <p:nvPr>
+            <p:ph type="sldImg" idx="2"/>
+          </p:nvPr>
+        </p:nvSpPr>
+        <p:spPr>
+          <a:xfrm>
+            <a:off x="381000" y="685800"/>
+            <a:ext cx="6096000" cy="3429000"/>
+          </a:xfrm>
+          <a:custGeom>
+            <a:avLst/>
+            <a:gdLst/>
+            <a:ahLst/>
+            <a:cxnLst/>
+            <a:rect l="l" t="t" r="r" b="b"/>
+            <a:pathLst>
+              <a:path w="120000" h="120000" extrusionOk="0">
+                <a:moveTo>
+                  <a:pt x="0" y="0"/>
+                </a:moveTo>
+                <a:lnTo>
+                  <a:pt x="120000" y="0"/>
+                </a:lnTo>
+                <a:lnTo>
+                  <a:pt x="120000" y="120000"/>
+                </a:lnTo>
+                <a:lnTo>
+                  <a:pt x="0" y="120000"/>
+                </a:lnTo>
+                <a:close/>
+              </a:path>
+            </a:pathLst>
+          </a:custGeom>
+        </p:spPr>
+      </p:sp>
+      <p:sp>
+        <p:nvSpPr>
+          <p:cNvPr id="156" name="Google Shape;156;g24a24232bea_0_1:notes">
+            <a:extLst>
+              <a:ext uri="{FF2B5EF4-FFF2-40B4-BE49-F238E27FC236}">
+                <a16:creationId xmlns:a16="http://schemas.microsoft.com/office/drawing/2014/main" id="{B8E80319-EC13-6029-538C-97F74DA35A93}"/>
+              </a:ext>
+            </a:extLst>
+          </p:cNvPr>
+          <p:cNvSpPr txBox="1">
+            <a:spLocks noGrp="1"/>
+          </p:cNvSpPr>
+          <p:nvPr>
+            <p:ph type="body" idx="1"/>
+          </p:nvPr>
+        </p:nvSpPr>
+        <p:spPr>
+          <a:xfrm>
+            <a:off x="685800" y="4343400"/>
+            <a:ext cx="5486400" cy="4114800"/>
+          </a:xfrm>
+          <a:prstGeom prst="rect">
+            <a:avLst/>
+          </a:prstGeom>
+        </p:spPr>
+        <p:txBody>
+          <a:bodyPr spcFirstLastPara="1" wrap="square" lIns="91425" tIns="91425" rIns="91425" bIns="91425" anchor="t" anchorCtr="0">
+            <a:noAutofit/>
+          </a:bodyPr>
+          <a:lstStyle/>
+          <a:p>
+            <a:pPr marL="0" lvl="0" indent="0" algn="l" rtl="0">
+              <a:spcBef>
+                <a:spcPts val="0"/>
+              </a:spcBef>
+              <a:spcAft>
+                <a:spcPts val="0"/>
+              </a:spcAft>
+              <a:buNone/>
+            </a:pPr>
+            <a:endParaRPr/>
+          </a:p>
+        </p:txBody>
+      </p:sp>
+    </p:spTree>
+    <p:extLst>
+      <p:ext uri="{BB962C8B-B14F-4D97-AF65-F5344CB8AC3E}">
+        <p14:creationId xmlns:p14="http://schemas.microsoft.com/office/powerpoint/2010/main" val="1094612312"/>
+      </p:ext>
+    </p:extLst>
   </p:cSld>
   <p:clrMapOvr>
     <a:masterClrMapping/>
@@ -21477,6 +21756,1866 @@
   <p:cSld>
     <p:spTree>
       <p:nvGrpSpPr>
+        <p:cNvPr id="1" name="Shape 157">
+          <a:extLst>
+            <a:ext uri="{FF2B5EF4-FFF2-40B4-BE49-F238E27FC236}">
+              <a16:creationId xmlns:a16="http://schemas.microsoft.com/office/drawing/2014/main" id="{933275F7-9799-8150-0B21-453FA7D15EA0}"/>
+            </a:ext>
+          </a:extLst>
+        </p:cNvPr>
+        <p:cNvGrpSpPr/>
+        <p:nvPr/>
+      </p:nvGrpSpPr>
+      <p:grpSpPr>
+        <a:xfrm>
+          <a:off x="0" y="0"/>
+          <a:ext cx="0" cy="0"/>
+          <a:chOff x="0" y="0"/>
+          <a:chExt cx="0" cy="0"/>
+        </a:xfrm>
+      </p:grpSpPr>
+      <p:sp>
+        <p:nvSpPr>
+          <p:cNvPr id="2" name="Google Shape;122;p20">
+            <a:extLst>
+              <a:ext uri="{FF2B5EF4-FFF2-40B4-BE49-F238E27FC236}">
+                <a16:creationId xmlns:a16="http://schemas.microsoft.com/office/drawing/2014/main" id="{273E4431-71AF-3FB9-A58B-CEE13610254A}"/>
+              </a:ext>
+            </a:extLst>
+          </p:cNvPr>
+          <p:cNvSpPr txBox="1"/>
+          <p:nvPr/>
+        </p:nvSpPr>
+        <p:spPr>
+          <a:xfrm>
+            <a:off x="897962" y="324781"/>
+            <a:ext cx="8246038" cy="485700"/>
+          </a:xfrm>
+          <a:prstGeom prst="rect">
+            <a:avLst/>
+          </a:prstGeom>
+          <a:noFill/>
+          <a:ln>
+            <a:noFill/>
+          </a:ln>
+        </p:spPr>
+        <p:txBody>
+          <a:bodyPr spcFirstLastPara="1" wrap="square" lIns="19050" tIns="19050" rIns="19050" bIns="19050" anchor="ctr" anchorCtr="0">
+            <a:noAutofit/>
+          </a:bodyPr>
+          <a:lstStyle/>
+          <a:p>
+            <a:pPr marL="0" marR="0" lvl="0" indent="0" algn="l" rtl="0">
+              <a:lnSpc>
+                <a:spcPct val="100000"/>
+              </a:lnSpc>
+              <a:spcBef>
+                <a:spcPts val="0"/>
+              </a:spcBef>
+              <a:spcAft>
+                <a:spcPts val="0"/>
+              </a:spcAft>
+              <a:buClr>
+                <a:srgbClr val="31333D"/>
+              </a:buClr>
+              <a:buSzPts val="3000"/>
+              <a:buFont typeface="Maven Pro Medium"/>
+              <a:buNone/>
+            </a:pPr>
+            <a:r>
+              <a:rPr lang="ja-JP" altLang="en-US" sz="3000" dirty="0">
+                <a:solidFill>
+                  <a:srgbClr val="31333D"/>
+                </a:solidFill>
+                <a:latin typeface="Maven Pro Medium"/>
+                <a:ea typeface="Maven Pro Medium"/>
+                <a:cs typeface="Maven Pro Medium"/>
+                <a:sym typeface="Maven Pro Medium"/>
+              </a:rPr>
+              <a:t>要件定義書のイメージ</a:t>
+            </a:r>
+            <a:r>
+              <a:rPr lang="en-US" altLang="ja-JP" sz="3000" dirty="0">
+                <a:solidFill>
+                  <a:srgbClr val="31333D"/>
+                </a:solidFill>
+                <a:latin typeface="Maven Pro Medium"/>
+                <a:ea typeface="Maven Pro Medium"/>
+                <a:cs typeface="Maven Pro Medium"/>
+                <a:sym typeface="Maven Pro Medium"/>
+              </a:rPr>
+              <a:t>(3/3)</a:t>
+            </a:r>
+            <a:r>
+              <a:rPr lang="ja-JP" altLang="en-US" sz="3000" dirty="0">
+                <a:solidFill>
+                  <a:srgbClr val="31333D"/>
+                </a:solidFill>
+                <a:latin typeface="Maven Pro Medium"/>
+                <a:ea typeface="Maven Pro Medium"/>
+                <a:cs typeface="Maven Pro Medium"/>
+                <a:sym typeface="Maven Pro Medium"/>
+              </a:rPr>
+              <a:t>　ワイヤーフレーム</a:t>
+            </a:r>
+          </a:p>
+          <a:p>
+            <a:pPr marL="0" marR="0" lvl="0" indent="0" algn="l" rtl="0">
+              <a:lnSpc>
+                <a:spcPct val="100000"/>
+              </a:lnSpc>
+              <a:spcBef>
+                <a:spcPts val="0"/>
+              </a:spcBef>
+              <a:spcAft>
+                <a:spcPts val="0"/>
+              </a:spcAft>
+              <a:buClr>
+                <a:srgbClr val="31333D"/>
+              </a:buClr>
+              <a:buSzPts val="3000"/>
+              <a:buFont typeface="Maven Pro Medium"/>
+              <a:buNone/>
+            </a:pPr>
+            <a:endParaRPr lang="ja-JP" altLang="en-US" sz="500" dirty="0"/>
+          </a:p>
+        </p:txBody>
+      </p:sp>
+      <p:sp>
+        <p:nvSpPr>
+          <p:cNvPr id="3" name="Google Shape;123;p20">
+            <a:extLst>
+              <a:ext uri="{FF2B5EF4-FFF2-40B4-BE49-F238E27FC236}">
+                <a16:creationId xmlns:a16="http://schemas.microsoft.com/office/drawing/2014/main" id="{425899CF-F32A-A4D2-DE7E-638E9AB0C3E1}"/>
+              </a:ext>
+            </a:extLst>
+          </p:cNvPr>
+          <p:cNvSpPr/>
+          <p:nvPr/>
+        </p:nvSpPr>
+        <p:spPr>
+          <a:xfrm>
+            <a:off x="928638" y="1009764"/>
+            <a:ext cx="591371" cy="210276"/>
+          </a:xfrm>
+          <a:custGeom>
+            <a:avLst/>
+            <a:gdLst/>
+            <a:ahLst/>
+            <a:cxnLst/>
+            <a:rect l="l" t="t" r="r" b="b"/>
+            <a:pathLst>
+              <a:path w="21380" h="21310" extrusionOk="0">
+                <a:moveTo>
+                  <a:pt x="10829" y="4"/>
+                </a:moveTo>
+                <a:cubicBezTo>
+                  <a:pt x="8668" y="-147"/>
+                  <a:pt x="6864" y="4633"/>
+                  <a:pt x="6858" y="10653"/>
+                </a:cubicBezTo>
+                <a:cubicBezTo>
+                  <a:pt x="6852" y="16420"/>
+                  <a:pt x="8513" y="21087"/>
+                  <a:pt x="10581" y="21303"/>
+                </a:cubicBezTo>
+                <a:cubicBezTo>
+                  <a:pt x="12027" y="21453"/>
+                  <a:pt x="13378" y="19280"/>
+                  <a:pt x="14063" y="15706"/>
+                </a:cubicBezTo>
+                <a:cubicBezTo>
+                  <a:pt x="14350" y="14244"/>
+                  <a:pt x="14842" y="13182"/>
+                  <a:pt x="15419" y="12765"/>
+                </a:cubicBezTo>
+                <a:cubicBezTo>
+                  <a:pt x="16212" y="12191"/>
+                  <a:pt x="17052" y="12890"/>
+                  <a:pt x="17603" y="14590"/>
+                </a:cubicBezTo>
+                <a:cubicBezTo>
+                  <a:pt x="18900" y="18813"/>
+                  <a:pt x="21371" y="16270"/>
+                  <a:pt x="21381" y="10698"/>
+                </a:cubicBezTo>
+                <a:cubicBezTo>
+                  <a:pt x="21390" y="5071"/>
+                  <a:pt x="18891" y="2453"/>
+                  <a:pt x="17587" y="6731"/>
+                </a:cubicBezTo>
+                <a:cubicBezTo>
+                  <a:pt x="17150" y="8044"/>
+                  <a:pt x="16527" y="8760"/>
+                  <a:pt x="15887" y="8692"/>
+                </a:cubicBezTo>
+                <a:cubicBezTo>
+                  <a:pt x="15103" y="8610"/>
+                  <a:pt x="14394" y="7388"/>
+                  <a:pt x="14014" y="5464"/>
+                </a:cubicBezTo>
+                <a:cubicBezTo>
+                  <a:pt x="13376" y="2181"/>
+                  <a:pt x="12162" y="97"/>
+                  <a:pt x="10829" y="4"/>
+                </a:cubicBezTo>
+                <a:close/>
+                <a:moveTo>
+                  <a:pt x="2155" y="4559"/>
+                </a:moveTo>
+                <a:cubicBezTo>
+                  <a:pt x="1603" y="4559"/>
+                  <a:pt x="1053" y="5159"/>
+                  <a:pt x="632" y="6339"/>
+                </a:cubicBezTo>
+                <a:cubicBezTo>
+                  <a:pt x="-210" y="8699"/>
+                  <a:pt x="-210" y="12517"/>
+                  <a:pt x="632" y="14877"/>
+                </a:cubicBezTo>
+                <a:cubicBezTo>
+                  <a:pt x="1474" y="17237"/>
+                  <a:pt x="2836" y="17237"/>
+                  <a:pt x="3677" y="14877"/>
+                </a:cubicBezTo>
+                <a:cubicBezTo>
+                  <a:pt x="4519" y="12517"/>
+                  <a:pt x="4519" y="8699"/>
+                  <a:pt x="3677" y="6339"/>
+                </a:cubicBezTo>
+                <a:cubicBezTo>
+                  <a:pt x="3257" y="5159"/>
+                  <a:pt x="2706" y="4559"/>
+                  <a:pt x="2155" y="4559"/>
+                </a:cubicBezTo>
+                <a:close/>
+              </a:path>
+            </a:pathLst>
+          </a:custGeom>
+          <a:gradFill>
+            <a:gsLst>
+              <a:gs pos="0">
+                <a:schemeClr val="accent2"/>
+              </a:gs>
+              <a:gs pos="100000">
+                <a:schemeClr val="accent1"/>
+              </a:gs>
+            </a:gsLst>
+            <a:lin ang="2015895" scaled="0"/>
+          </a:gradFill>
+          <a:ln>
+            <a:noFill/>
+          </a:ln>
+        </p:spPr>
+        <p:txBody>
+          <a:bodyPr spcFirstLastPara="1" wrap="square" lIns="0" tIns="0" rIns="0" bIns="0" anchor="ctr" anchorCtr="0">
+            <a:noAutofit/>
+          </a:bodyPr>
+          <a:lstStyle/>
+          <a:p>
+            <a:pPr marL="0" marR="0" lvl="0" indent="0" algn="ctr" rtl="0">
+              <a:lnSpc>
+                <a:spcPct val="100000"/>
+              </a:lnSpc>
+              <a:spcBef>
+                <a:spcPts val="0"/>
+              </a:spcBef>
+              <a:spcAft>
+                <a:spcPts val="0"/>
+              </a:spcAft>
+              <a:buClr>
+                <a:srgbClr val="FFFFFF"/>
+              </a:buClr>
+              <a:buSzPts val="1100"/>
+              <a:buFont typeface="Helvetica Neue"/>
+              <a:buNone/>
+            </a:pPr>
+            <a:endParaRPr sz="1100" b="1" i="0" u="none" strike="noStrike" cap="none">
+              <a:solidFill>
+                <a:srgbClr val="000000"/>
+              </a:solidFill>
+              <a:latin typeface="Helvetica Neue"/>
+              <a:ea typeface="Helvetica Neue"/>
+              <a:cs typeface="Helvetica Neue"/>
+              <a:sym typeface="Helvetica Neue"/>
+            </a:endParaRPr>
+          </a:p>
+        </p:txBody>
+      </p:sp>
+      <p:sp>
+        <p:nvSpPr>
+          <p:cNvPr id="4" name="Google Shape;151;p21">
+            <a:extLst>
+              <a:ext uri="{FF2B5EF4-FFF2-40B4-BE49-F238E27FC236}">
+                <a16:creationId xmlns:a16="http://schemas.microsoft.com/office/drawing/2014/main" id="{5F808027-2E4F-E1B4-0271-7D904E68448C}"/>
+              </a:ext>
+            </a:extLst>
+          </p:cNvPr>
+          <p:cNvSpPr txBox="1"/>
+          <p:nvPr/>
+        </p:nvSpPr>
+        <p:spPr>
+          <a:xfrm>
+            <a:off x="897963" y="1430444"/>
+            <a:ext cx="7471747" cy="3207924"/>
+          </a:xfrm>
+          <a:prstGeom prst="rect">
+            <a:avLst/>
+          </a:prstGeom>
+          <a:noFill/>
+          <a:ln>
+            <a:noFill/>
+          </a:ln>
+        </p:spPr>
+        <p:txBody>
+          <a:bodyPr spcFirstLastPara="1" wrap="square" lIns="19050" tIns="19050" rIns="19050" bIns="19050" anchor="t" anchorCtr="0">
+            <a:noAutofit/>
+          </a:bodyPr>
+          <a:lstStyle/>
+          <a:p>
+            <a:pPr marL="0" marR="0" lvl="0" indent="0" algn="l" rtl="0">
+              <a:lnSpc>
+                <a:spcPct val="120000"/>
+              </a:lnSpc>
+              <a:spcBef>
+                <a:spcPts val="800"/>
+              </a:spcBef>
+              <a:spcAft>
+                <a:spcPts val="0"/>
+              </a:spcAft>
+              <a:buClr>
+                <a:srgbClr val="646979"/>
+              </a:buClr>
+              <a:buSzPts val="1000"/>
+              <a:buFont typeface="Open Sans"/>
+              <a:buNone/>
+            </a:pPr>
+            <a:r>
+              <a:rPr lang="ja" altLang="ja-JP" sz="1200" dirty="0">
+                <a:solidFill>
+                  <a:schemeClr val="dk2"/>
+                </a:solidFill>
+                <a:latin typeface="Open Sans"/>
+                <a:ea typeface="Open Sans"/>
+                <a:cs typeface="Open Sans"/>
+                <a:sym typeface="Open Sans"/>
+              </a:rPr>
+              <a:t>機能要件の中でラフな画面仕様としてワイヤーフレーム（レイアウトやボタンの挙動などのUI・UX定義）を作成</a:t>
+            </a:r>
+            <a:r>
+              <a:rPr lang="ja-JP" altLang="en-US" sz="1200" dirty="0">
+                <a:solidFill>
+                  <a:schemeClr val="dk2"/>
+                </a:solidFill>
+                <a:latin typeface="Open Sans"/>
+                <a:ea typeface="Open Sans"/>
+                <a:cs typeface="Open Sans"/>
+                <a:sym typeface="Open Sans"/>
+              </a:rPr>
+              <a:t>し、画面遷移のパターン等を確認します</a:t>
+            </a:r>
+            <a:endParaRPr lang="en-US" altLang="ja-JP" sz="1200" dirty="0">
+              <a:solidFill>
+                <a:schemeClr val="dk2"/>
+              </a:solidFill>
+              <a:latin typeface="Open Sans"/>
+              <a:ea typeface="Open Sans"/>
+              <a:cs typeface="Open Sans"/>
+              <a:sym typeface="Open Sans"/>
+            </a:endParaRPr>
+          </a:p>
+          <a:p>
+            <a:pPr marL="0" marR="0" lvl="0" indent="0" algn="l" rtl="0">
+              <a:lnSpc>
+                <a:spcPct val="120000"/>
+              </a:lnSpc>
+              <a:spcBef>
+                <a:spcPts val="800"/>
+              </a:spcBef>
+              <a:spcAft>
+                <a:spcPts val="0"/>
+              </a:spcAft>
+              <a:buClr>
+                <a:srgbClr val="646979"/>
+              </a:buClr>
+              <a:buSzPts val="1000"/>
+              <a:buFont typeface="Open Sans"/>
+              <a:buNone/>
+            </a:pPr>
+            <a:endParaRPr lang="en-US" sz="1200" dirty="0">
+              <a:solidFill>
+                <a:schemeClr val="dk2"/>
+              </a:solidFill>
+              <a:latin typeface="Open Sans"/>
+              <a:ea typeface="Open Sans"/>
+              <a:cs typeface="Open Sans"/>
+              <a:sym typeface="Open Sans"/>
+            </a:endParaRPr>
+          </a:p>
+        </p:txBody>
+      </p:sp>
+      <p:pic>
+        <p:nvPicPr>
+          <p:cNvPr id="5" name="Google Shape;166;p23">
+            <a:extLst>
+              <a:ext uri="{FF2B5EF4-FFF2-40B4-BE49-F238E27FC236}">
+                <a16:creationId xmlns:a16="http://schemas.microsoft.com/office/drawing/2014/main" id="{D239D007-7BCE-5760-7B5D-0F7D93EFEEA7}"/>
+              </a:ext>
+            </a:extLst>
+          </p:cNvPr>
+          <p:cNvPicPr preferRelativeResize="0"/>
+          <p:nvPr/>
+        </p:nvPicPr>
+        <p:blipFill>
+          <a:blip r:embed="rId3">
+            <a:alphaModFix/>
+          </a:blip>
+          <a:stretch>
+            <a:fillRect/>
+          </a:stretch>
+        </p:blipFill>
+        <p:spPr>
+          <a:xfrm>
+            <a:off x="5113014" y="2111689"/>
+            <a:ext cx="3839257" cy="3031811"/>
+          </a:xfrm>
+          <a:prstGeom prst="rect">
+            <a:avLst/>
+          </a:prstGeom>
+          <a:noFill/>
+          <a:ln w="9525" cap="flat" cmpd="sng">
+            <a:solidFill>
+              <a:srgbClr val="000000"/>
+            </a:solidFill>
+            <a:prstDash val="solid"/>
+            <a:round/>
+            <a:headEnd type="none" w="sm" len="sm"/>
+            <a:tailEnd type="none" w="sm" len="sm"/>
+          </a:ln>
+        </p:spPr>
+      </p:pic>
+      <p:pic>
+        <p:nvPicPr>
+          <p:cNvPr id="6" name="Google Shape;167;p24">
+            <a:extLst>
+              <a:ext uri="{FF2B5EF4-FFF2-40B4-BE49-F238E27FC236}">
+                <a16:creationId xmlns:a16="http://schemas.microsoft.com/office/drawing/2014/main" id="{23A2F821-7FFC-7E17-1D21-5B89F08121D1}"/>
+              </a:ext>
+            </a:extLst>
+          </p:cNvPr>
+          <p:cNvPicPr preferRelativeResize="0"/>
+          <p:nvPr/>
+        </p:nvPicPr>
+        <p:blipFill>
+          <a:blip r:embed="rId4">
+            <a:alphaModFix/>
+          </a:blip>
+          <a:stretch>
+            <a:fillRect/>
+          </a:stretch>
+        </p:blipFill>
+        <p:spPr>
+          <a:xfrm>
+            <a:off x="983388" y="2214927"/>
+            <a:ext cx="3146160" cy="2879411"/>
+          </a:xfrm>
+          <a:prstGeom prst="rect">
+            <a:avLst/>
+          </a:prstGeom>
+          <a:noFill/>
+          <a:ln>
+            <a:noFill/>
+          </a:ln>
+        </p:spPr>
+      </p:pic>
+    </p:spTree>
+    <p:extLst>
+      <p:ext uri="{BB962C8B-B14F-4D97-AF65-F5344CB8AC3E}">
+        <p14:creationId xmlns:p14="http://schemas.microsoft.com/office/powerpoint/2010/main" val="4004017527"/>
+      </p:ext>
+    </p:extLst>
+  </p:cSld>
+  <p:clrMapOvr>
+    <a:masterClrMapping/>
+  </p:clrMapOvr>
+</p:sld>
+</file>
+
+<file path=ppt/slides/slide11.xml><?xml version="1.0" encoding="utf-8"?>
+<p:sld xmlns:a="http://schemas.openxmlformats.org/drawingml/2006/main" xmlns:r="http://schemas.openxmlformats.org/officeDocument/2006/relationships" xmlns:p="http://schemas.openxmlformats.org/presentationml/2006/main">
+  <p:cSld>
+    <p:spTree>
+      <p:nvGrpSpPr>
+        <p:cNvPr id="1" name="Shape 173"/>
+        <p:cNvGrpSpPr/>
+        <p:nvPr/>
+      </p:nvGrpSpPr>
+      <p:grpSpPr>
+        <a:xfrm>
+          <a:off x="0" y="0"/>
+          <a:ext cx="0" cy="0"/>
+          <a:chOff x="0" y="0"/>
+          <a:chExt cx="0" cy="0"/>
+        </a:xfrm>
+      </p:grpSpPr>
+      <p:sp>
+        <p:nvSpPr>
+          <p:cNvPr id="174" name="Google Shape;174;p24"/>
+          <p:cNvSpPr txBox="1"/>
+          <p:nvPr/>
+        </p:nvSpPr>
+        <p:spPr>
+          <a:xfrm>
+            <a:off x="897950" y="324775"/>
+            <a:ext cx="7209300" cy="485700"/>
+          </a:xfrm>
+          <a:prstGeom prst="rect">
+            <a:avLst/>
+          </a:prstGeom>
+          <a:noFill/>
+          <a:ln>
+            <a:noFill/>
+          </a:ln>
+        </p:spPr>
+        <p:txBody>
+          <a:bodyPr spcFirstLastPara="1" wrap="square" lIns="19050" tIns="19050" rIns="19050" bIns="19050" anchor="ctr" anchorCtr="0">
+            <a:noAutofit/>
+          </a:bodyPr>
+          <a:lstStyle/>
+          <a:p>
+            <a:pPr marL="0" marR="0" lvl="0" indent="0" algn="l" rtl="0">
+              <a:lnSpc>
+                <a:spcPct val="100000"/>
+              </a:lnSpc>
+              <a:spcBef>
+                <a:spcPts val="0"/>
+              </a:spcBef>
+              <a:spcAft>
+                <a:spcPts val="0"/>
+              </a:spcAft>
+              <a:buClr>
+                <a:srgbClr val="31333D"/>
+              </a:buClr>
+              <a:buSzPts val="3000"/>
+              <a:buFont typeface="Maven Pro Medium"/>
+              <a:buNone/>
+            </a:pPr>
+            <a:r>
+              <a:rPr lang="ja" sz="3000">
+                <a:solidFill>
+                  <a:srgbClr val="31333D"/>
+                </a:solidFill>
+                <a:latin typeface="Maven Pro Medium"/>
+                <a:ea typeface="Maven Pro Medium"/>
+                <a:cs typeface="Maven Pro Medium"/>
+                <a:sym typeface="Maven Pro Medium"/>
+              </a:rPr>
+              <a:t>要件定義フェーズの体制、期間、成果物</a:t>
+            </a:r>
+            <a:endParaRPr sz="500"/>
+          </a:p>
+        </p:txBody>
+      </p:sp>
+      <p:sp>
+        <p:nvSpPr>
+          <p:cNvPr id="175" name="Google Shape;175;p24"/>
+          <p:cNvSpPr txBox="1"/>
+          <p:nvPr/>
+        </p:nvSpPr>
+        <p:spPr>
+          <a:xfrm>
+            <a:off x="919268" y="1419225"/>
+            <a:ext cx="3175500" cy="2714512"/>
+          </a:xfrm>
+          <a:prstGeom prst="rect">
+            <a:avLst/>
+          </a:prstGeom>
+          <a:noFill/>
+          <a:ln>
+            <a:noFill/>
+          </a:ln>
+        </p:spPr>
+        <p:txBody>
+          <a:bodyPr spcFirstLastPara="1" wrap="square" lIns="19050" tIns="19050" rIns="19050" bIns="19050" anchor="t" anchorCtr="0">
+            <a:noAutofit/>
+          </a:bodyPr>
+          <a:lstStyle/>
+          <a:p>
+            <a:pPr marL="0" marR="0" lvl="0" indent="0" algn="l" rtl="0">
+              <a:lnSpc>
+                <a:spcPct val="120000"/>
+              </a:lnSpc>
+              <a:spcBef>
+                <a:spcPts val="800"/>
+              </a:spcBef>
+              <a:spcAft>
+                <a:spcPts val="0"/>
+              </a:spcAft>
+              <a:buNone/>
+            </a:pPr>
+            <a:r>
+              <a:rPr lang="ja" sz="1200" dirty="0">
+                <a:solidFill>
+                  <a:schemeClr val="dk2"/>
+                </a:solidFill>
+                <a:latin typeface="Open Sans"/>
+                <a:ea typeface="Open Sans"/>
+                <a:cs typeface="Open Sans"/>
+                <a:sym typeface="Open Sans"/>
+              </a:rPr>
+              <a:t>体制</a:t>
+            </a:r>
+            <a:endParaRPr sz="1200" dirty="0">
+              <a:solidFill>
+                <a:schemeClr val="dk2"/>
+              </a:solidFill>
+              <a:latin typeface="Open Sans"/>
+              <a:ea typeface="Open Sans"/>
+              <a:cs typeface="Open Sans"/>
+              <a:sym typeface="Open Sans"/>
+            </a:endParaRPr>
+          </a:p>
+          <a:p>
+            <a:pPr marL="457200" marR="0" lvl="0" indent="-304800" algn="l" rtl="0">
+              <a:lnSpc>
+                <a:spcPct val="120000"/>
+              </a:lnSpc>
+              <a:spcBef>
+                <a:spcPts val="800"/>
+              </a:spcBef>
+              <a:spcAft>
+                <a:spcPts val="0"/>
+              </a:spcAft>
+              <a:buClr>
+                <a:schemeClr val="dk2"/>
+              </a:buClr>
+              <a:buSzPts val="1200"/>
+              <a:buFont typeface="Open Sans"/>
+              <a:buChar char="●"/>
+            </a:pPr>
+            <a:r>
+              <a:rPr lang="ja-JP" altLang="en-US" sz="1200" dirty="0">
+                <a:solidFill>
+                  <a:schemeClr val="dk2"/>
+                </a:solidFill>
+                <a:latin typeface="Open Sans"/>
+                <a:ea typeface="Open Sans"/>
+                <a:cs typeface="Open Sans"/>
+                <a:sym typeface="Open Sans"/>
+              </a:rPr>
+              <a:t>プロジェクト責任者</a:t>
+            </a:r>
+            <a:r>
+              <a:rPr lang="ja" sz="1200" dirty="0">
+                <a:solidFill>
+                  <a:schemeClr val="dk2"/>
+                </a:solidFill>
+                <a:latin typeface="Open Sans"/>
+                <a:ea typeface="Open Sans"/>
+                <a:cs typeface="Open Sans"/>
+                <a:sym typeface="Open Sans"/>
+              </a:rPr>
+              <a:t> </a:t>
+            </a:r>
+            <a:r>
+              <a:rPr lang="ja-JP" altLang="en-US" sz="1200" dirty="0">
+                <a:solidFill>
+                  <a:schemeClr val="dk2"/>
+                </a:solidFill>
+                <a:latin typeface="Open Sans"/>
+                <a:ea typeface="Open Sans"/>
+                <a:cs typeface="Open Sans"/>
+                <a:sym typeface="Open Sans"/>
+              </a:rPr>
+              <a:t>安藤様</a:t>
+            </a:r>
+            <a:endParaRPr sz="1200" dirty="0">
+              <a:solidFill>
+                <a:schemeClr val="dk2"/>
+              </a:solidFill>
+              <a:latin typeface="Open Sans"/>
+              <a:ea typeface="Open Sans"/>
+              <a:cs typeface="Open Sans"/>
+              <a:sym typeface="Open Sans"/>
+            </a:endParaRPr>
+          </a:p>
+          <a:p>
+            <a:pPr marL="457200" marR="0" lvl="0" indent="-304800" algn="l" rtl="0">
+              <a:lnSpc>
+                <a:spcPct val="120000"/>
+              </a:lnSpc>
+              <a:spcBef>
+                <a:spcPts val="0"/>
+              </a:spcBef>
+              <a:spcAft>
+                <a:spcPts val="0"/>
+              </a:spcAft>
+              <a:buClr>
+                <a:schemeClr val="dk2"/>
+              </a:buClr>
+              <a:buSzPts val="1200"/>
+              <a:buFont typeface="Open Sans"/>
+              <a:buChar char="●"/>
+            </a:pPr>
+            <a:r>
+              <a:rPr lang="ja" sz="1200" dirty="0">
+                <a:solidFill>
+                  <a:schemeClr val="dk2"/>
+                </a:solidFill>
+                <a:latin typeface="Open Sans"/>
+                <a:ea typeface="Open Sans"/>
+                <a:cs typeface="Open Sans"/>
+                <a:sym typeface="Open Sans"/>
+              </a:rPr>
+              <a:t>PM</a:t>
+            </a:r>
+            <a:r>
+              <a:rPr lang="en-US" altLang="ja" sz="1200" dirty="0">
+                <a:solidFill>
+                  <a:schemeClr val="dk2"/>
+                </a:solidFill>
+                <a:latin typeface="Open Sans"/>
+                <a:ea typeface="Open Sans"/>
+                <a:cs typeface="Open Sans"/>
+                <a:sym typeface="Open Sans"/>
+              </a:rPr>
+              <a:t> </a:t>
+            </a:r>
+            <a:r>
+              <a:rPr lang="ja-JP" altLang="en-US" sz="1200" dirty="0">
+                <a:solidFill>
+                  <a:schemeClr val="dk2"/>
+                </a:solidFill>
+                <a:latin typeface="Open Sans"/>
+                <a:ea typeface="Open Sans"/>
+                <a:cs typeface="Open Sans"/>
+                <a:sym typeface="Open Sans"/>
+              </a:rPr>
+              <a:t>石積</a:t>
+            </a:r>
+            <a:endParaRPr sz="1200" dirty="0">
+              <a:solidFill>
+                <a:schemeClr val="dk2"/>
+              </a:solidFill>
+              <a:latin typeface="Open Sans"/>
+              <a:ea typeface="Open Sans"/>
+              <a:cs typeface="Open Sans"/>
+              <a:sym typeface="Open Sans"/>
+            </a:endParaRPr>
+          </a:p>
+          <a:p>
+            <a:pPr marL="0" marR="0" lvl="0" indent="0" algn="l" rtl="0">
+              <a:lnSpc>
+                <a:spcPct val="120000"/>
+              </a:lnSpc>
+              <a:spcBef>
+                <a:spcPts val="800"/>
+              </a:spcBef>
+              <a:spcAft>
+                <a:spcPts val="0"/>
+              </a:spcAft>
+              <a:buNone/>
+            </a:pPr>
+            <a:r>
+              <a:rPr lang="ja" sz="1200" dirty="0">
+                <a:solidFill>
+                  <a:schemeClr val="dk2"/>
+                </a:solidFill>
+                <a:latin typeface="Open Sans"/>
+                <a:ea typeface="Open Sans"/>
+                <a:cs typeface="Open Sans"/>
+                <a:sym typeface="Open Sans"/>
+              </a:rPr>
+              <a:t>期間</a:t>
+            </a:r>
+            <a:endParaRPr sz="1200" dirty="0">
+              <a:solidFill>
+                <a:schemeClr val="dk2"/>
+              </a:solidFill>
+              <a:latin typeface="Open Sans"/>
+              <a:ea typeface="Open Sans"/>
+              <a:cs typeface="Open Sans"/>
+              <a:sym typeface="Open Sans"/>
+            </a:endParaRPr>
+          </a:p>
+          <a:p>
+            <a:pPr marL="457200" marR="0" lvl="0" indent="-304800" algn="l" rtl="0">
+              <a:lnSpc>
+                <a:spcPct val="120000"/>
+              </a:lnSpc>
+              <a:spcBef>
+                <a:spcPts val="800"/>
+              </a:spcBef>
+              <a:spcAft>
+                <a:spcPts val="0"/>
+              </a:spcAft>
+              <a:buClr>
+                <a:schemeClr val="dk2"/>
+              </a:buClr>
+              <a:buSzPts val="1200"/>
+              <a:buFont typeface="Open Sans"/>
+              <a:buChar char="●"/>
+            </a:pPr>
+            <a:r>
+              <a:rPr lang="en-US" altLang="ja" sz="1200" dirty="0">
+                <a:solidFill>
+                  <a:schemeClr val="dk2"/>
+                </a:solidFill>
+                <a:latin typeface="Open Sans"/>
+                <a:ea typeface="Open Sans"/>
+                <a:cs typeface="Open Sans"/>
+                <a:sym typeface="Open Sans"/>
+              </a:rPr>
+              <a:t>2.5</a:t>
+            </a:r>
+            <a:r>
+              <a:rPr lang="ja" sz="1200" dirty="0">
+                <a:solidFill>
+                  <a:schemeClr val="dk2"/>
+                </a:solidFill>
+                <a:latin typeface="Open Sans"/>
+                <a:ea typeface="Open Sans"/>
+                <a:cs typeface="Open Sans"/>
+                <a:sym typeface="Open Sans"/>
+              </a:rPr>
+              <a:t>ヶ月</a:t>
+            </a:r>
+            <a:endParaRPr sz="1200" dirty="0">
+              <a:solidFill>
+                <a:schemeClr val="dk2"/>
+              </a:solidFill>
+              <a:latin typeface="Open Sans"/>
+              <a:ea typeface="Open Sans"/>
+              <a:cs typeface="Open Sans"/>
+              <a:sym typeface="Open Sans"/>
+            </a:endParaRPr>
+          </a:p>
+          <a:p>
+            <a:pPr marL="0" marR="0" lvl="0" indent="0" algn="l" rtl="0">
+              <a:lnSpc>
+                <a:spcPct val="120000"/>
+              </a:lnSpc>
+              <a:spcBef>
+                <a:spcPts val="800"/>
+              </a:spcBef>
+              <a:spcAft>
+                <a:spcPts val="0"/>
+              </a:spcAft>
+              <a:buNone/>
+            </a:pPr>
+            <a:r>
+              <a:rPr lang="ja" sz="1200" dirty="0">
+                <a:solidFill>
+                  <a:schemeClr val="dk2"/>
+                </a:solidFill>
+                <a:latin typeface="Open Sans"/>
+                <a:ea typeface="Open Sans"/>
+                <a:cs typeface="Open Sans"/>
+                <a:sym typeface="Open Sans"/>
+              </a:rPr>
+              <a:t>成果物</a:t>
+            </a:r>
+            <a:endParaRPr sz="1200" dirty="0">
+              <a:solidFill>
+                <a:schemeClr val="dk2"/>
+              </a:solidFill>
+              <a:latin typeface="Open Sans"/>
+              <a:ea typeface="Open Sans"/>
+              <a:cs typeface="Open Sans"/>
+              <a:sym typeface="Open Sans"/>
+            </a:endParaRPr>
+          </a:p>
+          <a:p>
+            <a:pPr marL="457200" marR="0" lvl="0" indent="-304800" algn="l" rtl="0">
+              <a:lnSpc>
+                <a:spcPct val="120000"/>
+              </a:lnSpc>
+              <a:spcBef>
+                <a:spcPts val="800"/>
+              </a:spcBef>
+              <a:spcAft>
+                <a:spcPts val="0"/>
+              </a:spcAft>
+              <a:buClr>
+                <a:schemeClr val="dk2"/>
+              </a:buClr>
+              <a:buSzPts val="1200"/>
+              <a:buFont typeface="Open Sans"/>
+              <a:buChar char="●"/>
+            </a:pPr>
+            <a:r>
+              <a:rPr lang="ja" sz="1200" dirty="0">
+                <a:solidFill>
+                  <a:schemeClr val="dk2"/>
+                </a:solidFill>
+                <a:latin typeface="Open Sans"/>
+                <a:ea typeface="Open Sans"/>
+                <a:cs typeface="Open Sans"/>
+                <a:sym typeface="Open Sans"/>
+              </a:rPr>
+              <a:t>要件定義書</a:t>
+            </a:r>
+            <a:endParaRPr lang="en-US" altLang="ja" sz="1200" dirty="0">
+              <a:solidFill>
+                <a:schemeClr val="dk2"/>
+              </a:solidFill>
+              <a:latin typeface="Open Sans"/>
+              <a:ea typeface="Open Sans"/>
+              <a:cs typeface="Open Sans"/>
+              <a:sym typeface="Open Sans"/>
+            </a:endParaRPr>
+          </a:p>
+          <a:p>
+            <a:pPr marL="457200" marR="0" lvl="0" indent="-304800" algn="l" rtl="0">
+              <a:lnSpc>
+                <a:spcPct val="120000"/>
+              </a:lnSpc>
+              <a:spcBef>
+                <a:spcPts val="800"/>
+              </a:spcBef>
+              <a:spcAft>
+                <a:spcPts val="0"/>
+              </a:spcAft>
+              <a:buClr>
+                <a:schemeClr val="dk2"/>
+              </a:buClr>
+              <a:buSzPts val="1200"/>
+              <a:buFont typeface="Open Sans"/>
+              <a:buChar char="●"/>
+            </a:pPr>
+            <a:r>
+              <a:rPr lang="ja-JP" altLang="en-US" sz="1200" dirty="0">
+                <a:solidFill>
+                  <a:schemeClr val="dk2"/>
+                </a:solidFill>
+                <a:latin typeface="Open Sans"/>
+                <a:ea typeface="Open Sans"/>
+                <a:cs typeface="Open Sans"/>
+                <a:sym typeface="Open Sans"/>
+              </a:rPr>
+              <a:t>開発見積書</a:t>
+            </a:r>
+            <a:endParaRPr lang="en-US" altLang="ja-JP" sz="1200" dirty="0">
+              <a:solidFill>
+                <a:schemeClr val="dk2"/>
+              </a:solidFill>
+              <a:latin typeface="Open Sans"/>
+              <a:ea typeface="Open Sans"/>
+              <a:cs typeface="Open Sans"/>
+              <a:sym typeface="Open Sans"/>
+            </a:endParaRPr>
+          </a:p>
+        </p:txBody>
+      </p:sp>
+      <p:sp>
+        <p:nvSpPr>
+          <p:cNvPr id="176" name="Google Shape;176;p24"/>
+          <p:cNvSpPr/>
+          <p:nvPr/>
+        </p:nvSpPr>
+        <p:spPr>
+          <a:xfrm>
+            <a:off x="928638" y="1009764"/>
+            <a:ext cx="591371" cy="210276"/>
+          </a:xfrm>
+          <a:custGeom>
+            <a:avLst/>
+            <a:gdLst/>
+            <a:ahLst/>
+            <a:cxnLst/>
+            <a:rect l="l" t="t" r="r" b="b"/>
+            <a:pathLst>
+              <a:path w="21380" h="21310" extrusionOk="0">
+                <a:moveTo>
+                  <a:pt x="10829" y="4"/>
+                </a:moveTo>
+                <a:cubicBezTo>
+                  <a:pt x="8668" y="-147"/>
+                  <a:pt x="6864" y="4633"/>
+                  <a:pt x="6858" y="10653"/>
+                </a:cubicBezTo>
+                <a:cubicBezTo>
+                  <a:pt x="6852" y="16420"/>
+                  <a:pt x="8513" y="21087"/>
+                  <a:pt x="10581" y="21303"/>
+                </a:cubicBezTo>
+                <a:cubicBezTo>
+                  <a:pt x="12027" y="21453"/>
+                  <a:pt x="13378" y="19280"/>
+                  <a:pt x="14063" y="15706"/>
+                </a:cubicBezTo>
+                <a:cubicBezTo>
+                  <a:pt x="14350" y="14244"/>
+                  <a:pt x="14842" y="13182"/>
+                  <a:pt x="15419" y="12765"/>
+                </a:cubicBezTo>
+                <a:cubicBezTo>
+                  <a:pt x="16212" y="12191"/>
+                  <a:pt x="17052" y="12890"/>
+                  <a:pt x="17603" y="14590"/>
+                </a:cubicBezTo>
+                <a:cubicBezTo>
+                  <a:pt x="18900" y="18813"/>
+                  <a:pt x="21371" y="16270"/>
+                  <a:pt x="21381" y="10698"/>
+                </a:cubicBezTo>
+                <a:cubicBezTo>
+                  <a:pt x="21390" y="5071"/>
+                  <a:pt x="18891" y="2453"/>
+                  <a:pt x="17587" y="6731"/>
+                </a:cubicBezTo>
+                <a:cubicBezTo>
+                  <a:pt x="17150" y="8044"/>
+                  <a:pt x="16527" y="8760"/>
+                  <a:pt x="15887" y="8692"/>
+                </a:cubicBezTo>
+                <a:cubicBezTo>
+                  <a:pt x="15103" y="8610"/>
+                  <a:pt x="14394" y="7388"/>
+                  <a:pt x="14014" y="5464"/>
+                </a:cubicBezTo>
+                <a:cubicBezTo>
+                  <a:pt x="13376" y="2181"/>
+                  <a:pt x="12162" y="97"/>
+                  <a:pt x="10829" y="4"/>
+                </a:cubicBezTo>
+                <a:close/>
+                <a:moveTo>
+                  <a:pt x="2155" y="4559"/>
+                </a:moveTo>
+                <a:cubicBezTo>
+                  <a:pt x="1603" y="4559"/>
+                  <a:pt x="1053" y="5159"/>
+                  <a:pt x="632" y="6339"/>
+                </a:cubicBezTo>
+                <a:cubicBezTo>
+                  <a:pt x="-210" y="8699"/>
+                  <a:pt x="-210" y="12517"/>
+                  <a:pt x="632" y="14877"/>
+                </a:cubicBezTo>
+                <a:cubicBezTo>
+                  <a:pt x="1474" y="17237"/>
+                  <a:pt x="2836" y="17237"/>
+                  <a:pt x="3677" y="14877"/>
+                </a:cubicBezTo>
+                <a:cubicBezTo>
+                  <a:pt x="4519" y="12517"/>
+                  <a:pt x="4519" y="8699"/>
+                  <a:pt x="3677" y="6339"/>
+                </a:cubicBezTo>
+                <a:cubicBezTo>
+                  <a:pt x="3257" y="5159"/>
+                  <a:pt x="2706" y="4559"/>
+                  <a:pt x="2155" y="4559"/>
+                </a:cubicBezTo>
+                <a:close/>
+              </a:path>
+            </a:pathLst>
+          </a:custGeom>
+          <a:gradFill>
+            <a:gsLst>
+              <a:gs pos="0">
+                <a:schemeClr val="accent2"/>
+              </a:gs>
+              <a:gs pos="100000">
+                <a:schemeClr val="accent1"/>
+              </a:gs>
+            </a:gsLst>
+            <a:lin ang="2015895" scaled="0"/>
+          </a:gradFill>
+          <a:ln>
+            <a:noFill/>
+          </a:ln>
+        </p:spPr>
+        <p:txBody>
+          <a:bodyPr spcFirstLastPara="1" wrap="square" lIns="0" tIns="0" rIns="0" bIns="0" anchor="ctr" anchorCtr="0">
+            <a:noAutofit/>
+          </a:bodyPr>
+          <a:lstStyle/>
+          <a:p>
+            <a:pPr marL="0" marR="0" lvl="0" indent="0" algn="ctr" rtl="0">
+              <a:lnSpc>
+                <a:spcPct val="100000"/>
+              </a:lnSpc>
+              <a:spcBef>
+                <a:spcPts val="0"/>
+              </a:spcBef>
+              <a:spcAft>
+                <a:spcPts val="0"/>
+              </a:spcAft>
+              <a:buClr>
+                <a:srgbClr val="FFFFFF"/>
+              </a:buClr>
+              <a:buSzPts val="1100"/>
+              <a:buFont typeface="Helvetica Neue"/>
+              <a:buNone/>
+            </a:pPr>
+            <a:endParaRPr sz="1100" b="1" i="0" u="none" strike="noStrike" cap="none">
+              <a:solidFill>
+                <a:srgbClr val="000000"/>
+              </a:solidFill>
+              <a:latin typeface="Helvetica Neue"/>
+              <a:ea typeface="Helvetica Neue"/>
+              <a:cs typeface="Helvetica Neue"/>
+              <a:sym typeface="Helvetica Neue"/>
+            </a:endParaRPr>
+          </a:p>
+        </p:txBody>
+      </p:sp>
+      <p:graphicFrame>
+        <p:nvGraphicFramePr>
+          <p:cNvPr id="177" name="Google Shape;177;p24"/>
+          <p:cNvGraphicFramePr/>
+          <p:nvPr>
+            <p:extLst>
+              <p:ext uri="{D42A27DB-BD31-4B8C-83A1-F6EECF244321}">
+                <p14:modId xmlns:p14="http://schemas.microsoft.com/office/powerpoint/2010/main" val="2261315784"/>
+              </p:ext>
+            </p:extLst>
+          </p:nvPr>
+        </p:nvGraphicFramePr>
+        <p:xfrm>
+          <a:off x="4153425" y="1851800"/>
+          <a:ext cx="4117739" cy="2091256"/>
+        </p:xfrm>
+        <a:graphic>
+          <a:graphicData uri="http://schemas.openxmlformats.org/drawingml/2006/table">
+            <a:tbl>
+              <a:tblPr>
+                <a:noFill/>
+                <a:tableStyleId>{6CEEA473-470A-4611-B8A1-E84EFB49ADAA}</a:tableStyleId>
+              </a:tblPr>
+              <a:tblGrid>
+                <a:gridCol w="830925">
+                  <a:extLst>
+                    <a:ext uri="{9D8B030D-6E8A-4147-A177-3AD203B41FA5}">
+                      <a16:colId xmlns:a16="http://schemas.microsoft.com/office/drawing/2014/main" val="20000"/>
+                    </a:ext>
+                  </a:extLst>
+                </a:gridCol>
+                <a:gridCol w="2326975">
+                  <a:extLst>
+                    <a:ext uri="{9D8B030D-6E8A-4147-A177-3AD203B41FA5}">
+                      <a16:colId xmlns:a16="http://schemas.microsoft.com/office/drawing/2014/main" val="20001"/>
+                    </a:ext>
+                  </a:extLst>
+                </a:gridCol>
+                <a:gridCol w="959839">
+                  <a:extLst>
+                    <a:ext uri="{9D8B030D-6E8A-4147-A177-3AD203B41FA5}">
+                      <a16:colId xmlns:a16="http://schemas.microsoft.com/office/drawing/2014/main" val="20002"/>
+                    </a:ext>
+                  </a:extLst>
+                </a:gridCol>
+              </a:tblGrid>
+              <a:tr h="227050">
+                <a:tc rowSpan="4">
+                  <a:txBody>
+                    <a:bodyPr/>
+                    <a:lstStyle/>
+                    <a:p>
+                      <a:pPr marL="0" lvl="0" indent="0" algn="l" rtl="0">
+                        <a:lnSpc>
+                          <a:spcPct val="120000"/>
+                        </a:lnSpc>
+                        <a:spcBef>
+                          <a:spcPts val="800"/>
+                        </a:spcBef>
+                        <a:spcAft>
+                          <a:spcPts val="0"/>
+                        </a:spcAft>
+                        <a:buNone/>
+                      </a:pPr>
+                      <a:r>
+                        <a:rPr lang="ja" sz="1000" dirty="0">
+                          <a:solidFill>
+                            <a:schemeClr val="dk2"/>
+                          </a:solidFill>
+                          <a:latin typeface="Open Sans"/>
+                          <a:ea typeface="Open Sans"/>
+                          <a:cs typeface="Open Sans"/>
+                          <a:sym typeface="Open Sans"/>
+                        </a:rPr>
+                        <a:t>要件定義書</a:t>
+                      </a:r>
+                      <a:endParaRPr sz="1000" dirty="0">
+                        <a:solidFill>
+                          <a:schemeClr val="dk2"/>
+                        </a:solidFill>
+                        <a:latin typeface="Open Sans"/>
+                        <a:ea typeface="Open Sans"/>
+                        <a:cs typeface="Open Sans"/>
+                        <a:sym typeface="Open Sans"/>
+                      </a:endParaRPr>
+                    </a:p>
+                  </a:txBody>
+                  <a:tcPr marL="91425" marR="91425" marT="91425" marB="91425"/>
+                </a:tc>
+                <a:tc>
+                  <a:txBody>
+                    <a:bodyPr/>
+                    <a:lstStyle/>
+                    <a:p>
+                      <a:pPr marL="0" lvl="0" indent="0" algn="l" rtl="0">
+                        <a:lnSpc>
+                          <a:spcPct val="120000"/>
+                        </a:lnSpc>
+                        <a:spcBef>
+                          <a:spcPts val="800"/>
+                        </a:spcBef>
+                        <a:spcAft>
+                          <a:spcPts val="0"/>
+                        </a:spcAft>
+                        <a:buNone/>
+                      </a:pPr>
+                      <a:r>
+                        <a:rPr lang="ja" sz="1000">
+                          <a:solidFill>
+                            <a:schemeClr val="dk2"/>
+                          </a:solidFill>
+                          <a:latin typeface="Open Sans"/>
+                          <a:ea typeface="Open Sans"/>
+                          <a:cs typeface="Open Sans"/>
+                          <a:sym typeface="Open Sans"/>
+                        </a:rPr>
+                        <a:t>業務要件</a:t>
+                      </a:r>
+                      <a:endParaRPr sz="1000"/>
+                    </a:p>
+                  </a:txBody>
+                  <a:tcPr marL="91425" marR="91425" marT="91425" marB="91425"/>
+                </a:tc>
+                <a:tc>
+                  <a:txBody>
+                    <a:bodyPr/>
+                    <a:lstStyle/>
+                    <a:p>
+                      <a:pPr marL="0" lvl="0" indent="0" algn="l" rtl="0">
+                        <a:spcBef>
+                          <a:spcPts val="0"/>
+                        </a:spcBef>
+                        <a:spcAft>
+                          <a:spcPts val="0"/>
+                        </a:spcAft>
+                        <a:buNone/>
+                      </a:pPr>
+                      <a:r>
+                        <a:rPr lang="en-US" altLang="ja" sz="1000" dirty="0"/>
+                        <a:t>12 </a:t>
+                      </a:r>
+                      <a:r>
+                        <a:rPr lang="ja-JP" altLang="en-US" sz="1000" dirty="0"/>
+                        <a:t>営業日</a:t>
+                      </a:r>
+                      <a:endParaRPr sz="1000" dirty="0"/>
+                    </a:p>
+                  </a:txBody>
+                  <a:tcPr marL="91425" marR="91425" marT="91425" marB="91425"/>
+                </a:tc>
+                <a:extLst>
+                  <a:ext uri="{0D108BD9-81ED-4DB2-BD59-A6C34878D82A}">
+                    <a16:rowId xmlns:a16="http://schemas.microsoft.com/office/drawing/2014/main" val="10000"/>
+                  </a:ext>
+                </a:extLst>
+              </a:tr>
+              <a:tr h="227050">
+                <a:tc vMerge="1">
+                  <a:txBody>
+                    <a:bodyPr/>
+                    <a:lstStyle/>
+                    <a:p>
+                      <a:pPr marL="0" lvl="0" indent="0" algn="l" rtl="0">
+                        <a:lnSpc>
+                          <a:spcPct val="120000"/>
+                        </a:lnSpc>
+                        <a:spcBef>
+                          <a:spcPts val="800"/>
+                        </a:spcBef>
+                        <a:spcAft>
+                          <a:spcPts val="0"/>
+                        </a:spcAft>
+                        <a:buNone/>
+                      </a:pPr>
+                      <a:endParaRPr sz="1000" dirty="0">
+                        <a:solidFill>
+                          <a:schemeClr val="dk2"/>
+                        </a:solidFill>
+                        <a:latin typeface="Open Sans"/>
+                        <a:ea typeface="Open Sans"/>
+                        <a:cs typeface="Open Sans"/>
+                        <a:sym typeface="Open Sans"/>
+                      </a:endParaRPr>
+                    </a:p>
+                  </a:txBody>
+                  <a:tcPr marL="91425" marR="91425" marT="91425" marB="91425"/>
+                </a:tc>
+                <a:tc>
+                  <a:txBody>
+                    <a:bodyPr/>
+                    <a:lstStyle/>
+                    <a:p>
+                      <a:pPr marL="0" lvl="0" indent="0" algn="l" rtl="0">
+                        <a:lnSpc>
+                          <a:spcPct val="120000"/>
+                        </a:lnSpc>
+                        <a:spcBef>
+                          <a:spcPts val="800"/>
+                        </a:spcBef>
+                        <a:spcAft>
+                          <a:spcPts val="0"/>
+                        </a:spcAft>
+                        <a:buNone/>
+                      </a:pPr>
+                      <a:r>
+                        <a:rPr lang="ja" sz="1000" dirty="0">
+                          <a:solidFill>
+                            <a:schemeClr val="dk2"/>
+                          </a:solidFill>
+                          <a:latin typeface="Open Sans"/>
+                          <a:ea typeface="Open Sans"/>
+                          <a:cs typeface="Open Sans"/>
+                          <a:sym typeface="Open Sans"/>
+                        </a:rPr>
+                        <a:t>機能要件</a:t>
+                      </a:r>
+                      <a:endParaRPr sz="1000" dirty="0"/>
+                    </a:p>
+                  </a:txBody>
+                  <a:tcPr marL="91425" marR="91425" marT="91425" marB="91425"/>
+                </a:tc>
+                <a:tc>
+                  <a:txBody>
+                    <a:bodyPr/>
+                    <a:lstStyle/>
+                    <a:p>
+                      <a:pPr marL="0" marR="0" lvl="0" indent="0" algn="l" defTabSz="914400" rtl="0" eaLnBrk="1" fontAlgn="auto" latinLnBrk="0" hangingPunct="1">
+                        <a:lnSpc>
+                          <a:spcPct val="100000"/>
+                        </a:lnSpc>
+                        <a:spcBef>
+                          <a:spcPts val="0"/>
+                        </a:spcBef>
+                        <a:spcAft>
+                          <a:spcPts val="0"/>
+                        </a:spcAft>
+                        <a:buClr>
+                          <a:srgbClr val="000000"/>
+                        </a:buClr>
+                        <a:buSzTx/>
+                        <a:buFont typeface="Arial"/>
+                        <a:buNone/>
+                        <a:tabLst/>
+                        <a:defRPr/>
+                      </a:pPr>
+                      <a:r>
+                        <a:rPr lang="en-US" altLang="ja-JP" sz="1000" dirty="0"/>
+                        <a:t>12 </a:t>
+                      </a:r>
+                      <a:r>
+                        <a:rPr lang="ja-JP" altLang="en-US" sz="1000" dirty="0"/>
+                        <a:t>営業日</a:t>
+                      </a:r>
+                    </a:p>
+                  </a:txBody>
+                  <a:tcPr marL="91425" marR="91425" marT="91425" marB="91425"/>
+                </a:tc>
+                <a:extLst>
+                  <a:ext uri="{0D108BD9-81ED-4DB2-BD59-A6C34878D82A}">
+                    <a16:rowId xmlns:a16="http://schemas.microsoft.com/office/drawing/2014/main" val="10001"/>
+                  </a:ext>
+                </a:extLst>
+              </a:tr>
+              <a:tr h="227050">
+                <a:tc vMerge="1">
+                  <a:txBody>
+                    <a:bodyPr/>
+                    <a:lstStyle/>
+                    <a:p>
+                      <a:pPr marL="0" lvl="0" indent="0" algn="l" rtl="0">
+                        <a:lnSpc>
+                          <a:spcPct val="120000"/>
+                        </a:lnSpc>
+                        <a:spcBef>
+                          <a:spcPts val="800"/>
+                        </a:spcBef>
+                        <a:spcAft>
+                          <a:spcPts val="0"/>
+                        </a:spcAft>
+                        <a:buNone/>
+                      </a:pPr>
+                      <a:endParaRPr sz="1000" dirty="0">
+                        <a:solidFill>
+                          <a:schemeClr val="dk2"/>
+                        </a:solidFill>
+                        <a:latin typeface="Open Sans"/>
+                        <a:ea typeface="Open Sans"/>
+                        <a:cs typeface="Open Sans"/>
+                        <a:sym typeface="Open Sans"/>
+                      </a:endParaRPr>
+                    </a:p>
+                  </a:txBody>
+                  <a:tcPr marL="91425" marR="91425" marT="91425" marB="91425"/>
+                </a:tc>
+                <a:tc>
+                  <a:txBody>
+                    <a:bodyPr/>
+                    <a:lstStyle/>
+                    <a:p>
+                      <a:pPr marL="0" marR="0" lvl="0" indent="0" algn="l" defTabSz="914400" rtl="0" eaLnBrk="1" fontAlgn="auto" latinLnBrk="0" hangingPunct="1">
+                        <a:lnSpc>
+                          <a:spcPct val="120000"/>
+                        </a:lnSpc>
+                        <a:spcBef>
+                          <a:spcPts val="800"/>
+                        </a:spcBef>
+                        <a:spcAft>
+                          <a:spcPts val="0"/>
+                        </a:spcAft>
+                        <a:buClr>
+                          <a:srgbClr val="000000"/>
+                        </a:buClr>
+                        <a:buSzTx/>
+                        <a:buFont typeface="Arial"/>
+                        <a:buNone/>
+                        <a:tabLst/>
+                        <a:defRPr/>
+                      </a:pPr>
+                      <a:r>
+                        <a:rPr lang="ja" sz="1000" dirty="0">
+                          <a:solidFill>
+                            <a:schemeClr val="dk2"/>
+                          </a:solidFill>
+                          <a:latin typeface="Open Sans"/>
+                          <a:ea typeface="Open Sans"/>
+                          <a:cs typeface="Open Sans"/>
+                          <a:sym typeface="Open Sans"/>
+                        </a:rPr>
+                        <a:t>非機能要件</a:t>
+                      </a:r>
+                      <a:endParaRPr lang="ja-JP" altLang="en-US" sz="1000" dirty="0">
+                        <a:solidFill>
+                          <a:schemeClr val="dk2"/>
+                        </a:solidFill>
+                        <a:latin typeface="Open Sans"/>
+                        <a:ea typeface="Open Sans"/>
+                        <a:cs typeface="Open Sans"/>
+                        <a:sym typeface="Open Sans"/>
+                      </a:endParaRPr>
+                    </a:p>
+                  </a:txBody>
+                  <a:tcPr marL="91425" marR="91425" marT="91425" marB="91425"/>
+                </a:tc>
+                <a:tc>
+                  <a:txBody>
+                    <a:bodyPr/>
+                    <a:lstStyle/>
+                    <a:p>
+                      <a:pPr marL="0" marR="0" lvl="0" indent="0" algn="l" defTabSz="914400" rtl="0" eaLnBrk="1" fontAlgn="auto" latinLnBrk="0" hangingPunct="1">
+                        <a:lnSpc>
+                          <a:spcPct val="100000"/>
+                        </a:lnSpc>
+                        <a:spcBef>
+                          <a:spcPts val="0"/>
+                        </a:spcBef>
+                        <a:spcAft>
+                          <a:spcPts val="0"/>
+                        </a:spcAft>
+                        <a:buClr>
+                          <a:srgbClr val="000000"/>
+                        </a:buClr>
+                        <a:buSzTx/>
+                        <a:buFont typeface="Arial"/>
+                        <a:buNone/>
+                        <a:tabLst/>
+                        <a:defRPr/>
+                      </a:pPr>
+                      <a:r>
+                        <a:rPr lang="en-US" altLang="ja-JP" sz="1000" dirty="0"/>
+                        <a:t>12 </a:t>
+                      </a:r>
+                      <a:r>
+                        <a:rPr lang="ja-JP" altLang="en-US" sz="1000" dirty="0"/>
+                        <a:t>営業日</a:t>
+                      </a:r>
+                    </a:p>
+                  </a:txBody>
+                  <a:tcPr marL="91425" marR="91425" marT="91425" marB="91425"/>
+                </a:tc>
+                <a:extLst>
+                  <a:ext uri="{0D108BD9-81ED-4DB2-BD59-A6C34878D82A}">
+                    <a16:rowId xmlns:a16="http://schemas.microsoft.com/office/drawing/2014/main" val="10002"/>
+                  </a:ext>
+                </a:extLst>
+              </a:tr>
+              <a:tr h="227050">
+                <a:tc vMerge="1">
+                  <a:txBody>
+                    <a:bodyPr/>
+                    <a:lstStyle/>
+                    <a:p>
+                      <a:endParaRPr kumimoji="1" lang="ja-JP" altLang="en-US"/>
+                    </a:p>
+                  </a:txBody>
+                  <a:tcPr/>
+                </a:tc>
+                <a:tc>
+                  <a:txBody>
+                    <a:bodyPr/>
+                    <a:lstStyle/>
+                    <a:p>
+                      <a:pPr marL="0" lvl="0" indent="0" algn="l" rtl="0">
+                        <a:lnSpc>
+                          <a:spcPct val="120000"/>
+                        </a:lnSpc>
+                        <a:spcBef>
+                          <a:spcPts val="800"/>
+                        </a:spcBef>
+                        <a:spcAft>
+                          <a:spcPts val="0"/>
+                        </a:spcAft>
+                        <a:buNone/>
+                      </a:pPr>
+                      <a:r>
+                        <a:rPr lang="ja-JP" altLang="en-US" sz="1000" dirty="0">
+                          <a:solidFill>
+                            <a:schemeClr val="dk2"/>
+                          </a:solidFill>
+                          <a:latin typeface="Open Sans"/>
+                          <a:ea typeface="Open Sans"/>
+                          <a:cs typeface="Open Sans"/>
+                          <a:sym typeface="Open Sans"/>
+                        </a:rPr>
+                        <a:t>開発要件</a:t>
+                      </a:r>
+                      <a:endParaRPr sz="1000" dirty="0">
+                        <a:solidFill>
+                          <a:schemeClr val="dk2"/>
+                        </a:solidFill>
+                        <a:latin typeface="Open Sans"/>
+                        <a:ea typeface="Open Sans"/>
+                        <a:cs typeface="Open Sans"/>
+                        <a:sym typeface="Open Sans"/>
+                      </a:endParaRPr>
+                    </a:p>
+                  </a:txBody>
+                  <a:tcPr marL="91425" marR="91425" marT="91425" marB="91425"/>
+                </a:tc>
+                <a:tc>
+                  <a:txBody>
+                    <a:bodyPr/>
+                    <a:lstStyle/>
+                    <a:p>
+                      <a:pPr marL="0" marR="0" lvl="0" indent="0" algn="l" defTabSz="914400" rtl="0" eaLnBrk="1" fontAlgn="auto" latinLnBrk="0" hangingPunct="1">
+                        <a:lnSpc>
+                          <a:spcPct val="100000"/>
+                        </a:lnSpc>
+                        <a:spcBef>
+                          <a:spcPts val="0"/>
+                        </a:spcBef>
+                        <a:spcAft>
+                          <a:spcPts val="0"/>
+                        </a:spcAft>
+                        <a:buClr>
+                          <a:srgbClr val="000000"/>
+                        </a:buClr>
+                        <a:buSzTx/>
+                        <a:buFont typeface="Arial"/>
+                        <a:buNone/>
+                        <a:tabLst/>
+                        <a:defRPr/>
+                      </a:pPr>
+                      <a:r>
+                        <a:rPr lang="en-US" altLang="ja-JP" sz="1000" dirty="0"/>
+                        <a:t>12 </a:t>
+                      </a:r>
+                      <a:r>
+                        <a:rPr lang="ja-JP" altLang="en-US" sz="1000" dirty="0"/>
+                        <a:t>営業日</a:t>
+                      </a:r>
+                    </a:p>
+                  </a:txBody>
+                  <a:tcPr marL="91425" marR="91425" marT="91425" marB="91425"/>
+                </a:tc>
+                <a:extLst>
+                  <a:ext uri="{0D108BD9-81ED-4DB2-BD59-A6C34878D82A}">
+                    <a16:rowId xmlns:a16="http://schemas.microsoft.com/office/drawing/2014/main" val="1300144118"/>
+                  </a:ext>
+                </a:extLst>
+              </a:tr>
+              <a:tr h="227050">
+                <a:tc>
+                  <a:txBody>
+                    <a:bodyPr/>
+                    <a:lstStyle/>
+                    <a:p>
+                      <a:pPr marL="0" lvl="0" indent="0" algn="l" rtl="0">
+                        <a:spcBef>
+                          <a:spcPts val="0"/>
+                        </a:spcBef>
+                        <a:spcAft>
+                          <a:spcPts val="0"/>
+                        </a:spcAft>
+                        <a:buNone/>
+                      </a:pPr>
+                      <a:r>
+                        <a:rPr lang="ja-JP" altLang="en-US" sz="1000" dirty="0"/>
+                        <a:t>開発見積書</a:t>
+                      </a:r>
+                      <a:endParaRPr sz="1000" dirty="0"/>
+                    </a:p>
+                  </a:txBody>
+                  <a:tcPr marL="91425" marR="91425" marT="91425" marB="91425"/>
+                </a:tc>
+                <a:tc>
+                  <a:txBody>
+                    <a:bodyPr/>
+                    <a:lstStyle/>
+                    <a:p>
+                      <a:pPr marL="0" lvl="0" indent="0" algn="l" rtl="0">
+                        <a:lnSpc>
+                          <a:spcPct val="120000"/>
+                        </a:lnSpc>
+                        <a:spcBef>
+                          <a:spcPts val="800"/>
+                        </a:spcBef>
+                        <a:spcAft>
+                          <a:spcPts val="0"/>
+                        </a:spcAft>
+                        <a:buNone/>
+                      </a:pPr>
+                      <a:r>
+                        <a:rPr lang="ja-JP" altLang="en-US" sz="1000" dirty="0"/>
+                        <a:t>開発見積</a:t>
+                      </a:r>
+                      <a:endParaRPr sz="1000" dirty="0"/>
+                    </a:p>
+                  </a:txBody>
+                  <a:tcPr marL="91425" marR="91425" marT="91425" marB="91425"/>
+                </a:tc>
+                <a:tc>
+                  <a:txBody>
+                    <a:bodyPr/>
+                    <a:lstStyle/>
+                    <a:p>
+                      <a:pPr marL="0" marR="0" lvl="0" indent="0" algn="l" defTabSz="914400" rtl="0" eaLnBrk="1" fontAlgn="auto" latinLnBrk="0" hangingPunct="1">
+                        <a:lnSpc>
+                          <a:spcPct val="100000"/>
+                        </a:lnSpc>
+                        <a:spcBef>
+                          <a:spcPts val="0"/>
+                        </a:spcBef>
+                        <a:spcAft>
+                          <a:spcPts val="0"/>
+                        </a:spcAft>
+                        <a:buClr>
+                          <a:srgbClr val="000000"/>
+                        </a:buClr>
+                        <a:buSzTx/>
+                        <a:buFont typeface="Arial"/>
+                        <a:buNone/>
+                        <a:tabLst/>
+                        <a:defRPr/>
+                      </a:pPr>
+                      <a:r>
+                        <a:rPr lang="en-US" sz="1000" dirty="0"/>
+                        <a:t>4</a:t>
+                      </a:r>
+                      <a:r>
+                        <a:rPr lang="en-US" altLang="ja-JP" sz="1000" dirty="0"/>
+                        <a:t> </a:t>
+                      </a:r>
+                      <a:r>
+                        <a:rPr lang="ja-JP" altLang="en-US" sz="1000" dirty="0"/>
+                        <a:t>営業日</a:t>
+                      </a:r>
+                    </a:p>
+                  </a:txBody>
+                  <a:tcPr marL="91425" marR="91425" marT="91425" marB="91425"/>
+                </a:tc>
+                <a:extLst>
+                  <a:ext uri="{0D108BD9-81ED-4DB2-BD59-A6C34878D82A}">
+                    <a16:rowId xmlns:a16="http://schemas.microsoft.com/office/drawing/2014/main" val="1373892500"/>
+                  </a:ext>
+                </a:extLst>
+              </a:tr>
+              <a:tr h="227050">
+                <a:tc>
+                  <a:txBody>
+                    <a:bodyPr/>
+                    <a:lstStyle/>
+                    <a:p>
+                      <a:pPr marL="0" lvl="0" indent="0" algn="l" rtl="0">
+                        <a:spcBef>
+                          <a:spcPts val="0"/>
+                        </a:spcBef>
+                        <a:spcAft>
+                          <a:spcPts val="0"/>
+                        </a:spcAft>
+                        <a:buNone/>
+                      </a:pPr>
+                      <a:r>
+                        <a:rPr lang="ja" sz="1000" dirty="0"/>
+                        <a:t>決裁</a:t>
+                      </a:r>
+                      <a:endParaRPr sz="1000" dirty="0"/>
+                    </a:p>
+                  </a:txBody>
+                  <a:tcPr marL="91425" marR="91425" marT="91425" marB="91425"/>
+                </a:tc>
+                <a:tc>
+                  <a:txBody>
+                    <a:bodyPr/>
+                    <a:lstStyle/>
+                    <a:p>
+                      <a:pPr marL="0" lvl="0" indent="0" algn="l" rtl="0">
+                        <a:lnSpc>
+                          <a:spcPct val="120000"/>
+                        </a:lnSpc>
+                        <a:spcBef>
+                          <a:spcPts val="800"/>
+                        </a:spcBef>
+                        <a:spcAft>
+                          <a:spcPts val="0"/>
+                        </a:spcAft>
+                        <a:buNone/>
+                      </a:pPr>
+                      <a:r>
+                        <a:rPr lang="ja" sz="1000" dirty="0">
+                          <a:solidFill>
+                            <a:schemeClr val="dk2"/>
+                          </a:solidFill>
+                          <a:latin typeface="Open Sans"/>
+                          <a:ea typeface="Open Sans"/>
+                          <a:cs typeface="Open Sans"/>
+                          <a:sym typeface="Open Sans"/>
+                        </a:rPr>
+                        <a:t>要件定義と開発見積の検収</a:t>
+                      </a:r>
+                      <a:endParaRPr sz="1000" dirty="0"/>
+                    </a:p>
+                  </a:txBody>
+                  <a:tcPr marL="91425" marR="91425" marT="91425" marB="91425"/>
+                </a:tc>
+                <a:tc>
+                  <a:txBody>
+                    <a:bodyPr/>
+                    <a:lstStyle/>
+                    <a:p>
+                      <a:pPr marL="0" lvl="0" indent="0" algn="l" rtl="0">
+                        <a:spcBef>
+                          <a:spcPts val="0"/>
+                        </a:spcBef>
+                        <a:spcAft>
+                          <a:spcPts val="0"/>
+                        </a:spcAft>
+                        <a:buNone/>
+                      </a:pPr>
+                      <a:r>
+                        <a:rPr lang="en-US" altLang="ja" sz="1000" dirty="0"/>
+                        <a:t>3</a:t>
+                      </a:r>
+                      <a:r>
+                        <a:rPr lang="en-US" altLang="ja-JP" sz="1000" dirty="0"/>
+                        <a:t> </a:t>
+                      </a:r>
+                      <a:r>
+                        <a:rPr lang="ja-JP" altLang="en-US" sz="1000" dirty="0"/>
+                        <a:t>営業日</a:t>
+                      </a:r>
+                      <a:endParaRPr sz="1000" dirty="0"/>
+                    </a:p>
+                  </a:txBody>
+                  <a:tcPr marL="91425" marR="91425" marT="91425" marB="91425"/>
+                </a:tc>
+                <a:extLst>
+                  <a:ext uri="{0D108BD9-81ED-4DB2-BD59-A6C34878D82A}">
+                    <a16:rowId xmlns:a16="http://schemas.microsoft.com/office/drawing/2014/main" val="10005"/>
+                  </a:ext>
+                </a:extLst>
+              </a:tr>
+            </a:tbl>
+          </a:graphicData>
+        </a:graphic>
+      </p:graphicFrame>
+      <p:sp>
+        <p:nvSpPr>
+          <p:cNvPr id="178" name="Google Shape;178;p24"/>
+          <p:cNvSpPr txBox="1"/>
+          <p:nvPr/>
+        </p:nvSpPr>
+        <p:spPr>
+          <a:xfrm>
+            <a:off x="4151900" y="1419350"/>
+            <a:ext cx="3175500" cy="432600"/>
+          </a:xfrm>
+          <a:prstGeom prst="rect">
+            <a:avLst/>
+          </a:prstGeom>
+          <a:noFill/>
+          <a:ln>
+            <a:noFill/>
+          </a:ln>
+        </p:spPr>
+        <p:txBody>
+          <a:bodyPr spcFirstLastPara="1" wrap="square" lIns="19050" tIns="19050" rIns="19050" bIns="19050" anchor="t" anchorCtr="0">
+            <a:noAutofit/>
+          </a:bodyPr>
+          <a:lstStyle/>
+          <a:p>
+            <a:pPr marL="0" marR="0" lvl="0" indent="0" algn="l" rtl="0">
+              <a:lnSpc>
+                <a:spcPct val="120000"/>
+              </a:lnSpc>
+              <a:spcBef>
+                <a:spcPts val="800"/>
+              </a:spcBef>
+              <a:spcAft>
+                <a:spcPts val="0"/>
+              </a:spcAft>
+              <a:buClr>
+                <a:srgbClr val="646979"/>
+              </a:buClr>
+              <a:buSzPts val="1000"/>
+              <a:buFont typeface="Open Sans"/>
+              <a:buNone/>
+            </a:pPr>
+            <a:r>
+              <a:rPr lang="ja" sz="1200">
+                <a:solidFill>
+                  <a:schemeClr val="dk2"/>
+                </a:solidFill>
+                <a:latin typeface="Open Sans"/>
+                <a:ea typeface="Open Sans"/>
+                <a:cs typeface="Open Sans"/>
+                <a:sym typeface="Open Sans"/>
+              </a:rPr>
+              <a:t>期間内訳</a:t>
+            </a:r>
+            <a:endParaRPr sz="1200">
+              <a:solidFill>
+                <a:schemeClr val="dk2"/>
+              </a:solidFill>
+              <a:latin typeface="Open Sans"/>
+              <a:ea typeface="Open Sans"/>
+              <a:cs typeface="Open Sans"/>
+              <a:sym typeface="Open Sans"/>
+            </a:endParaRPr>
+          </a:p>
+        </p:txBody>
+      </p:sp>
+    </p:spTree>
+  </p:cSld>
+  <p:clrMapOvr>
+    <a:masterClrMapping/>
+  </p:clrMapOvr>
+</p:sld>
+</file>
+
+<file path=ppt/slides/slide12.xml><?xml version="1.0" encoding="utf-8"?>
+<p:sld xmlns:a="http://schemas.openxmlformats.org/drawingml/2006/main" xmlns:r="http://schemas.openxmlformats.org/officeDocument/2006/relationships" xmlns:p="http://schemas.openxmlformats.org/presentationml/2006/main">
+  <p:cSld>
+    <p:spTree>
+      <p:nvGrpSpPr>
         <p:cNvPr id="1" name="Shape 173">
           <a:extLst>
             <a:ext uri="{FF2B5EF4-FFF2-40B4-BE49-F238E27FC236}">
@@ -21735,14 +23874,14 @@
           <p:nvPr>
             <p:extLst>
               <p:ext uri="{D42A27DB-BD31-4B8C-83A1-F6EECF244321}">
-                <p14:modId xmlns:p14="http://schemas.microsoft.com/office/powerpoint/2010/main" val="876128090"/>
+                <p14:modId xmlns:p14="http://schemas.microsoft.com/office/powerpoint/2010/main" val="1588255611"/>
               </p:ext>
             </p:extLst>
           </p:nvPr>
         </p:nvGraphicFramePr>
         <p:xfrm>
-          <a:off x="242455" y="1540548"/>
-          <a:ext cx="8659084" cy="3086867"/>
+          <a:off x="242455" y="1336194"/>
+          <a:ext cx="8659084" cy="3543511"/>
         </p:xfrm>
         <a:graphic>
           <a:graphicData uri="http://schemas.openxmlformats.org/drawingml/2006/table">
@@ -23186,7 +25325,7 @@
                           <a:latin typeface="Open Sans" panose="020B0606030504020204" pitchFamily="34" charset="0"/>
                           <a:cs typeface="Open Sans" panose="020B0606030504020204" pitchFamily="34" charset="0"/>
                         </a:rPr>
-                        <a:t>7/15~7/31</a:t>
+                        <a:t>8/1~8/19</a:t>
                       </a:r>
                       <a:endParaRPr kumimoji="1" lang="ja-JP" altLang="en-US" sz="900" dirty="0">
                         <a:latin typeface="Open Sans" panose="020B0606030504020204" pitchFamily="34" charset="0"/>
@@ -23382,7 +25521,7 @@
                           <a:latin typeface="Open Sans" panose="020B0606030504020204" pitchFamily="34" charset="0"/>
                           <a:cs typeface="Open Sans" panose="020B0606030504020204" pitchFamily="34" charset="0"/>
                         </a:rPr>
-                        <a:t>検収</a:t>
+                        <a:t>開発見積</a:t>
                       </a:r>
                     </a:p>
                   </a:txBody>
@@ -23406,7 +25545,7 @@
                           <a:latin typeface="Open Sans" panose="020B0606030504020204" pitchFamily="34" charset="0"/>
                           <a:cs typeface="Open Sans" panose="020B0606030504020204" pitchFamily="34" charset="0"/>
                         </a:rPr>
-                        <a:t>8/1~8/19</a:t>
+                        <a:t>8/20~8/25</a:t>
                       </a:r>
                       <a:endParaRPr kumimoji="1" lang="ja-JP" altLang="en-US" sz="900" dirty="0">
                         <a:latin typeface="Open Sans" panose="020B0606030504020204" pitchFamily="34" charset="0"/>
@@ -23436,7 +25575,7 @@
                     <a:lstStyle/>
                     <a:p>
                       <a:pPr algn="ctr"/>
-                      <a:endParaRPr kumimoji="1" lang="ja-JP" altLang="en-US" sz="900">
+                      <a:endParaRPr kumimoji="1" lang="ja-JP" altLang="en-US" sz="900" dirty="0">
                         <a:latin typeface="Open Sans" panose="020B0606030504020204" pitchFamily="34" charset="0"/>
                         <a:cs typeface="Open Sans" panose="020B0606030504020204" pitchFamily="34" charset="0"/>
                       </a:endParaRPr>
@@ -23590,6 +25729,226 @@
                   </a:ext>
                 </a:extLst>
               </a:tr>
+              <a:tr h="456644">
+                <a:tc>
+                  <a:txBody>
+                    <a:bodyPr/>
+                    <a:lstStyle/>
+                    <a:p>
+                      <a:pPr algn="ctr"/>
+                      <a:r>
+                        <a:rPr kumimoji="1" lang="ja-JP" altLang="en-US" sz="900" dirty="0">
+                          <a:latin typeface="Open Sans" panose="020B0606030504020204" pitchFamily="34" charset="0"/>
+                          <a:cs typeface="Open Sans" panose="020B0606030504020204" pitchFamily="34" charset="0"/>
+                        </a:rPr>
+                        <a:t>検収</a:t>
+                      </a:r>
+                    </a:p>
+                  </a:txBody>
+                  <a:tcPr anchor="ctr" anchorCtr="1">
+                    <a:solidFill>
+                      <a:schemeClr val="accent3">
+                        <a:lumMod val="20000"/>
+                        <a:lumOff val="80000"/>
+                      </a:schemeClr>
+                    </a:solidFill>
+                  </a:tcPr>
+                </a:tc>
+                <a:tc>
+                  <a:txBody>
+                    <a:bodyPr/>
+                    <a:lstStyle/>
+                    <a:p>
+                      <a:pPr algn="ctr"/>
+                      <a:r>
+                        <a:rPr kumimoji="1" lang="en-US" altLang="ja-JP" sz="900" dirty="0">
+                          <a:latin typeface="Open Sans" panose="020B0606030504020204" pitchFamily="34" charset="0"/>
+                          <a:cs typeface="Open Sans" panose="020B0606030504020204" pitchFamily="34" charset="0"/>
+                        </a:rPr>
+                        <a:t>8/26~8/28</a:t>
+                      </a:r>
+                      <a:endParaRPr kumimoji="1" lang="ja-JP" altLang="en-US" sz="900" dirty="0">
+                        <a:latin typeface="Open Sans" panose="020B0606030504020204" pitchFamily="34" charset="0"/>
+                        <a:cs typeface="Open Sans" panose="020B0606030504020204" pitchFamily="34" charset="0"/>
+                      </a:endParaRPr>
+                    </a:p>
+                  </a:txBody>
+                  <a:tcPr anchor="ctr" anchorCtr="1"/>
+                </a:tc>
+                <a:tc>
+                  <a:txBody>
+                    <a:bodyPr/>
+                    <a:lstStyle/>
+                    <a:p>
+                      <a:pPr algn="ctr"/>
+                      <a:endParaRPr kumimoji="1" lang="ja-JP" altLang="en-US" sz="900" dirty="0">
+                        <a:latin typeface="Open Sans" panose="020B0606030504020204" pitchFamily="34" charset="0"/>
+                        <a:cs typeface="Open Sans" panose="020B0606030504020204" pitchFamily="34" charset="0"/>
+                      </a:endParaRPr>
+                    </a:p>
+                  </a:txBody>
+                  <a:tcPr anchor="ctr" anchorCtr="1"/>
+                </a:tc>
+                <a:tc>
+                  <a:txBody>
+                    <a:bodyPr/>
+                    <a:lstStyle/>
+                    <a:p>
+                      <a:pPr algn="ctr"/>
+                      <a:endParaRPr kumimoji="1" lang="ja-JP" altLang="en-US" sz="900" dirty="0">
+                        <a:latin typeface="Open Sans" panose="020B0606030504020204" pitchFamily="34" charset="0"/>
+                        <a:cs typeface="Open Sans" panose="020B0606030504020204" pitchFamily="34" charset="0"/>
+                      </a:endParaRPr>
+                    </a:p>
+                  </a:txBody>
+                  <a:tcPr anchor="ctr" anchorCtr="1"/>
+                </a:tc>
+                <a:tc>
+                  <a:txBody>
+                    <a:bodyPr/>
+                    <a:lstStyle/>
+                    <a:p>
+                      <a:pPr algn="ctr"/>
+                      <a:endParaRPr kumimoji="1" lang="ja-JP" altLang="en-US" sz="900">
+                        <a:latin typeface="Open Sans" panose="020B0606030504020204" pitchFamily="34" charset="0"/>
+                        <a:cs typeface="Open Sans" panose="020B0606030504020204" pitchFamily="34" charset="0"/>
+                      </a:endParaRPr>
+                    </a:p>
+                  </a:txBody>
+                  <a:tcPr anchor="ctr" anchorCtr="1"/>
+                </a:tc>
+                <a:tc>
+                  <a:txBody>
+                    <a:bodyPr/>
+                    <a:lstStyle/>
+                    <a:p>
+                      <a:pPr algn="ctr"/>
+                      <a:endParaRPr kumimoji="1" lang="ja-JP" altLang="en-US" sz="900" dirty="0">
+                        <a:latin typeface="Open Sans" panose="020B0606030504020204" pitchFamily="34" charset="0"/>
+                        <a:cs typeface="Open Sans" panose="020B0606030504020204" pitchFamily="34" charset="0"/>
+                      </a:endParaRPr>
+                    </a:p>
+                  </a:txBody>
+                  <a:tcPr anchor="ctr" anchorCtr="1"/>
+                </a:tc>
+                <a:tc>
+                  <a:txBody>
+                    <a:bodyPr/>
+                    <a:lstStyle/>
+                    <a:p>
+                      <a:pPr algn="ctr"/>
+                      <a:endParaRPr kumimoji="1" lang="ja-JP" altLang="en-US" sz="900" dirty="0">
+                        <a:latin typeface="Open Sans" panose="020B0606030504020204" pitchFamily="34" charset="0"/>
+                        <a:cs typeface="Open Sans" panose="020B0606030504020204" pitchFamily="34" charset="0"/>
+                      </a:endParaRPr>
+                    </a:p>
+                  </a:txBody>
+                  <a:tcPr anchor="ctr" anchorCtr="1"/>
+                </a:tc>
+                <a:tc>
+                  <a:txBody>
+                    <a:bodyPr/>
+                    <a:lstStyle/>
+                    <a:p>
+                      <a:pPr algn="ctr"/>
+                      <a:endParaRPr kumimoji="1" lang="ja-JP" altLang="en-US" sz="900" dirty="0">
+                        <a:latin typeface="Open Sans" panose="020B0606030504020204" pitchFamily="34" charset="0"/>
+                        <a:cs typeface="Open Sans" panose="020B0606030504020204" pitchFamily="34" charset="0"/>
+                      </a:endParaRPr>
+                    </a:p>
+                  </a:txBody>
+                  <a:tcPr anchor="ctr" anchorCtr="1"/>
+                </a:tc>
+                <a:tc>
+                  <a:txBody>
+                    <a:bodyPr/>
+                    <a:lstStyle/>
+                    <a:p>
+                      <a:pPr algn="ctr"/>
+                      <a:endParaRPr kumimoji="1" lang="ja-JP" altLang="en-US" sz="900" dirty="0">
+                        <a:latin typeface="Open Sans" panose="020B0606030504020204" pitchFamily="34" charset="0"/>
+                        <a:cs typeface="Open Sans" panose="020B0606030504020204" pitchFamily="34" charset="0"/>
+                      </a:endParaRPr>
+                    </a:p>
+                  </a:txBody>
+                  <a:tcPr anchor="ctr" anchorCtr="1"/>
+                </a:tc>
+                <a:tc>
+                  <a:txBody>
+                    <a:bodyPr/>
+                    <a:lstStyle/>
+                    <a:p>
+                      <a:pPr algn="ctr"/>
+                      <a:endParaRPr kumimoji="1" lang="ja-JP" altLang="en-US" sz="900" dirty="0">
+                        <a:latin typeface="Open Sans" panose="020B0606030504020204" pitchFamily="34" charset="0"/>
+                        <a:cs typeface="Open Sans" panose="020B0606030504020204" pitchFamily="34" charset="0"/>
+                      </a:endParaRPr>
+                    </a:p>
+                  </a:txBody>
+                  <a:tcPr anchor="ctr" anchorCtr="1"/>
+                </a:tc>
+                <a:tc>
+                  <a:txBody>
+                    <a:bodyPr/>
+                    <a:lstStyle/>
+                    <a:p>
+                      <a:pPr algn="ctr"/>
+                      <a:endParaRPr kumimoji="1" lang="ja-JP" altLang="en-US" sz="900" dirty="0">
+                        <a:latin typeface="Open Sans" panose="020B0606030504020204" pitchFamily="34" charset="0"/>
+                        <a:cs typeface="Open Sans" panose="020B0606030504020204" pitchFamily="34" charset="0"/>
+                      </a:endParaRPr>
+                    </a:p>
+                  </a:txBody>
+                  <a:tcPr anchor="ctr" anchorCtr="1"/>
+                </a:tc>
+                <a:tc>
+                  <a:txBody>
+                    <a:bodyPr/>
+                    <a:lstStyle/>
+                    <a:p>
+                      <a:pPr algn="ctr"/>
+                      <a:endParaRPr kumimoji="1" lang="ja-JP" altLang="en-US" sz="900" dirty="0">
+                        <a:latin typeface="Open Sans" panose="020B0606030504020204" pitchFamily="34" charset="0"/>
+                        <a:cs typeface="Open Sans" panose="020B0606030504020204" pitchFamily="34" charset="0"/>
+                      </a:endParaRPr>
+                    </a:p>
+                  </a:txBody>
+                  <a:tcPr anchor="ctr" anchorCtr="1"/>
+                </a:tc>
+                <a:tc>
+                  <a:txBody>
+                    <a:bodyPr/>
+                    <a:lstStyle/>
+                    <a:p>
+                      <a:pPr algn="ctr"/>
+                      <a:endParaRPr kumimoji="1" lang="ja-JP" altLang="en-US" sz="900" dirty="0">
+                        <a:latin typeface="Open Sans" panose="020B0606030504020204" pitchFamily="34" charset="0"/>
+                        <a:cs typeface="Open Sans" panose="020B0606030504020204" pitchFamily="34" charset="0"/>
+                      </a:endParaRPr>
+                    </a:p>
+                  </a:txBody>
+                  <a:tcPr anchor="ctr" anchorCtr="1"/>
+                </a:tc>
+                <a:tc>
+                  <a:txBody>
+                    <a:bodyPr/>
+                    <a:lstStyle/>
+                    <a:p>
+                      <a:pPr algn="ctr"/>
+                      <a:endParaRPr kumimoji="1" lang="ja-JP" altLang="en-US" sz="900" dirty="0">
+                        <a:latin typeface="Open Sans" panose="020B0606030504020204" pitchFamily="34" charset="0"/>
+                        <a:cs typeface="Open Sans" panose="020B0606030504020204" pitchFamily="34" charset="0"/>
+                      </a:endParaRPr>
+                    </a:p>
+                  </a:txBody>
+                  <a:tcPr anchor="ctr" anchorCtr="1"/>
+                </a:tc>
+                <a:extLst>
+                  <a:ext uri="{0D108BD9-81ED-4DB2-BD59-A6C34878D82A}">
+                    <a16:rowId xmlns:a16="http://schemas.microsoft.com/office/drawing/2014/main" val="3603989051"/>
+                  </a:ext>
+                </a:extLst>
+              </a:tr>
             </a:tbl>
           </a:graphicData>
         </a:graphic>
@@ -23608,7 +25967,7 @@
         </p:nvSpPr>
         <p:spPr>
           <a:xfrm>
-            <a:off x="1990741" y="1997311"/>
+            <a:off x="1990741" y="1792957"/>
             <a:ext cx="204882" cy="210276"/>
           </a:xfrm>
           <a:prstGeom prst="star5">
@@ -23662,7 +26021,7 @@
         </p:nvSpPr>
         <p:spPr>
           <a:xfrm>
-            <a:off x="2195623" y="2432354"/>
+            <a:off x="2195623" y="2228000"/>
             <a:ext cx="1327298" cy="302876"/>
           </a:xfrm>
           <a:prstGeom prst="leftRightArrow">
@@ -23720,7 +26079,7 @@
         </p:nvSpPr>
         <p:spPr>
           <a:xfrm>
-            <a:off x="3522920" y="2904300"/>
+            <a:off x="3522920" y="2699946"/>
             <a:ext cx="1460205" cy="302876"/>
           </a:xfrm>
           <a:prstGeom prst="leftRightArrow">
@@ -23778,7 +26137,7 @@
         </p:nvSpPr>
         <p:spPr>
           <a:xfrm>
-            <a:off x="4983125" y="3311881"/>
+            <a:off x="4983125" y="3107527"/>
             <a:ext cx="1460205" cy="302876"/>
           </a:xfrm>
           <a:prstGeom prst="leftRightArrow">
@@ -23836,7 +26195,7 @@
         </p:nvSpPr>
         <p:spPr>
           <a:xfrm>
-            <a:off x="4983125" y="3783827"/>
+            <a:off x="6410144" y="3579473"/>
             <a:ext cx="1460205" cy="302876"/>
           </a:xfrm>
           <a:prstGeom prst="leftRightArrow">
@@ -23894,8 +26253,8 @@
         </p:nvSpPr>
         <p:spPr>
           <a:xfrm>
-            <a:off x="6443330" y="4255773"/>
-            <a:ext cx="1460205" cy="302876"/>
+            <a:off x="7840854" y="4051419"/>
+            <a:ext cx="550979" cy="302876"/>
           </a:xfrm>
           <a:prstGeom prst="leftRightArrow">
             <a:avLst/>
@@ -23931,8 +26290,66 @@
           <a:p>
             <a:pPr algn="ctr"/>
             <a:r>
-              <a:rPr kumimoji="1" lang="en-US" altLang="ja-JP" dirty="0"/>
-              <a:t>12 days</a:t>
+              <a:rPr kumimoji="1" lang="en-US" altLang="ja-JP" sz="1200" dirty="0"/>
+              <a:t>4d</a:t>
+            </a:r>
+            <a:endParaRPr kumimoji="1" lang="ja-JP" altLang="en-US" dirty="0"/>
+          </a:p>
+        </p:txBody>
+      </p:sp>
+      <p:sp>
+        <p:nvSpPr>
+          <p:cNvPr id="9" name="矢印: 左右 8">
+            <a:extLst>
+              <a:ext uri="{FF2B5EF4-FFF2-40B4-BE49-F238E27FC236}">
+                <a16:creationId xmlns:a16="http://schemas.microsoft.com/office/drawing/2014/main" id="{D5116BE2-C7A2-956C-AB7C-4B6BC71DCE3E}"/>
+              </a:ext>
+            </a:extLst>
+          </p:cNvPr>
+          <p:cNvSpPr/>
+          <p:nvPr/>
+        </p:nvSpPr>
+        <p:spPr>
+          <a:xfrm>
+            <a:off x="8343224" y="4465562"/>
+            <a:ext cx="550979" cy="302876"/>
+          </a:xfrm>
+          <a:prstGeom prst="leftRightArrow">
+            <a:avLst/>
+          </a:prstGeom>
+          <a:solidFill>
+            <a:schemeClr val="accent2"/>
+          </a:solidFill>
+          <a:ln>
+            <a:solidFill>
+              <a:schemeClr val="accent2"/>
+            </a:solidFill>
+          </a:ln>
+        </p:spPr>
+        <p:style>
+          <a:lnRef idx="2">
+            <a:schemeClr val="accent1">
+              <a:shade val="15000"/>
+            </a:schemeClr>
+          </a:lnRef>
+          <a:fillRef idx="1">
+            <a:schemeClr val="accent1"/>
+          </a:fillRef>
+          <a:effectRef idx="0">
+            <a:schemeClr val="accent1"/>
+          </a:effectRef>
+          <a:fontRef idx="minor">
+            <a:schemeClr val="lt1"/>
+          </a:fontRef>
+        </p:style>
+        <p:txBody>
+          <a:bodyPr rtlCol="0" anchor="ctr"/>
+          <a:lstStyle/>
+          <a:p>
+            <a:pPr algn="ctr"/>
+            <a:r>
+              <a:rPr kumimoji="1" lang="en-US" altLang="ja-JP" sz="1200" dirty="0"/>
+              <a:t>3d</a:t>
             </a:r>
             <a:endParaRPr kumimoji="1" lang="ja-JP" altLang="en-US" dirty="0"/>
           </a:p>
@@ -23951,7 +26368,7 @@
 </p:sld>
 </file>
 
-<file path=ppt/slides/slide11.xml><?xml version="1.0" encoding="utf-8"?>
+<file path=ppt/slides/slide13.xml><?xml version="1.0" encoding="utf-8"?>
 <p:sld xmlns:a="http://schemas.openxmlformats.org/drawingml/2006/main" xmlns:r="http://schemas.openxmlformats.org/officeDocument/2006/relationships" xmlns:p="http://schemas.openxmlformats.org/presentationml/2006/main">
   <p:cSld>
     <p:spTree>
@@ -24235,428 +26652,332 @@
           </a:p>
         </p:txBody>
       </p:sp>
-      <p:graphicFrame>
-        <p:nvGraphicFramePr>
-          <p:cNvPr id="2" name="表 1">
+      <p:sp>
+        <p:nvSpPr>
+          <p:cNvPr id="3" name="Google Shape;191;p26">
             <a:extLst>
               <a:ext uri="{FF2B5EF4-FFF2-40B4-BE49-F238E27FC236}">
-                <a16:creationId xmlns:a16="http://schemas.microsoft.com/office/drawing/2014/main" id="{ED0C140D-7275-04CF-C6CB-E8EE124D3E18}"/>
+                <a16:creationId xmlns:a16="http://schemas.microsoft.com/office/drawing/2014/main" id="{32D89A24-5CB9-805E-180A-15A0D2706D51}"/>
               </a:ext>
             </a:extLst>
           </p:cNvPr>
-          <p:cNvGraphicFramePr>
-            <a:graphicFrameLocks noGrp="1"/>
-          </p:cNvGraphicFramePr>
-          <p:nvPr>
-            <p:extLst>
-              <p:ext uri="{D42A27DB-BD31-4B8C-83A1-F6EECF244321}">
-                <p14:modId xmlns:p14="http://schemas.microsoft.com/office/powerpoint/2010/main" val="588565102"/>
-              </p:ext>
-            </p:extLst>
-          </p:nvPr>
-        </p:nvGraphicFramePr>
-        <p:xfrm>
-          <a:off x="897942" y="1419225"/>
-          <a:ext cx="7700197" cy="2557352"/>
-        </p:xfrm>
-        <a:graphic>
-          <a:graphicData uri="http://schemas.openxmlformats.org/drawingml/2006/table">
-            <a:tbl>
-              <a:tblPr firstRow="1" bandRow="1">
-                <a:tableStyleId>{6CEEA473-470A-4611-B8A1-E84EFB49ADAA}</a:tableStyleId>
-              </a:tblPr>
-              <a:tblGrid>
-                <a:gridCol w="448794">
-                  <a:extLst>
-                    <a:ext uri="{9D8B030D-6E8A-4147-A177-3AD203B41FA5}">
-                      <a16:colId xmlns:a16="http://schemas.microsoft.com/office/drawing/2014/main" val="3361536258"/>
-                    </a:ext>
-                  </a:extLst>
-                </a:gridCol>
-                <a:gridCol w="3615070">
-                  <a:extLst>
-                    <a:ext uri="{9D8B030D-6E8A-4147-A177-3AD203B41FA5}">
-                      <a16:colId xmlns:a16="http://schemas.microsoft.com/office/drawing/2014/main" val="842799668"/>
-                    </a:ext>
-                  </a:extLst>
-                </a:gridCol>
-                <a:gridCol w="3636333">
-                  <a:extLst>
-                    <a:ext uri="{9D8B030D-6E8A-4147-A177-3AD203B41FA5}">
-                      <a16:colId xmlns:a16="http://schemas.microsoft.com/office/drawing/2014/main" val="440863169"/>
-                    </a:ext>
-                  </a:extLst>
-                </a:gridCol>
-              </a:tblGrid>
-              <a:tr h="435691">
-                <a:tc>
-                  <a:txBody>
-                    <a:bodyPr/>
-                    <a:lstStyle/>
-                    <a:p>
-                      <a:r>
-                        <a:rPr kumimoji="1" lang="en-US" altLang="ja-JP" sz="1200" dirty="0">
-                          <a:latin typeface="Open Sans" panose="020B0606030504020204" pitchFamily="34" charset="0"/>
-                          <a:ea typeface="Open Sans" panose="020B0606030504020204" pitchFamily="34" charset="0"/>
-                          <a:cs typeface="Open Sans" panose="020B0606030504020204" pitchFamily="34" charset="0"/>
-                        </a:rPr>
-                        <a:t>No</a:t>
-                      </a:r>
-                      <a:endParaRPr kumimoji="1" lang="ja-JP" altLang="en-US" sz="1200" dirty="0">
-                        <a:latin typeface="Open Sans" panose="020B0606030504020204" pitchFamily="34" charset="0"/>
-                        <a:cs typeface="Open Sans" panose="020B0606030504020204" pitchFamily="34" charset="0"/>
-                      </a:endParaRPr>
-                    </a:p>
-                  </a:txBody>
-                  <a:tcPr anchor="ctr" anchorCtr="1">
-                    <a:solidFill>
-                      <a:schemeClr val="accent2">
-                        <a:lumMod val="20000"/>
-                        <a:lumOff val="80000"/>
-                      </a:schemeClr>
-                    </a:solidFill>
-                  </a:tcPr>
-                </a:tc>
-                <a:tc>
-                  <a:txBody>
-                    <a:bodyPr/>
-                    <a:lstStyle/>
-                    <a:p>
-                      <a:r>
-                        <a:rPr kumimoji="1" lang="ja-JP" altLang="en-US" sz="1200" dirty="0">
-                          <a:latin typeface="Open Sans" panose="020B0606030504020204" pitchFamily="34" charset="0"/>
-                          <a:cs typeface="Open Sans" panose="020B0606030504020204" pitchFamily="34" charset="0"/>
-                        </a:rPr>
-                        <a:t>課題・確認事項</a:t>
-                      </a:r>
-                    </a:p>
-                  </a:txBody>
-                  <a:tcPr anchor="ctr" anchorCtr="1">
-                    <a:solidFill>
-                      <a:schemeClr val="accent2">
-                        <a:lumMod val="20000"/>
-                        <a:lumOff val="80000"/>
-                      </a:schemeClr>
-                    </a:solidFill>
-                  </a:tcPr>
-                </a:tc>
-                <a:tc>
-                  <a:txBody>
-                    <a:bodyPr/>
-                    <a:lstStyle/>
-                    <a:p>
-                      <a:r>
-                        <a:rPr kumimoji="1" lang="ja-JP" altLang="en-US" sz="1200" dirty="0">
-                          <a:latin typeface="Open Sans" panose="020B0606030504020204" pitchFamily="34" charset="0"/>
-                          <a:cs typeface="Open Sans" panose="020B0606030504020204" pitchFamily="34" charset="0"/>
-                        </a:rPr>
-                        <a:t>ご回答</a:t>
-                      </a:r>
-                    </a:p>
-                  </a:txBody>
-                  <a:tcPr anchor="ctr" anchorCtr="1">
-                    <a:solidFill>
-                      <a:schemeClr val="accent2">
-                        <a:lumMod val="20000"/>
-                        <a:lumOff val="80000"/>
-                      </a:schemeClr>
-                    </a:solidFill>
-                  </a:tcPr>
-                </a:tc>
-                <a:extLst>
-                  <a:ext uri="{0D108BD9-81ED-4DB2-BD59-A6C34878D82A}">
-                    <a16:rowId xmlns:a16="http://schemas.microsoft.com/office/drawing/2014/main" val="909326592"/>
-                  </a:ext>
-                </a:extLst>
-              </a:tr>
-              <a:tr h="552600">
-                <a:tc>
-                  <a:txBody>
-                    <a:bodyPr/>
-                    <a:lstStyle/>
-                    <a:p>
-                      <a:r>
-                        <a:rPr kumimoji="1" lang="en-US" altLang="ja-JP" sz="1200" dirty="0">
-                          <a:latin typeface="Open Sans" panose="020B0606030504020204" pitchFamily="34" charset="0"/>
-                          <a:cs typeface="Open Sans" panose="020B0606030504020204" pitchFamily="34" charset="0"/>
-                        </a:rPr>
-                        <a:t>1</a:t>
-                      </a:r>
-                      <a:endParaRPr kumimoji="1" lang="ja-JP" altLang="en-US" sz="1200" dirty="0">
-                        <a:latin typeface="Open Sans" panose="020B0606030504020204" pitchFamily="34" charset="0"/>
-                        <a:cs typeface="Open Sans" panose="020B0606030504020204" pitchFamily="34" charset="0"/>
-                      </a:endParaRPr>
-                    </a:p>
-                  </a:txBody>
-                  <a:tcPr anchor="ctr" anchorCtr="1"/>
-                </a:tc>
-                <a:tc>
-                  <a:txBody>
-                    <a:bodyPr/>
-                    <a:lstStyle/>
-                    <a:p>
-                      <a:r>
-                        <a:rPr kumimoji="1" lang="ja-JP" altLang="en-US" sz="1200" dirty="0">
-                          <a:latin typeface="Open Sans" panose="020B0606030504020204" pitchFamily="34" charset="0"/>
-                          <a:cs typeface="Open Sans" panose="020B0606030504020204" pitchFamily="34" charset="0"/>
-                        </a:rPr>
-                        <a:t>現行</a:t>
-                      </a:r>
-                      <a:r>
-                        <a:rPr kumimoji="1" lang="en-US" altLang="ja-JP" sz="1200" dirty="0">
-                          <a:latin typeface="Open Sans" panose="020B0606030504020204" pitchFamily="34" charset="0"/>
-                          <a:cs typeface="Open Sans" panose="020B0606030504020204" pitchFamily="34" charset="0"/>
-                        </a:rPr>
-                        <a:t>EC</a:t>
-                      </a:r>
-                      <a:r>
-                        <a:rPr kumimoji="1" lang="ja-JP" altLang="en-US" sz="1200" dirty="0">
-                          <a:latin typeface="Open Sans" panose="020B0606030504020204" pitchFamily="34" charset="0"/>
-                          <a:cs typeface="Open Sans" panose="020B0606030504020204" pitchFamily="34" charset="0"/>
-                        </a:rPr>
-                        <a:t>システムの大まかな利用ユーザー数を教えてください。</a:t>
-                      </a:r>
-                    </a:p>
-                  </a:txBody>
-                  <a:tcPr/>
-                </a:tc>
-                <a:tc>
-                  <a:txBody>
-                    <a:bodyPr/>
-                    <a:lstStyle/>
-                    <a:p>
-                      <a:endParaRPr kumimoji="1" lang="ja-JP" altLang="en-US" sz="1200" dirty="0">
-                        <a:latin typeface="Open Sans" panose="020B0606030504020204" pitchFamily="34" charset="0"/>
-                        <a:cs typeface="Open Sans" panose="020B0606030504020204" pitchFamily="34" charset="0"/>
-                      </a:endParaRPr>
-                    </a:p>
-                  </a:txBody>
-                  <a:tcPr/>
-                </a:tc>
-                <a:extLst>
-                  <a:ext uri="{0D108BD9-81ED-4DB2-BD59-A6C34878D82A}">
-                    <a16:rowId xmlns:a16="http://schemas.microsoft.com/office/drawing/2014/main" val="3704599620"/>
-                  </a:ext>
-                </a:extLst>
-              </a:tr>
-              <a:tr h="552600">
-                <a:tc>
-                  <a:txBody>
-                    <a:bodyPr/>
-                    <a:lstStyle/>
-                    <a:p>
-                      <a:r>
-                        <a:rPr kumimoji="1" lang="en-US" altLang="ja-JP" sz="1200" dirty="0">
-                          <a:latin typeface="Open Sans" panose="020B0606030504020204" pitchFamily="34" charset="0"/>
-                          <a:cs typeface="Open Sans" panose="020B0606030504020204" pitchFamily="34" charset="0"/>
-                        </a:rPr>
-                        <a:t>2</a:t>
-                      </a:r>
-                      <a:endParaRPr kumimoji="1" lang="ja-JP" altLang="en-US" sz="1200" dirty="0">
-                        <a:latin typeface="Open Sans" panose="020B0606030504020204" pitchFamily="34" charset="0"/>
-                        <a:cs typeface="Open Sans" panose="020B0606030504020204" pitchFamily="34" charset="0"/>
-                      </a:endParaRPr>
-                    </a:p>
-                  </a:txBody>
-                  <a:tcPr anchor="ctr" anchorCtr="1"/>
-                </a:tc>
-                <a:tc>
-                  <a:txBody>
-                    <a:bodyPr/>
-                    <a:lstStyle/>
-                    <a:p>
-                      <a:r>
-                        <a:rPr kumimoji="1" lang="ja-JP" altLang="en-US" sz="1200" dirty="0">
-                          <a:latin typeface="Open Sans" panose="020B0606030504020204" pitchFamily="34" charset="0"/>
-                          <a:cs typeface="Open Sans" panose="020B0606030504020204" pitchFamily="34" charset="0"/>
-                        </a:rPr>
-                        <a:t>現状のセキュリティ要件を教えてください</a:t>
-                      </a:r>
-                      <a:endParaRPr kumimoji="1" lang="en-US" altLang="ja-JP" sz="1200" dirty="0">
-                        <a:latin typeface="Open Sans" panose="020B0606030504020204" pitchFamily="34" charset="0"/>
-                        <a:cs typeface="Open Sans" panose="020B0606030504020204" pitchFamily="34" charset="0"/>
-                      </a:endParaRPr>
-                    </a:p>
-                    <a:p>
-                      <a:r>
-                        <a:rPr kumimoji="1" lang="en-US" altLang="ja-JP" sz="1200" dirty="0">
-                          <a:latin typeface="Open Sans" panose="020B0606030504020204" pitchFamily="34" charset="0"/>
-                          <a:cs typeface="Open Sans" panose="020B0606030504020204" pitchFamily="34" charset="0"/>
-                        </a:rPr>
-                        <a:t>(</a:t>
-                      </a:r>
-                      <a:r>
-                        <a:rPr kumimoji="1" lang="ja-JP" altLang="en-US" sz="1200" dirty="0">
-                          <a:latin typeface="Open Sans" panose="020B0606030504020204" pitchFamily="34" charset="0"/>
-                          <a:cs typeface="Open Sans" panose="020B0606030504020204" pitchFamily="34" charset="0"/>
-                        </a:rPr>
-                        <a:t>暗号化の手法、認証の手法など</a:t>
-                      </a:r>
-                      <a:r>
-                        <a:rPr kumimoji="1" lang="en-US" altLang="ja-JP" sz="1200" dirty="0">
-                          <a:latin typeface="Open Sans" panose="020B0606030504020204" pitchFamily="34" charset="0"/>
-                          <a:cs typeface="Open Sans" panose="020B0606030504020204" pitchFamily="34" charset="0"/>
-                        </a:rPr>
-                        <a:t>)</a:t>
-                      </a:r>
-                      <a:endParaRPr kumimoji="1" lang="ja-JP" altLang="en-US" sz="1200" dirty="0">
-                        <a:latin typeface="Open Sans" panose="020B0606030504020204" pitchFamily="34" charset="0"/>
-                        <a:cs typeface="Open Sans" panose="020B0606030504020204" pitchFamily="34" charset="0"/>
-                      </a:endParaRPr>
-                    </a:p>
-                  </a:txBody>
-                  <a:tcPr/>
-                </a:tc>
-                <a:tc>
-                  <a:txBody>
-                    <a:bodyPr/>
-                    <a:lstStyle/>
-                    <a:p>
-                      <a:endParaRPr kumimoji="1" lang="ja-JP" altLang="en-US" sz="1200" dirty="0">
-                        <a:latin typeface="Open Sans" panose="020B0606030504020204" pitchFamily="34" charset="0"/>
-                        <a:cs typeface="Open Sans" panose="020B0606030504020204" pitchFamily="34" charset="0"/>
-                      </a:endParaRPr>
-                    </a:p>
-                  </a:txBody>
-                  <a:tcPr/>
-                </a:tc>
-                <a:extLst>
-                  <a:ext uri="{0D108BD9-81ED-4DB2-BD59-A6C34878D82A}">
-                    <a16:rowId xmlns:a16="http://schemas.microsoft.com/office/drawing/2014/main" val="1352298873"/>
-                  </a:ext>
-                </a:extLst>
-              </a:tr>
-              <a:tr h="552600">
-                <a:tc>
-                  <a:txBody>
-                    <a:bodyPr/>
-                    <a:lstStyle/>
-                    <a:p>
-                      <a:r>
-                        <a:rPr kumimoji="1" lang="en-US" altLang="ja-JP" sz="1200" dirty="0">
-                          <a:latin typeface="Open Sans" panose="020B0606030504020204" pitchFamily="34" charset="0"/>
-                          <a:cs typeface="Open Sans" panose="020B0606030504020204" pitchFamily="34" charset="0"/>
-                        </a:rPr>
-                        <a:t>3</a:t>
-                      </a:r>
-                      <a:endParaRPr kumimoji="1" lang="ja-JP" altLang="en-US" sz="1200" dirty="0">
-                        <a:latin typeface="Open Sans" panose="020B0606030504020204" pitchFamily="34" charset="0"/>
-                        <a:cs typeface="Open Sans" panose="020B0606030504020204" pitchFamily="34" charset="0"/>
-                      </a:endParaRPr>
-                    </a:p>
-                  </a:txBody>
-                  <a:tcPr anchor="ctr" anchorCtr="1"/>
-                </a:tc>
-                <a:tc>
-                  <a:txBody>
-                    <a:bodyPr/>
-                    <a:lstStyle/>
-                    <a:p>
-                      <a:r>
-                        <a:rPr kumimoji="1" lang="ja-JP" altLang="en-US" sz="1200" dirty="0">
-                          <a:latin typeface="Open Sans" panose="020B0606030504020204" pitchFamily="34" charset="0"/>
-                          <a:cs typeface="Open Sans" panose="020B0606030504020204" pitchFamily="34" charset="0"/>
-                        </a:rPr>
-                        <a:t>希望予算の</a:t>
-                      </a:r>
-                      <a:r>
-                        <a:rPr kumimoji="1" lang="en-US" altLang="ja-JP" sz="1200" dirty="0">
-                          <a:latin typeface="Open Sans" panose="020B0606030504020204" pitchFamily="34" charset="0"/>
-                          <a:cs typeface="Open Sans" panose="020B0606030504020204" pitchFamily="34" charset="0"/>
-                        </a:rPr>
-                        <a:t>20,000</a:t>
-                      </a:r>
-                      <a:r>
-                        <a:rPr kumimoji="1" lang="ja-JP" altLang="en-US" sz="1200" dirty="0">
-                          <a:latin typeface="Open Sans" panose="020B0606030504020204" pitchFamily="34" charset="0"/>
-                          <a:cs typeface="Open Sans" panose="020B0606030504020204" pitchFamily="34" charset="0"/>
-                        </a:rPr>
-                        <a:t>千円にはシステム運用費やクラウド費用も予算に含まれていますでしょうか</a:t>
-                      </a:r>
-                      <a:r>
-                        <a:rPr kumimoji="1" lang="en-US" altLang="ja-JP" sz="1200" dirty="0">
-                          <a:latin typeface="Open Sans" panose="020B0606030504020204" pitchFamily="34" charset="0"/>
-                          <a:cs typeface="Open Sans" panose="020B0606030504020204" pitchFamily="34" charset="0"/>
-                        </a:rPr>
-                        <a:t>?</a:t>
-                      </a:r>
-                      <a:endParaRPr kumimoji="1" lang="ja-JP" altLang="en-US" sz="1200" dirty="0">
-                        <a:latin typeface="Open Sans" panose="020B0606030504020204" pitchFamily="34" charset="0"/>
-                        <a:cs typeface="Open Sans" panose="020B0606030504020204" pitchFamily="34" charset="0"/>
-                      </a:endParaRPr>
-                    </a:p>
-                  </a:txBody>
-                  <a:tcPr/>
-                </a:tc>
-                <a:tc>
-                  <a:txBody>
-                    <a:bodyPr/>
-                    <a:lstStyle/>
-                    <a:p>
-                      <a:endParaRPr kumimoji="1" lang="ja-JP" altLang="en-US" sz="1200" dirty="0">
-                        <a:latin typeface="Open Sans" panose="020B0606030504020204" pitchFamily="34" charset="0"/>
-                        <a:cs typeface="Open Sans" panose="020B0606030504020204" pitchFamily="34" charset="0"/>
-                      </a:endParaRPr>
-                    </a:p>
-                  </a:txBody>
-                  <a:tcPr/>
-                </a:tc>
-                <a:extLst>
-                  <a:ext uri="{0D108BD9-81ED-4DB2-BD59-A6C34878D82A}">
-                    <a16:rowId xmlns:a16="http://schemas.microsoft.com/office/drawing/2014/main" val="352588011"/>
-                  </a:ext>
-                </a:extLst>
-              </a:tr>
-              <a:tr h="463861">
-                <a:tc>
-                  <a:txBody>
-                    <a:bodyPr/>
-                    <a:lstStyle/>
-                    <a:p>
-                      <a:endParaRPr kumimoji="1" lang="ja-JP" altLang="en-US" sz="1200" dirty="0">
-                        <a:latin typeface="Open Sans" panose="020B0606030504020204" pitchFamily="34" charset="0"/>
-                        <a:cs typeface="Open Sans" panose="020B0606030504020204" pitchFamily="34" charset="0"/>
-                      </a:endParaRPr>
-                    </a:p>
-                  </a:txBody>
-                  <a:tcPr anchor="ctr" anchorCtr="1"/>
-                </a:tc>
-                <a:tc>
-                  <a:txBody>
-                    <a:bodyPr/>
-                    <a:lstStyle/>
-                    <a:p>
-                      <a:endParaRPr kumimoji="1" lang="ja-JP" altLang="en-US" sz="1200" dirty="0">
-                        <a:latin typeface="Open Sans" panose="020B0606030504020204" pitchFamily="34" charset="0"/>
-                        <a:cs typeface="Open Sans" panose="020B0606030504020204" pitchFamily="34" charset="0"/>
-                      </a:endParaRPr>
-                    </a:p>
-                  </a:txBody>
-                  <a:tcPr/>
-                </a:tc>
-                <a:tc>
-                  <a:txBody>
-                    <a:bodyPr/>
-                    <a:lstStyle/>
-                    <a:p>
-                      <a:endParaRPr kumimoji="1" lang="ja-JP" altLang="en-US" sz="1200" dirty="0">
-                        <a:latin typeface="Open Sans" panose="020B0606030504020204" pitchFamily="34" charset="0"/>
-                        <a:cs typeface="Open Sans" panose="020B0606030504020204" pitchFamily="34" charset="0"/>
-                      </a:endParaRPr>
-                    </a:p>
-                  </a:txBody>
-                  <a:tcPr/>
-                </a:tc>
-                <a:extLst>
-                  <a:ext uri="{0D108BD9-81ED-4DB2-BD59-A6C34878D82A}">
-                    <a16:rowId xmlns:a16="http://schemas.microsoft.com/office/drawing/2014/main" val="310447530"/>
-                  </a:ext>
-                </a:extLst>
-              </a:tr>
-            </a:tbl>
-          </a:graphicData>
-        </a:graphic>
-      </p:graphicFrame>
+          <p:cNvSpPr txBox="1"/>
+          <p:nvPr/>
+        </p:nvSpPr>
+        <p:spPr>
+          <a:xfrm>
+            <a:off x="1071663" y="1571625"/>
+            <a:ext cx="7210500" cy="2362200"/>
+          </a:xfrm>
+          <a:prstGeom prst="rect">
+            <a:avLst/>
+          </a:prstGeom>
+          <a:noFill/>
+          <a:ln>
+            <a:noFill/>
+          </a:ln>
+        </p:spPr>
+        <p:txBody>
+          <a:bodyPr spcFirstLastPara="1" wrap="square" lIns="19050" tIns="19050" rIns="19050" bIns="19050" anchor="t" anchorCtr="0">
+            <a:noAutofit/>
+          </a:bodyPr>
+          <a:lstStyle/>
+          <a:p>
+            <a:pPr marL="0" marR="0" lvl="0" indent="0" algn="l" rtl="0">
+              <a:lnSpc>
+                <a:spcPct val="120000"/>
+              </a:lnSpc>
+              <a:spcBef>
+                <a:spcPts val="800"/>
+              </a:spcBef>
+              <a:spcAft>
+                <a:spcPts val="0"/>
+              </a:spcAft>
+              <a:buNone/>
+            </a:pPr>
+            <a:r>
+              <a:rPr lang="ja-JP" altLang="en-US" sz="1200" dirty="0">
+                <a:solidFill>
+                  <a:schemeClr val="dk2"/>
+                </a:solidFill>
+                <a:latin typeface="Open Sans"/>
+                <a:ea typeface="Open Sans"/>
+                <a:cs typeface="Open Sans"/>
+                <a:sym typeface="Open Sans"/>
+              </a:rPr>
+              <a:t>課題管理</a:t>
+            </a:r>
+            <a:endParaRPr sz="1200" dirty="0">
+              <a:solidFill>
+                <a:schemeClr val="dk2"/>
+              </a:solidFill>
+              <a:latin typeface="Open Sans"/>
+              <a:ea typeface="Open Sans"/>
+              <a:cs typeface="Open Sans"/>
+              <a:sym typeface="Open Sans"/>
+            </a:endParaRPr>
+          </a:p>
+          <a:p>
+            <a:pPr marL="152400" marR="0" lvl="0" algn="l" rtl="0">
+              <a:lnSpc>
+                <a:spcPct val="120000"/>
+              </a:lnSpc>
+              <a:spcBef>
+                <a:spcPts val="800"/>
+              </a:spcBef>
+              <a:spcAft>
+                <a:spcPts val="0"/>
+              </a:spcAft>
+              <a:buClr>
+                <a:schemeClr val="dk2"/>
+              </a:buClr>
+              <a:buSzPts val="1200"/>
+            </a:pPr>
+            <a:r>
+              <a:rPr lang="ja-JP" altLang="en-US" sz="1200" dirty="0">
+                <a:solidFill>
+                  <a:schemeClr val="dk2"/>
+                </a:solidFill>
+                <a:latin typeface="Open Sans"/>
+                <a:ea typeface="Open Sans"/>
+                <a:cs typeface="Open Sans"/>
+                <a:sym typeface="Open Sans"/>
+              </a:rPr>
+              <a:t>別紙 </a:t>
+            </a:r>
+            <a:r>
+              <a:rPr lang="en-US" altLang="ja-JP" sz="1200" dirty="0">
+                <a:solidFill>
+                  <a:schemeClr val="dk2"/>
+                </a:solidFill>
+                <a:latin typeface="Open Sans"/>
+                <a:ea typeface="Open Sans"/>
+                <a:cs typeface="Open Sans"/>
+                <a:sym typeface="Open Sans"/>
+              </a:rPr>
+              <a:t>EC</a:t>
+            </a:r>
+            <a:r>
+              <a:rPr lang="ja-JP" altLang="en-US" sz="1200" dirty="0">
+                <a:solidFill>
+                  <a:schemeClr val="dk2"/>
+                </a:solidFill>
+                <a:latin typeface="Open Sans"/>
+                <a:ea typeface="Open Sans"/>
+                <a:cs typeface="Open Sans"/>
+                <a:sym typeface="Open Sans"/>
+              </a:rPr>
+              <a:t>システム構築プロジェクト</a:t>
+            </a:r>
+            <a:r>
+              <a:rPr lang="en-US" altLang="ja-JP" sz="1200" dirty="0">
+                <a:solidFill>
+                  <a:schemeClr val="dk2"/>
+                </a:solidFill>
+                <a:latin typeface="Open Sans"/>
+                <a:ea typeface="Open Sans"/>
+                <a:cs typeface="Open Sans"/>
+                <a:sym typeface="Open Sans"/>
+              </a:rPr>
+              <a:t>_</a:t>
+            </a:r>
+            <a:r>
+              <a:rPr lang="ja-JP" altLang="en-US" sz="1200" dirty="0">
+                <a:solidFill>
+                  <a:schemeClr val="dk2"/>
+                </a:solidFill>
+                <a:latin typeface="Open Sans"/>
+                <a:ea typeface="Open Sans"/>
+                <a:cs typeface="Open Sans"/>
+                <a:sym typeface="Open Sans"/>
+              </a:rPr>
+              <a:t>課題管理表</a:t>
+            </a:r>
+            <a:r>
+              <a:rPr lang="en-US" altLang="ja-JP" sz="1200" dirty="0">
+                <a:solidFill>
+                  <a:schemeClr val="dk2"/>
+                </a:solidFill>
+                <a:latin typeface="Open Sans"/>
+                <a:ea typeface="Open Sans"/>
+                <a:cs typeface="Open Sans"/>
+                <a:sym typeface="Open Sans"/>
+              </a:rPr>
+              <a:t>.xlsx </a:t>
+            </a:r>
+            <a:r>
+              <a:rPr lang="ja-JP" altLang="en-US" sz="1200" dirty="0">
+                <a:solidFill>
+                  <a:schemeClr val="dk2"/>
+                </a:solidFill>
+                <a:latin typeface="Open Sans"/>
+                <a:ea typeface="Open Sans"/>
+                <a:cs typeface="Open Sans"/>
+                <a:sym typeface="Open Sans"/>
+              </a:rPr>
+              <a:t>の読み合わせを実施いたします</a:t>
+            </a:r>
+            <a:endParaRPr sz="1200" dirty="0">
+              <a:solidFill>
+                <a:schemeClr val="dk2"/>
+              </a:solidFill>
+              <a:latin typeface="Open Sans"/>
+              <a:ea typeface="Open Sans"/>
+              <a:cs typeface="Open Sans"/>
+              <a:sym typeface="Open Sans"/>
+            </a:endParaRPr>
+          </a:p>
+          <a:p>
+            <a:pPr marL="0" marR="0" lvl="0" indent="0" algn="l" rtl="0">
+              <a:lnSpc>
+                <a:spcPct val="120000"/>
+              </a:lnSpc>
+              <a:spcBef>
+                <a:spcPts val="800"/>
+              </a:spcBef>
+              <a:spcAft>
+                <a:spcPts val="0"/>
+              </a:spcAft>
+              <a:buNone/>
+            </a:pPr>
+            <a:endParaRPr lang="en-US" altLang="ja-JP" sz="1200" dirty="0">
+              <a:solidFill>
+                <a:schemeClr val="dk2"/>
+              </a:solidFill>
+              <a:latin typeface="Open Sans"/>
+              <a:ea typeface="Open Sans"/>
+              <a:cs typeface="Open Sans"/>
+              <a:sym typeface="Open Sans"/>
+            </a:endParaRPr>
+          </a:p>
+          <a:p>
+            <a:pPr marL="0" marR="0" lvl="0" indent="0" algn="l" rtl="0">
+              <a:lnSpc>
+                <a:spcPct val="120000"/>
+              </a:lnSpc>
+              <a:spcBef>
+                <a:spcPts val="800"/>
+              </a:spcBef>
+              <a:spcAft>
+                <a:spcPts val="0"/>
+              </a:spcAft>
+              <a:buNone/>
+            </a:pPr>
+            <a:r>
+              <a:rPr lang="ja-JP" altLang="en-US" sz="1200" dirty="0">
+                <a:solidFill>
+                  <a:schemeClr val="dk2"/>
+                </a:solidFill>
+                <a:latin typeface="Open Sans"/>
+                <a:ea typeface="Open Sans"/>
+                <a:cs typeface="Open Sans"/>
+                <a:sym typeface="Open Sans"/>
+              </a:rPr>
+              <a:t>進捗管理</a:t>
+            </a:r>
+          </a:p>
+          <a:p>
+            <a:pPr marL="152400">
+              <a:lnSpc>
+                <a:spcPct val="120000"/>
+              </a:lnSpc>
+              <a:spcBef>
+                <a:spcPts val="800"/>
+              </a:spcBef>
+              <a:buClr>
+                <a:schemeClr val="dk2"/>
+              </a:buClr>
+              <a:buSzPts val="1200"/>
+            </a:pPr>
+            <a:r>
+              <a:rPr lang="ja-JP" altLang="en-US" sz="1200" dirty="0">
+                <a:solidFill>
+                  <a:schemeClr val="dk2"/>
+                </a:solidFill>
+                <a:latin typeface="Open Sans"/>
+                <a:ea typeface="Open Sans"/>
+                <a:cs typeface="Open Sans"/>
+                <a:sym typeface="Open Sans"/>
+              </a:rPr>
+              <a:t>別紙 </a:t>
+            </a:r>
+            <a:r>
+              <a:rPr lang="en-US" altLang="ja-JP" sz="1200" dirty="0">
+                <a:solidFill>
+                  <a:schemeClr val="dk2"/>
+                </a:solidFill>
+                <a:latin typeface="Open Sans"/>
+                <a:ea typeface="Open Sans"/>
+                <a:cs typeface="Open Sans"/>
+                <a:sym typeface="Open Sans"/>
+              </a:rPr>
+              <a:t>EC</a:t>
+            </a:r>
+            <a:r>
+              <a:rPr lang="ja-JP" altLang="en-US" sz="1200" dirty="0">
+                <a:solidFill>
+                  <a:schemeClr val="dk2"/>
+                </a:solidFill>
+                <a:latin typeface="Open Sans"/>
+                <a:ea typeface="Open Sans"/>
+                <a:cs typeface="Open Sans"/>
+                <a:sym typeface="Open Sans"/>
+              </a:rPr>
+              <a:t>システム構築プロジェクト</a:t>
+            </a:r>
+            <a:r>
+              <a:rPr lang="en-US" altLang="ja-JP" sz="1200" dirty="0">
+                <a:solidFill>
+                  <a:schemeClr val="dk2"/>
+                </a:solidFill>
+                <a:latin typeface="Open Sans"/>
+                <a:ea typeface="Open Sans"/>
+                <a:cs typeface="Open Sans"/>
+                <a:sym typeface="Open Sans"/>
+              </a:rPr>
+              <a:t>_WBS.xlsx </a:t>
+            </a:r>
+            <a:r>
+              <a:rPr lang="ja-JP" altLang="en-US" sz="1200" dirty="0">
+                <a:solidFill>
+                  <a:schemeClr val="dk2"/>
+                </a:solidFill>
+                <a:latin typeface="Open Sans"/>
+                <a:ea typeface="Open Sans"/>
+                <a:cs typeface="Open Sans"/>
+                <a:sym typeface="Open Sans"/>
+              </a:rPr>
+              <a:t>の読み合わせを実施いたします</a:t>
+            </a:r>
+          </a:p>
+          <a:p>
+            <a:pPr marL="152400" marR="0" lvl="0" algn="l" rtl="0">
+              <a:lnSpc>
+                <a:spcPct val="120000"/>
+              </a:lnSpc>
+              <a:spcBef>
+                <a:spcPts val="800"/>
+              </a:spcBef>
+              <a:spcAft>
+                <a:spcPts val="0"/>
+              </a:spcAft>
+              <a:buClr>
+                <a:schemeClr val="dk2"/>
+              </a:buClr>
+              <a:buSzPts val="1200"/>
+            </a:pPr>
+            <a:endParaRPr lang="ja-JP" altLang="en-US" sz="1200" dirty="0">
+              <a:solidFill>
+                <a:schemeClr val="dk2"/>
+              </a:solidFill>
+              <a:latin typeface="Open Sans"/>
+              <a:ea typeface="Open Sans"/>
+              <a:cs typeface="Open Sans"/>
+              <a:sym typeface="Open Sans"/>
+            </a:endParaRPr>
+          </a:p>
+        </p:txBody>
+      </p:sp>
     </p:spTree>
   </p:cSld>
   <p:clrMapOvr>
@@ -24665,7 +26986,7 @@
 </p:sld>
 </file>
 
-<file path=ppt/slides/slide12.xml><?xml version="1.0" encoding="utf-8"?>
+<file path=ppt/slides/slide14.xml><?xml version="1.0" encoding="utf-8"?>
 <p:sld xmlns:a="http://schemas.openxmlformats.org/drawingml/2006/main" xmlns:r="http://schemas.openxmlformats.org/officeDocument/2006/relationships" xmlns:p="http://schemas.openxmlformats.org/presentationml/2006/main">
   <p:cSld>
     <p:spTree>
@@ -24892,7 +27213,7 @@
               <a:t>　　</a:t>
             </a:r>
             <a:r>
-              <a:rPr lang="en-US" altLang="ja-JP" sz="1200" dirty="0" err="1">
+              <a:rPr lang="en-US" altLang="ja-JP" sz="1200" dirty="0">
                 <a:solidFill>
                   <a:schemeClr val="dk2"/>
                 </a:solidFill>
@@ -24901,7 +27222,7 @@
                 <a:cs typeface="Open Sans"/>
                 <a:sym typeface="Open Sans"/>
               </a:rPr>
-              <a:t>nishizumi@pasona.co,jp</a:t>
+              <a:t>nishizumi@pasona.co.jp</a:t>
             </a:r>
             <a:endParaRPr sz="1200" dirty="0">
               <a:solidFill>
@@ -25844,7 +28165,7 @@
 </p:sld>
 </file>
 
-<file path=ppt/slides/slide13.xml><?xml version="1.0" encoding="utf-8"?>
+<file path=ppt/slides/slide15.xml><?xml version="1.0" encoding="utf-8"?>
 <p:sld xmlns:a="http://schemas.openxmlformats.org/drawingml/2006/main" xmlns:r="http://schemas.openxmlformats.org/officeDocument/2006/relationships" xmlns:p="http://schemas.openxmlformats.org/presentationml/2006/main">
   <p:cSld>
     <p:spTree>
@@ -25984,7 +28305,7 @@
                 <a:cs typeface="Open Sans"/>
                 <a:sym typeface="Open Sans"/>
               </a:rPr>
-              <a:t>今回のキックオフで判明したアクションアイテムについて改めてご確認させていただきます。</a:t>
+              <a:t>今回のキックオフで判明したアクションアイテムについて改めてご確認させていただきます</a:t>
             </a:r>
             <a:endParaRPr lang="en-US" altLang="ja-JP" sz="1200" dirty="0">
               <a:solidFill>
@@ -26235,7 +28556,7 @@
 </p:sld>
 </file>
 
-<file path=ppt/slides/slide14.xml><?xml version="1.0" encoding="utf-8"?>
+<file path=ppt/slides/slide16.xml><?xml version="1.0" encoding="utf-8"?>
 <p:sld xmlns:a="http://schemas.openxmlformats.org/drawingml/2006/main" xmlns:r="http://schemas.openxmlformats.org/officeDocument/2006/relationships" xmlns:p="http://schemas.openxmlformats.org/presentationml/2006/main">
   <p:cSld>
     <p:spTree>
@@ -26375,7 +28696,7 @@
                 <a:cs typeface="Open Sans"/>
                 <a:sym typeface="Open Sans"/>
               </a:rPr>
-              <a:t>今回のキックオフで判明した決定事項について改めてご確認させていただきます。</a:t>
+              <a:t>今回のキックオフで判明した決定事項について改めてご確認させていただきます</a:t>
             </a:r>
             <a:endParaRPr lang="en-US" altLang="ja-JP" sz="1200" dirty="0">
               <a:solidFill>
@@ -26817,6 +29138,41 @@
             </a:endParaRPr>
           </a:p>
           <a:p>
+            <a:pPr lvl="8">
+              <a:lnSpc>
+                <a:spcPct val="120000"/>
+              </a:lnSpc>
+              <a:spcBef>
+                <a:spcPts val="800"/>
+              </a:spcBef>
+              <a:buClr>
+                <a:srgbClr val="646979"/>
+              </a:buClr>
+              <a:buSzPts val="1000"/>
+            </a:pPr>
+            <a:r>
+              <a:rPr lang="ja-JP" altLang="en-US" sz="1200" dirty="0">
+                <a:solidFill>
+                  <a:schemeClr val="dk2"/>
+                </a:solidFill>
+                <a:latin typeface="Open Sans"/>
+                <a:ea typeface="Open Sans"/>
+                <a:cs typeface="Open Sans"/>
+                <a:sym typeface="Open Sans"/>
+              </a:rPr>
+              <a:t>　・課題・背景・目的の整理</a:t>
+            </a:r>
+            <a:endParaRPr lang="en-US" altLang="ja-JP" sz="1200" dirty="0">
+              <a:solidFill>
+                <a:schemeClr val="dk2"/>
+              </a:solidFill>
+              <a:latin typeface="Open Sans"/>
+              <a:ea typeface="Open Sans"/>
+              <a:cs typeface="Open Sans"/>
+              <a:sym typeface="Open Sans"/>
+            </a:endParaRPr>
+          </a:p>
+          <a:p>
             <a:pPr lvl="7">
               <a:lnSpc>
                 <a:spcPct val="120000"/>
@@ -26874,7 +29230,7 @@
                 <a:cs typeface="Open Sans"/>
                 <a:sym typeface="Open Sans"/>
               </a:rPr>
-              <a:t>　・要件定義フェーズの体制、期間、成果物についてのご確認</a:t>
+              <a:t>　・要件定義書のイメージについてのご確認</a:t>
             </a:r>
             <a:endParaRPr lang="en-US" altLang="ja-JP" sz="1200" dirty="0">
               <a:solidFill>
@@ -26887,7 +29243,7 @@
             </a:endParaRPr>
           </a:p>
           <a:p>
-            <a:pPr marL="171450" lvl="7" indent="-171450">
+            <a:pPr lvl="7">
               <a:lnSpc>
                 <a:spcPct val="120000"/>
               </a:lnSpc>
@@ -26898,9 +29254,19 @@
                 <a:srgbClr val="646979"/>
               </a:buClr>
               <a:buSzPts val="1000"/>
-              <a:buFont typeface="Arial" panose="020B0604020202020204" pitchFamily="34" charset="0"/>
-              <a:buChar char="•"/>
             </a:pPr>
+            <a:r>
+              <a:rPr lang="ja-JP" altLang="en-US" sz="1200" dirty="0">
+                <a:solidFill>
+                  <a:schemeClr val="dk2"/>
+                </a:solidFill>
+                <a:latin typeface="Open Sans"/>
+                <a:ea typeface="Open Sans"/>
+                <a:cs typeface="Open Sans"/>
+                <a:sym typeface="Open Sans"/>
+              </a:rPr>
+              <a:t>　・要件定義フェーズの体制、期間、成果物についてのご確認</a:t>
+            </a:r>
             <a:endParaRPr lang="en-US" altLang="ja-JP" sz="1200" dirty="0">
               <a:solidFill>
                 <a:schemeClr val="dk2"/>
@@ -27006,29 +29372,6 @@
               </a:rPr>
               <a:t>　・コミュニケーション方法と会議体のご確認</a:t>
             </a:r>
-            <a:endParaRPr lang="en-US" altLang="ja-JP" sz="1200" dirty="0">
-              <a:solidFill>
-                <a:schemeClr val="dk2"/>
-              </a:solidFill>
-              <a:latin typeface="Open Sans"/>
-              <a:ea typeface="Open Sans"/>
-              <a:cs typeface="Open Sans"/>
-              <a:sym typeface="Open Sans"/>
-            </a:endParaRPr>
-          </a:p>
-          <a:p>
-            <a:pPr lvl="7">
-              <a:lnSpc>
-                <a:spcPct val="120000"/>
-              </a:lnSpc>
-              <a:spcBef>
-                <a:spcPts val="800"/>
-              </a:spcBef>
-              <a:buClr>
-                <a:srgbClr val="646979"/>
-              </a:buClr>
-              <a:buSzPts val="1000"/>
-            </a:pPr>
             <a:endParaRPr lang="en-US" sz="1200" dirty="0">
               <a:solidFill>
                 <a:schemeClr val="dk2"/>
@@ -28537,10 +30880,10 @@
                 <a:cs typeface="Open Sans"/>
                 <a:sym typeface="Open Sans"/>
               </a:rPr>
-              <a:t>貴社</a:t>
+              <a:t>以下、</a:t>
             </a:r>
             <a:r>
-              <a:rPr lang="en-US" altLang="ja" sz="1200" dirty="0">
+              <a:rPr lang="en-US" altLang="ja-JP" sz="1200" dirty="0">
                 <a:solidFill>
                   <a:schemeClr val="dk2"/>
                 </a:solidFill>
@@ -28549,7 +30892,7 @@
                 <a:cs typeface="Open Sans"/>
                 <a:sym typeface="Open Sans"/>
               </a:rPr>
-              <a:t>EC</a:t>
+              <a:t>RFP</a:t>
             </a:r>
             <a:r>
               <a:rPr lang="ja-JP" altLang="en-US" sz="1200" dirty="0">
@@ -28561,7 +30904,7 @@
                 <a:cs typeface="Open Sans"/>
                 <a:sym typeface="Open Sans"/>
               </a:rPr>
-              <a:t>事業の成長に伴い顧客からの需要が拡大する中、メルマガ配信直後やセール時などの急激なアクセス増加にも耐え、顧客機会を逃さないためのシステムを構築したい。</a:t>
+              <a:t>を拝読した上での弊社の理解となります</a:t>
             </a:r>
             <a:endParaRPr lang="en-US" altLang="ja-JP" sz="1200" dirty="0">
               <a:solidFill>
@@ -28592,6 +30935,101 @@
               <a:buNone/>
             </a:pPr>
             <a:r>
+              <a:rPr lang="en-US" altLang="ja-JP" sz="1200" dirty="0">
+                <a:solidFill>
+                  <a:schemeClr val="dk2"/>
+                </a:solidFill>
+                <a:latin typeface="Open Sans"/>
+                <a:ea typeface="Open Sans"/>
+                <a:cs typeface="Open Sans"/>
+                <a:sym typeface="Open Sans"/>
+              </a:rPr>
+              <a:t>----------------------------------------------------------------------------------------------------</a:t>
+            </a:r>
+          </a:p>
+          <a:p>
+            <a:pPr marL="0" marR="0" lvl="0" indent="0" algn="l" rtl="0">
+              <a:lnSpc>
+                <a:spcPct val="120000"/>
+              </a:lnSpc>
+              <a:spcBef>
+                <a:spcPts val="800"/>
+              </a:spcBef>
+              <a:spcAft>
+                <a:spcPts val="0"/>
+              </a:spcAft>
+              <a:buClr>
+                <a:srgbClr val="646979"/>
+              </a:buClr>
+              <a:buSzPts val="1000"/>
+              <a:buFont typeface="Open Sans"/>
+              <a:buNone/>
+            </a:pPr>
+            <a:r>
+              <a:rPr lang="ja-JP" altLang="en-US" sz="1200" dirty="0">
+                <a:solidFill>
+                  <a:schemeClr val="dk2"/>
+                </a:solidFill>
+                <a:latin typeface="Open Sans"/>
+                <a:ea typeface="Open Sans"/>
+                <a:cs typeface="Open Sans"/>
+                <a:sym typeface="Open Sans"/>
+              </a:rPr>
+              <a:t>貴社</a:t>
+            </a:r>
+            <a:r>
+              <a:rPr lang="en-US" altLang="ja" sz="1200" dirty="0">
+                <a:solidFill>
+                  <a:schemeClr val="dk2"/>
+                </a:solidFill>
+                <a:latin typeface="Open Sans"/>
+                <a:ea typeface="Open Sans"/>
+                <a:cs typeface="Open Sans"/>
+                <a:sym typeface="Open Sans"/>
+              </a:rPr>
+              <a:t>EC</a:t>
+            </a:r>
+            <a:r>
+              <a:rPr lang="ja-JP" altLang="en-US" sz="1200" dirty="0">
+                <a:solidFill>
+                  <a:schemeClr val="dk2"/>
+                </a:solidFill>
+                <a:latin typeface="Open Sans"/>
+                <a:ea typeface="Open Sans"/>
+                <a:cs typeface="Open Sans"/>
+                <a:sym typeface="Open Sans"/>
+              </a:rPr>
+              <a:t>事業の成長に伴い顧客からの需要が拡大する中、メルマガ配信直後やセール時などの急激なアクセス増加にも耐え、顧客機会を逃さないためのシステム構築を検討中</a:t>
+            </a:r>
+            <a:endParaRPr lang="en-US" altLang="ja-JP" sz="1200" dirty="0">
+              <a:solidFill>
+                <a:schemeClr val="dk2"/>
+              </a:solidFill>
+              <a:latin typeface="Open Sans"/>
+              <a:ea typeface="Open Sans"/>
+              <a:cs typeface="Open Sans"/>
+              <a:sym typeface="Open Sans"/>
+            </a:endParaRPr>
+          </a:p>
+          <a:p>
+            <a:pPr marL="0" marR="0" lvl="0" indent="0" algn="l" rtl="0">
+              <a:lnSpc>
+                <a:spcPct val="120000"/>
+              </a:lnSpc>
+              <a:spcBef>
+                <a:spcPts val="800"/>
+              </a:spcBef>
+              <a:spcAft>
+                <a:spcPts val="0"/>
+              </a:spcAft>
+              <a:buClr>
+                <a:srgbClr val="646979"/>
+              </a:buClr>
+              <a:buSzPts val="1000"/>
+              <a:buFont typeface="Open Sans"/>
+              <a:buNone/>
+            </a:pPr>
+            <a:r>
               <a:rPr lang="ja-JP" altLang="en-US" sz="1200" dirty="0">
                 <a:solidFill>
                   <a:schemeClr val="dk2"/>
@@ -28625,7 +31063,7 @@
                 <a:cs typeface="Open Sans"/>
                 <a:sym typeface="Open Sans"/>
               </a:rPr>
-              <a:t>ポイントの統合が重要な課題となっている。</a:t>
+              <a:t>ポイントの統合が重要な課題</a:t>
             </a:r>
             <a:endParaRPr lang="en-US" altLang="ja-JP" sz="1200" dirty="0">
               <a:solidFill>
@@ -28765,7 +31203,7 @@
                 <a:cs typeface="Open Sans"/>
                 <a:sym typeface="Open Sans"/>
               </a:rPr>
-              <a:t>サイクルに基づいた運用の改善と売上の拡大を目指す。</a:t>
+              <a:t>サイクルに基づいた運用の改善と売上の拡大を目指す</a:t>
             </a:r>
             <a:endParaRPr lang="en-US" altLang="ja-JP" sz="1200" dirty="0">
               <a:solidFill>
@@ -28942,7 +31380,7 @@
               <a:buNone/>
             </a:pPr>
             <a:r>
-              <a:rPr lang="ja" sz="3000">
+              <a:rPr lang="ja" sz="3000" dirty="0">
                 <a:solidFill>
                   <a:srgbClr val="31333D"/>
                 </a:solidFill>
@@ -28953,7 +31391,7 @@
               </a:rPr>
               <a:t>開発の進め方</a:t>
             </a:r>
-            <a:endParaRPr sz="500"/>
+            <a:endParaRPr sz="500" dirty="0"/>
           </a:p>
         </p:txBody>
       </p:sp>
@@ -29155,7 +31593,7 @@
               <a:buNone/>
             </a:pPr>
             <a:r>
-              <a:rPr lang="ja" sz="1200">
+              <a:rPr lang="ja" sz="1200" dirty="0">
                 <a:solidFill>
                   <a:schemeClr val="dk2"/>
                 </a:solidFill>
@@ -29164,9 +31602,21 @@
                 <a:cs typeface="Open Sans"/>
                 <a:sym typeface="Open Sans"/>
               </a:rPr>
-              <a:t>要件定義フェーズと開発フェーズの２ステップで進める。</a:t>
+              <a:t>要件定義フェーズと開発フェーズの２ステップで進め</a:t>
             </a:r>
-            <a:endParaRPr sz="1200">
+            <a:r>
+              <a:rPr lang="ja-JP" altLang="en-US" sz="1200" dirty="0">
+                <a:solidFill>
+                  <a:schemeClr val="dk2"/>
+                </a:solidFill>
+                <a:latin typeface="Open Sans"/>
+                <a:ea typeface="Open Sans"/>
+                <a:cs typeface="Open Sans"/>
+                <a:sym typeface="Open Sans"/>
+              </a:rPr>
+              <a:t>ます</a:t>
+            </a:r>
+            <a:endParaRPr sz="1200" dirty="0">
               <a:solidFill>
                 <a:schemeClr val="dk2"/>
               </a:solidFill>
@@ -29195,7 +31645,7 @@
               <a:buNone/>
             </a:pPr>
             <a:r>
-              <a:rPr lang="ja" sz="1200">
+              <a:rPr lang="ja" sz="1200" dirty="0">
                 <a:solidFill>
                   <a:schemeClr val="dk2"/>
                 </a:solidFill>
@@ -29204,9 +31654,21 @@
                 <a:cs typeface="Open Sans"/>
                 <a:sym typeface="Open Sans"/>
               </a:rPr>
-              <a:t>要件定義は機能・画面仕様、開発費用・スケジュールなどが確定している状態である。</a:t>
+              <a:t>要件定義は機能・画面仕様、開発費用・スケジュールなどが確定している状態で</a:t>
             </a:r>
-            <a:endParaRPr sz="1200">
+            <a:r>
+              <a:rPr lang="ja-JP" altLang="en-US" sz="1200" dirty="0">
+                <a:solidFill>
+                  <a:schemeClr val="dk2"/>
+                </a:solidFill>
+                <a:latin typeface="Open Sans"/>
+                <a:ea typeface="Open Sans"/>
+                <a:cs typeface="Open Sans"/>
+                <a:sym typeface="Open Sans"/>
+              </a:rPr>
+              <a:t>す</a:t>
+            </a:r>
+            <a:endParaRPr sz="1200" dirty="0">
               <a:solidFill>
                 <a:schemeClr val="dk2"/>
               </a:solidFill>
@@ -30476,59 +32938,13 @@
       </p:grpSpPr>
       <p:sp>
         <p:nvSpPr>
-          <p:cNvPr id="150" name="Google Shape;150;p21"/>
-          <p:cNvSpPr txBox="1"/>
-          <p:nvPr/>
-        </p:nvSpPr>
-        <p:spPr>
-          <a:xfrm>
-            <a:off x="0" y="0"/>
-            <a:ext cx="3000000" cy="307800"/>
-          </a:xfrm>
-          <a:prstGeom prst="rect">
-            <a:avLst/>
-          </a:prstGeom>
-          <a:noFill/>
-          <a:ln>
-            <a:noFill/>
-          </a:ln>
-        </p:spPr>
-        <p:txBody>
-          <a:bodyPr spcFirstLastPara="1" wrap="square" lIns="91425" tIns="91425" rIns="91425" bIns="91425" anchor="t" anchorCtr="0">
-            <a:spAutoFit/>
-          </a:bodyPr>
-          <a:lstStyle/>
-          <a:p>
-            <a:pPr marL="0" lvl="0" indent="0" algn="l" rtl="0">
-              <a:spcBef>
-                <a:spcPts val="0"/>
-              </a:spcBef>
-              <a:spcAft>
-                <a:spcPts val="0"/>
-              </a:spcAft>
-              <a:buNone/>
-            </a:pPr>
-            <a:r>
-              <a:rPr lang="ja" sz="800" b="1">
-                <a:solidFill>
-                  <a:schemeClr val="dk2"/>
-                </a:solidFill>
-              </a:rPr>
-              <a:t>システム全体像（イメージ）</a:t>
-            </a:r>
-            <a:endParaRPr b="1"/>
-          </a:p>
-        </p:txBody>
-      </p:sp>
-      <p:sp>
-        <p:nvSpPr>
           <p:cNvPr id="151" name="Google Shape;151;p21"/>
           <p:cNvSpPr txBox="1"/>
           <p:nvPr/>
         </p:nvSpPr>
         <p:spPr>
           <a:xfrm>
-            <a:off x="293750" y="307800"/>
+            <a:off x="897962" y="1430444"/>
             <a:ext cx="7210500" cy="727500"/>
           </a:xfrm>
           <a:prstGeom prst="rect">
@@ -30563,7 +32979,7 @@
               <a:buNone/>
             </a:pPr>
             <a:r>
-              <a:rPr lang="ja" sz="1200">
+              <a:rPr lang="ja-JP" altLang="en-US" sz="1200" dirty="0">
                 <a:solidFill>
                   <a:schemeClr val="dk2"/>
                 </a:solidFill>
@@ -30572,215 +32988,34 @@
                 <a:cs typeface="Open Sans"/>
                 <a:sym typeface="Open Sans"/>
               </a:rPr>
-              <a:t>業務要件定義の中でシステム全体像を明確化</a:t>
+              <a:t>今後のお打ち合わせでヒアリングを重ね、新たな</a:t>
             </a:r>
-            <a:endParaRPr sz="1200">
-              <a:solidFill>
-                <a:schemeClr val="dk2"/>
-              </a:solidFill>
-              <a:latin typeface="Open Sans"/>
-              <a:ea typeface="Open Sans"/>
-              <a:cs typeface="Open Sans"/>
-              <a:sym typeface="Open Sans"/>
-            </a:endParaRPr>
-          </a:p>
-        </p:txBody>
-      </p:sp>
-      <p:pic>
-        <p:nvPicPr>
-          <p:cNvPr id="152" name="Google Shape;152;p21"/>
-          <p:cNvPicPr preferRelativeResize="0"/>
-          <p:nvPr/>
-        </p:nvPicPr>
-        <p:blipFill>
-          <a:blip r:embed="rId3">
-            <a:alphaModFix/>
-          </a:blip>
-          <a:stretch>
-            <a:fillRect/>
-          </a:stretch>
-        </p:blipFill>
-        <p:spPr>
-          <a:xfrm>
-            <a:off x="1303550" y="1869625"/>
-            <a:ext cx="5734050" cy="1600200"/>
-          </a:xfrm>
-          <a:prstGeom prst="rect">
-            <a:avLst/>
-          </a:prstGeom>
-          <a:noFill/>
-          <a:ln>
-            <a:noFill/>
-          </a:ln>
-        </p:spPr>
-      </p:pic>
-      <p:sp>
-        <p:nvSpPr>
-          <p:cNvPr id="153" name="Google Shape;153;p21"/>
-          <p:cNvSpPr/>
-          <p:nvPr/>
-        </p:nvSpPr>
-        <p:spPr>
-          <a:xfrm rot="-900040">
-            <a:off x="888856" y="1120622"/>
-            <a:ext cx="2334348" cy="928340"/>
-          </a:xfrm>
-          <a:prstGeom prst="rect">
-            <a:avLst/>
-          </a:prstGeom>
-          <a:solidFill>
-            <a:srgbClr val="FFE599"/>
-          </a:solidFill>
-          <a:ln>
-            <a:noFill/>
-          </a:ln>
-        </p:spPr>
-        <p:txBody>
-          <a:bodyPr spcFirstLastPara="1" wrap="square" lIns="91425" tIns="91425" rIns="91425" bIns="91425" anchor="ctr" anchorCtr="0">
-            <a:noAutofit/>
-          </a:bodyPr>
-          <a:lstStyle/>
-          <a:p>
-            <a:pPr marL="0" lvl="0" indent="0" algn="ctr" rtl="0">
-              <a:spcBef>
-                <a:spcPts val="0"/>
-              </a:spcBef>
-              <a:spcAft>
-                <a:spcPts val="0"/>
-              </a:spcAft>
-              <a:buNone/>
-            </a:pPr>
             <a:r>
-              <a:rPr lang="ja" sz="2000" b="1">
-                <a:solidFill>
-                  <a:schemeClr val="lt1"/>
-                </a:solidFill>
+              <a:rPr lang="en-US" altLang="ja-JP" sz="1200" dirty="0">
+                <a:solidFill>
+                  <a:schemeClr val="dk2"/>
+                </a:solidFill>
+                <a:latin typeface="Open Sans"/>
+                <a:ea typeface="Open Sans"/>
+                <a:cs typeface="Open Sans"/>
+                <a:sym typeface="Open Sans"/>
               </a:rPr>
-              <a:t>サンプル</a:t>
+              <a:t>EC</a:t>
             </a:r>
-            <a:endParaRPr sz="2000" b="1">
-              <a:solidFill>
-                <a:schemeClr val="lt1"/>
-              </a:solidFill>
-            </a:endParaRPr>
-          </a:p>
-        </p:txBody>
-      </p:sp>
-    </p:spTree>
-  </p:cSld>
-  <p:clrMapOvr>
-    <a:masterClrMapping/>
-  </p:clrMapOvr>
-</p:sld>
-</file>
-
-<file path=ppt/slides/slide7.xml><?xml version="1.0" encoding="utf-8"?>
-<p:sld xmlns:a="http://schemas.openxmlformats.org/drawingml/2006/main" xmlns:r="http://schemas.openxmlformats.org/officeDocument/2006/relationships" xmlns:p="http://schemas.openxmlformats.org/presentationml/2006/main">
-  <p:cSld>
-    <p:spTree>
-      <p:nvGrpSpPr>
-        <p:cNvPr id="1" name="Shape 157"/>
-        <p:cNvGrpSpPr/>
-        <p:nvPr/>
-      </p:nvGrpSpPr>
-      <p:grpSpPr>
-        <a:xfrm>
-          <a:off x="0" y="0"/>
-          <a:ext cx="0" cy="0"/>
-          <a:chOff x="0" y="0"/>
-          <a:chExt cx="0" cy="0"/>
-        </a:xfrm>
-      </p:grpSpPr>
-      <p:sp>
-        <p:nvSpPr>
-          <p:cNvPr id="158" name="Google Shape;158;p22"/>
-          <p:cNvSpPr txBox="1"/>
-          <p:nvPr/>
-        </p:nvSpPr>
-        <p:spPr>
-          <a:xfrm>
-            <a:off x="0" y="0"/>
-            <a:ext cx="3000000" cy="307800"/>
-          </a:xfrm>
-          <a:prstGeom prst="rect">
-            <a:avLst/>
-          </a:prstGeom>
-          <a:noFill/>
-          <a:ln>
-            <a:noFill/>
-          </a:ln>
-        </p:spPr>
-        <p:txBody>
-          <a:bodyPr spcFirstLastPara="1" wrap="square" lIns="91425" tIns="91425" rIns="91425" bIns="91425" anchor="t" anchorCtr="0">
-            <a:spAutoFit/>
-          </a:bodyPr>
-          <a:lstStyle/>
-          <a:p>
-            <a:pPr marL="0" lvl="0" indent="0" algn="l" rtl="0">
-              <a:spcBef>
-                <a:spcPts val="0"/>
-              </a:spcBef>
-              <a:spcAft>
-                <a:spcPts val="0"/>
-              </a:spcAft>
-              <a:buNone/>
-            </a:pPr>
             <a:r>
-              <a:rPr lang="ja" sz="800" b="1">
+              <a:rPr lang="ja-JP" altLang="en-US" sz="1200" dirty="0">
                 <a:solidFill>
                   <a:schemeClr val="dk2"/>
                 </a:solidFill>
+                <a:latin typeface="Open Sans"/>
+                <a:ea typeface="Open Sans"/>
+                <a:cs typeface="Open Sans"/>
+                <a:sym typeface="Open Sans"/>
               </a:rPr>
-              <a:t>機能仕様（イメージ）</a:t>
+              <a:t>システムを構築することで実現したい業務フローや</a:t>
             </a:r>
-            <a:endParaRPr b="1"/>
-          </a:p>
-        </p:txBody>
-      </p:sp>
-      <p:sp>
-        <p:nvSpPr>
-          <p:cNvPr id="159" name="Google Shape;159;p22"/>
-          <p:cNvSpPr txBox="1"/>
-          <p:nvPr/>
-        </p:nvSpPr>
-        <p:spPr>
-          <a:xfrm>
-            <a:off x="293750" y="307800"/>
-            <a:ext cx="7210500" cy="727500"/>
-          </a:xfrm>
-          <a:prstGeom prst="rect">
-            <a:avLst/>
-          </a:prstGeom>
-          <a:noFill/>
-          <a:ln>
-            <a:noFill/>
-          </a:ln>
-        </p:spPr>
-        <p:txBody>
-          <a:bodyPr spcFirstLastPara="1" wrap="square" lIns="19050" tIns="19050" rIns="19050" bIns="19050" anchor="t" anchorCtr="0">
-            <a:noAutofit/>
-          </a:bodyPr>
-          <a:lstStyle/>
-          <a:p>
-            <a:pPr marL="0" marR="0" lvl="0" indent="0" algn="l" rtl="0">
-              <a:lnSpc>
-                <a:spcPct val="120000"/>
-              </a:lnSpc>
-              <a:spcBef>
-                <a:spcPts val="800"/>
-              </a:spcBef>
-              <a:spcAft>
-                <a:spcPts val="0"/>
-              </a:spcAft>
-              <a:buClr>
-                <a:srgbClr val="646979"/>
-              </a:buClr>
-              <a:buSzPts val="1000"/>
-              <a:buFont typeface="Open Sans"/>
-              <a:buNone/>
-            </a:pPr>
             <a:r>
-              <a:rPr lang="ja" sz="1200">
+              <a:rPr lang="ja" altLang="ja-JP" sz="1200" dirty="0">
                 <a:solidFill>
                   <a:schemeClr val="dk2"/>
                 </a:solidFill>
@@ -30789,249 +33024,34 @@
                 <a:cs typeface="Open Sans"/>
                 <a:sym typeface="Open Sans"/>
               </a:rPr>
-              <a:t>機能要件を定義</a:t>
+              <a:t>システム</a:t>
             </a:r>
-            <a:endParaRPr sz="1200">
-              <a:solidFill>
-                <a:schemeClr val="dk2"/>
-              </a:solidFill>
-              <a:latin typeface="Open Sans"/>
-              <a:ea typeface="Open Sans"/>
-              <a:cs typeface="Open Sans"/>
-              <a:sym typeface="Open Sans"/>
-            </a:endParaRPr>
-          </a:p>
-        </p:txBody>
-      </p:sp>
-      <p:pic>
-        <p:nvPicPr>
-          <p:cNvPr id="160" name="Google Shape;160;p22"/>
-          <p:cNvPicPr preferRelativeResize="0"/>
-          <p:nvPr/>
-        </p:nvPicPr>
-        <p:blipFill>
-          <a:blip r:embed="rId3">
-            <a:alphaModFix/>
-          </a:blip>
-          <a:stretch>
-            <a:fillRect/>
-          </a:stretch>
-        </p:blipFill>
-        <p:spPr>
-          <a:xfrm>
-            <a:off x="2040168" y="1210618"/>
-            <a:ext cx="5063649" cy="3255225"/>
-          </a:xfrm>
-          <a:prstGeom prst="rect">
-            <a:avLst/>
-          </a:prstGeom>
-          <a:noFill/>
-          <a:ln>
-            <a:noFill/>
-          </a:ln>
-        </p:spPr>
-      </p:pic>
-      <p:sp>
-        <p:nvSpPr>
-          <p:cNvPr id="161" name="Google Shape;161;p22"/>
-          <p:cNvSpPr/>
-          <p:nvPr/>
-        </p:nvSpPr>
-        <p:spPr>
-          <a:xfrm rot="-900040">
-            <a:off x="815381" y="989972"/>
-            <a:ext cx="2334348" cy="928340"/>
-          </a:xfrm>
-          <a:prstGeom prst="rect">
-            <a:avLst/>
-          </a:prstGeom>
-          <a:solidFill>
-            <a:srgbClr val="FFE599"/>
-          </a:solidFill>
-          <a:ln>
-            <a:noFill/>
-          </a:ln>
-        </p:spPr>
-        <p:txBody>
-          <a:bodyPr spcFirstLastPara="1" wrap="square" lIns="91425" tIns="91425" rIns="91425" bIns="91425" anchor="ctr" anchorCtr="0">
-            <a:noAutofit/>
-          </a:bodyPr>
-          <a:lstStyle/>
-          <a:p>
-            <a:pPr marL="0" lvl="0" indent="0" algn="ctr" rtl="0">
-              <a:spcBef>
-                <a:spcPts val="0"/>
-              </a:spcBef>
-              <a:spcAft>
-                <a:spcPts val="0"/>
-              </a:spcAft>
-              <a:buNone/>
-            </a:pPr>
             <a:r>
-              <a:rPr lang="ja" sz="2000" b="1">
-                <a:solidFill>
-                  <a:schemeClr val="lt1"/>
-                </a:solidFill>
+              <a:rPr lang="ja-JP" altLang="en-US" sz="1200" dirty="0">
+                <a:solidFill>
+                  <a:schemeClr val="dk2"/>
+                </a:solidFill>
+                <a:latin typeface="Open Sans"/>
+                <a:ea typeface="Open Sans"/>
+                <a:cs typeface="Open Sans"/>
+                <a:sym typeface="Open Sans"/>
               </a:rPr>
-              <a:t>サンプル</a:t>
+              <a:t>の</a:t>
             </a:r>
-            <a:endParaRPr sz="2000" b="1">
-              <a:solidFill>
-                <a:schemeClr val="lt1"/>
-              </a:solidFill>
-            </a:endParaRPr>
-          </a:p>
-        </p:txBody>
-      </p:sp>
-    </p:spTree>
-  </p:cSld>
-  <p:clrMapOvr>
-    <a:masterClrMapping/>
-  </p:clrMapOvr>
-</p:sld>
-</file>
-
-<file path=ppt/slides/slide8.xml><?xml version="1.0" encoding="utf-8"?>
-<p:sld xmlns:a="http://schemas.openxmlformats.org/drawingml/2006/main" xmlns:r="http://schemas.openxmlformats.org/officeDocument/2006/relationships" xmlns:p="http://schemas.openxmlformats.org/presentationml/2006/main">
-  <p:cSld>
-    <p:spTree>
-      <p:nvGrpSpPr>
-        <p:cNvPr id="1" name="Shape 165"/>
-        <p:cNvGrpSpPr/>
-        <p:nvPr/>
-      </p:nvGrpSpPr>
-      <p:grpSpPr>
-        <a:xfrm>
-          <a:off x="0" y="0"/>
-          <a:ext cx="0" cy="0"/>
-          <a:chOff x="0" y="0"/>
-          <a:chExt cx="0" cy="0"/>
-        </a:xfrm>
-      </p:grpSpPr>
-      <p:pic>
-        <p:nvPicPr>
-          <p:cNvPr id="166" name="Google Shape;166;p23"/>
-          <p:cNvPicPr preferRelativeResize="0"/>
-          <p:nvPr/>
-        </p:nvPicPr>
-        <p:blipFill>
-          <a:blip r:embed="rId3">
-            <a:alphaModFix/>
-          </a:blip>
-          <a:stretch>
-            <a:fillRect/>
-          </a:stretch>
-        </p:blipFill>
-        <p:spPr>
-          <a:xfrm>
-            <a:off x="2148588" y="1035300"/>
-            <a:ext cx="4846824" cy="3913801"/>
-          </a:xfrm>
-          <a:prstGeom prst="rect">
-            <a:avLst/>
-          </a:prstGeom>
-          <a:noFill/>
-          <a:ln w="9525" cap="flat" cmpd="sng">
-            <a:solidFill>
-              <a:srgbClr val="000000"/>
-            </a:solidFill>
-            <a:prstDash val="solid"/>
-            <a:round/>
-            <a:headEnd type="none" w="sm" len="sm"/>
-            <a:tailEnd type="none" w="sm" len="sm"/>
-          </a:ln>
-        </p:spPr>
-      </p:pic>
-      <p:sp>
-        <p:nvSpPr>
-          <p:cNvPr id="167" name="Google Shape;167;p23"/>
-          <p:cNvSpPr txBox="1"/>
-          <p:nvPr/>
-        </p:nvSpPr>
-        <p:spPr>
-          <a:xfrm>
-            <a:off x="0" y="0"/>
-            <a:ext cx="3000000" cy="307800"/>
-          </a:xfrm>
-          <a:prstGeom prst="rect">
-            <a:avLst/>
-          </a:prstGeom>
-          <a:noFill/>
-          <a:ln>
-            <a:noFill/>
-          </a:ln>
-        </p:spPr>
-        <p:txBody>
-          <a:bodyPr spcFirstLastPara="1" wrap="square" lIns="91425" tIns="91425" rIns="91425" bIns="91425" anchor="t" anchorCtr="0">
-            <a:spAutoFit/>
-          </a:bodyPr>
-          <a:lstStyle/>
-          <a:p>
-            <a:pPr marL="0" lvl="0" indent="0" algn="l" rtl="0">
-              <a:spcBef>
-                <a:spcPts val="0"/>
-              </a:spcBef>
-              <a:spcAft>
-                <a:spcPts val="0"/>
-              </a:spcAft>
-              <a:buNone/>
-            </a:pPr>
             <a:r>
-              <a:rPr lang="ja" sz="800" b="1">
+              <a:rPr lang="ja" altLang="ja-JP" sz="1200" dirty="0">
                 <a:solidFill>
                   <a:schemeClr val="dk2"/>
                 </a:solidFill>
+                <a:latin typeface="Open Sans"/>
+                <a:ea typeface="Open Sans"/>
+                <a:cs typeface="Open Sans"/>
+                <a:sym typeface="Open Sans"/>
               </a:rPr>
-              <a:t>ワイヤーフレーム（イメージ）</a:t>
+              <a:t>全体像</a:t>
             </a:r>
-            <a:endParaRPr/>
-          </a:p>
-        </p:txBody>
-      </p:sp>
-      <p:sp>
-        <p:nvSpPr>
-          <p:cNvPr id="168" name="Google Shape;168;p23"/>
-          <p:cNvSpPr txBox="1"/>
-          <p:nvPr/>
-        </p:nvSpPr>
-        <p:spPr>
-          <a:xfrm>
-            <a:off x="293750" y="307800"/>
-            <a:ext cx="7210500" cy="727500"/>
-          </a:xfrm>
-          <a:prstGeom prst="rect">
-            <a:avLst/>
-          </a:prstGeom>
-          <a:noFill/>
-          <a:ln>
-            <a:noFill/>
-          </a:ln>
-        </p:spPr>
-        <p:txBody>
-          <a:bodyPr spcFirstLastPara="1" wrap="square" lIns="19050" tIns="19050" rIns="19050" bIns="19050" anchor="t" anchorCtr="0">
-            <a:noAutofit/>
-          </a:bodyPr>
-          <a:lstStyle/>
-          <a:p>
-            <a:pPr marL="0" marR="0" lvl="0" indent="0" algn="l" rtl="0">
-              <a:lnSpc>
-                <a:spcPct val="120000"/>
-              </a:lnSpc>
-              <a:spcBef>
-                <a:spcPts val="800"/>
-              </a:spcBef>
-              <a:spcAft>
-                <a:spcPts val="0"/>
-              </a:spcAft>
-              <a:buClr>
-                <a:srgbClr val="646979"/>
-              </a:buClr>
-              <a:buSzPts val="1000"/>
-              <a:buFont typeface="Open Sans"/>
-              <a:buNone/>
-            </a:pPr>
             <a:r>
-              <a:rPr lang="ja" sz="1200">
+              <a:rPr lang="ja" sz="1200" dirty="0">
                 <a:solidFill>
                   <a:schemeClr val="dk2"/>
                 </a:solidFill>
@@ -31040,9 +33060,21 @@
                 <a:cs typeface="Open Sans"/>
                 <a:sym typeface="Open Sans"/>
               </a:rPr>
-              <a:t>機能要件の中でラフな画面仕様としてワイヤーフレーム（レイアウトやボタンの挙動などのUI・UX定義）を作成</a:t>
+              <a:t>を明確化</a:t>
             </a:r>
-            <a:endParaRPr sz="1200">
+            <a:r>
+              <a:rPr lang="ja-JP" altLang="en-US" sz="1200" dirty="0">
+                <a:solidFill>
+                  <a:schemeClr val="dk2"/>
+                </a:solidFill>
+                <a:latin typeface="Open Sans"/>
+                <a:ea typeface="Open Sans"/>
+                <a:cs typeface="Open Sans"/>
+                <a:sym typeface="Open Sans"/>
+              </a:rPr>
+              <a:t>します</a:t>
+            </a:r>
+            <a:endParaRPr sz="1200" dirty="0">
               <a:solidFill>
                 <a:schemeClr val="dk2"/>
               </a:solidFill>
@@ -31056,91 +33088,20 @@
       </p:sp>
       <p:sp>
         <p:nvSpPr>
-          <p:cNvPr id="169" name="Google Shape;169;p23"/>
-          <p:cNvSpPr/>
-          <p:nvPr/>
-        </p:nvSpPr>
-        <p:spPr>
-          <a:xfrm rot="-900040">
-            <a:off x="888856" y="1120622"/>
-            <a:ext cx="2334348" cy="928340"/>
-          </a:xfrm>
-          <a:prstGeom prst="rect">
-            <a:avLst/>
-          </a:prstGeom>
-          <a:solidFill>
-            <a:srgbClr val="FFE599"/>
-          </a:solidFill>
-          <a:ln>
-            <a:noFill/>
-          </a:ln>
-        </p:spPr>
-        <p:txBody>
-          <a:bodyPr spcFirstLastPara="1" wrap="square" lIns="91425" tIns="91425" rIns="91425" bIns="91425" anchor="ctr" anchorCtr="0">
-            <a:noAutofit/>
-          </a:bodyPr>
-          <a:lstStyle/>
-          <a:p>
-            <a:pPr marL="0" lvl="0" indent="0" algn="ctr" rtl="0">
-              <a:spcBef>
-                <a:spcPts val="0"/>
-              </a:spcBef>
-              <a:spcAft>
-                <a:spcPts val="0"/>
-              </a:spcAft>
-              <a:buNone/>
-            </a:pPr>
-            <a:r>
-              <a:rPr lang="ja" sz="2000" b="1">
-                <a:solidFill>
-                  <a:schemeClr val="lt1"/>
-                </a:solidFill>
-              </a:rPr>
-              <a:t>サンプル</a:t>
-            </a:r>
-            <a:endParaRPr sz="2000" b="1">
-              <a:solidFill>
-                <a:schemeClr val="lt1"/>
-              </a:solidFill>
-            </a:endParaRPr>
-          </a:p>
-        </p:txBody>
-      </p:sp>
-    </p:spTree>
-  </p:cSld>
-  <p:clrMapOvr>
-    <a:masterClrMapping/>
-  </p:clrMapOvr>
-</p:sld>
-</file>
-
-<file path=ppt/slides/slide9.xml><?xml version="1.0" encoding="utf-8"?>
-<p:sld xmlns:a="http://schemas.openxmlformats.org/drawingml/2006/main" xmlns:r="http://schemas.openxmlformats.org/officeDocument/2006/relationships" xmlns:p="http://schemas.openxmlformats.org/presentationml/2006/main">
-  <p:cSld>
-    <p:spTree>
-      <p:nvGrpSpPr>
-        <p:cNvPr id="1" name="Shape 173"/>
-        <p:cNvGrpSpPr/>
-        <p:nvPr/>
-      </p:nvGrpSpPr>
-      <p:grpSpPr>
-        <a:xfrm>
-          <a:off x="0" y="0"/>
-          <a:ext cx="0" cy="0"/>
-          <a:chOff x="0" y="0"/>
-          <a:chExt cx="0" cy="0"/>
-        </a:xfrm>
-      </p:grpSpPr>
-      <p:sp>
-        <p:nvSpPr>
-          <p:cNvPr id="174" name="Google Shape;174;p24"/>
+          <p:cNvPr id="2" name="Google Shape;122;p20">
+            <a:extLst>
+              <a:ext uri="{FF2B5EF4-FFF2-40B4-BE49-F238E27FC236}">
+                <a16:creationId xmlns:a16="http://schemas.microsoft.com/office/drawing/2014/main" id="{DA9984BE-060E-40A3-C1AB-5330728D0057}"/>
+              </a:ext>
+            </a:extLst>
+          </p:cNvPr>
           <p:cNvSpPr txBox="1"/>
           <p:nvPr/>
         </p:nvSpPr>
         <p:spPr>
           <a:xfrm>
-            <a:off x="897950" y="324775"/>
-            <a:ext cx="7209300" cy="485700"/>
+            <a:off x="897962" y="324781"/>
+            <a:ext cx="7958444" cy="485700"/>
           </a:xfrm>
           <a:prstGeom prst="rect">
             <a:avLst/>
@@ -31174,7 +33135,7 @@
               <a:buNone/>
             </a:pPr>
             <a:r>
-              <a:rPr lang="ja" sz="3000">
+              <a:rPr lang="ja-JP" altLang="en-US" sz="3000" dirty="0">
                 <a:solidFill>
                   <a:srgbClr val="31333D"/>
                 </a:solidFill>
@@ -31183,406 +33144,64 @@
                 <a:cs typeface="Maven Pro Medium"/>
                 <a:sym typeface="Maven Pro Medium"/>
               </a:rPr>
-              <a:t>要件定義フェーズの体制、期間、成果物</a:t>
+              <a:t>要件定義書のイメージ</a:t>
             </a:r>
-            <a:endParaRPr sz="500"/>
+            <a:r>
+              <a:rPr lang="en-US" altLang="ja-JP" sz="3000" dirty="0">
+                <a:solidFill>
+                  <a:srgbClr val="31333D"/>
+                </a:solidFill>
+                <a:latin typeface="Maven Pro Medium"/>
+                <a:ea typeface="Maven Pro Medium"/>
+                <a:cs typeface="Maven Pro Medium"/>
+                <a:sym typeface="Maven Pro Medium"/>
+              </a:rPr>
+              <a:t>(1/3)</a:t>
+            </a:r>
+            <a:r>
+              <a:rPr lang="ja-JP" altLang="en-US" sz="3000" dirty="0">
+                <a:solidFill>
+                  <a:srgbClr val="31333D"/>
+                </a:solidFill>
+                <a:latin typeface="Maven Pro Medium"/>
+                <a:ea typeface="Maven Pro Medium"/>
+                <a:cs typeface="Maven Pro Medium"/>
+                <a:sym typeface="Maven Pro Medium"/>
+              </a:rPr>
+              <a:t>　システム全体像</a:t>
+            </a:r>
+          </a:p>
+          <a:p>
+            <a:pPr marL="0" marR="0" lvl="0" indent="0" algn="l" rtl="0">
+              <a:lnSpc>
+                <a:spcPct val="100000"/>
+              </a:lnSpc>
+              <a:spcBef>
+                <a:spcPts val="0"/>
+              </a:spcBef>
+              <a:spcAft>
+                <a:spcPts val="0"/>
+              </a:spcAft>
+              <a:buClr>
+                <a:srgbClr val="31333D"/>
+              </a:buClr>
+              <a:buSzPts val="3000"/>
+              <a:buFont typeface="Maven Pro Medium"/>
+              <a:buNone/>
+            </a:pPr>
+            <a:endParaRPr lang="ja-JP" altLang="en-US" sz="500" dirty="0"/>
           </a:p>
         </p:txBody>
       </p:sp>
       <p:sp>
         <p:nvSpPr>
-          <p:cNvPr id="175" name="Google Shape;175;p24"/>
-          <p:cNvSpPr txBox="1"/>
-          <p:nvPr/>
-        </p:nvSpPr>
-        <p:spPr>
-          <a:xfrm>
-            <a:off x="919268" y="1419225"/>
-            <a:ext cx="3175500" cy="2714512"/>
-          </a:xfrm>
-          <a:prstGeom prst="rect">
-            <a:avLst/>
-          </a:prstGeom>
-          <a:noFill/>
-          <a:ln>
-            <a:noFill/>
-          </a:ln>
-        </p:spPr>
-        <p:txBody>
-          <a:bodyPr spcFirstLastPara="1" wrap="square" lIns="19050" tIns="19050" rIns="19050" bIns="19050" anchor="t" anchorCtr="0">
-            <a:noAutofit/>
-          </a:bodyPr>
-          <a:lstStyle/>
-          <a:p>
-            <a:pPr marL="0" marR="0" lvl="0" indent="0" algn="l" rtl="0">
-              <a:lnSpc>
-                <a:spcPct val="120000"/>
-              </a:lnSpc>
-              <a:spcBef>
-                <a:spcPts val="800"/>
-              </a:spcBef>
-              <a:spcAft>
-                <a:spcPts val="0"/>
-              </a:spcAft>
-              <a:buNone/>
-            </a:pPr>
-            <a:r>
-              <a:rPr lang="ja" sz="1200" dirty="0">
-                <a:solidFill>
-                  <a:schemeClr val="dk2"/>
-                </a:solidFill>
-                <a:latin typeface="Open Sans"/>
-                <a:ea typeface="Open Sans"/>
-                <a:cs typeface="Open Sans"/>
-                <a:sym typeface="Open Sans"/>
-              </a:rPr>
-              <a:t>体制</a:t>
-            </a:r>
-            <a:endParaRPr sz="1200" dirty="0">
-              <a:solidFill>
-                <a:schemeClr val="dk2"/>
-              </a:solidFill>
-              <a:latin typeface="Open Sans"/>
-              <a:ea typeface="Open Sans"/>
-              <a:cs typeface="Open Sans"/>
-              <a:sym typeface="Open Sans"/>
-            </a:endParaRPr>
-          </a:p>
-          <a:p>
-            <a:pPr marL="457200" marR="0" lvl="0" indent="-304800" algn="l" rtl="0">
-              <a:lnSpc>
-                <a:spcPct val="120000"/>
-              </a:lnSpc>
-              <a:spcBef>
-                <a:spcPts val="800"/>
-              </a:spcBef>
-              <a:spcAft>
-                <a:spcPts val="0"/>
-              </a:spcAft>
-              <a:buClr>
-                <a:schemeClr val="dk2"/>
-              </a:buClr>
-              <a:buSzPts val="1200"/>
-              <a:buFont typeface="Open Sans"/>
-              <a:buChar char="●"/>
-            </a:pPr>
-            <a:r>
-              <a:rPr lang="ja-JP" altLang="en-US" sz="1200" dirty="0">
-                <a:solidFill>
-                  <a:schemeClr val="dk2"/>
-                </a:solidFill>
-                <a:latin typeface="Open Sans"/>
-                <a:ea typeface="Open Sans"/>
-                <a:cs typeface="Open Sans"/>
-                <a:sym typeface="Open Sans"/>
-              </a:rPr>
-              <a:t>プロジェクト責任者</a:t>
-            </a:r>
-            <a:r>
-              <a:rPr lang="ja" sz="1200" dirty="0">
-                <a:solidFill>
-                  <a:schemeClr val="dk2"/>
-                </a:solidFill>
-                <a:latin typeface="Open Sans"/>
-                <a:ea typeface="Open Sans"/>
-                <a:cs typeface="Open Sans"/>
-                <a:sym typeface="Open Sans"/>
-              </a:rPr>
-              <a:t> </a:t>
-            </a:r>
-            <a:r>
-              <a:rPr lang="ja-JP" altLang="en-US" sz="1200" dirty="0">
-                <a:solidFill>
-                  <a:schemeClr val="dk2"/>
-                </a:solidFill>
-                <a:latin typeface="Open Sans"/>
-                <a:ea typeface="Open Sans"/>
-                <a:cs typeface="Open Sans"/>
-                <a:sym typeface="Open Sans"/>
-              </a:rPr>
-              <a:t>安藤様</a:t>
-            </a:r>
-            <a:endParaRPr sz="1200" dirty="0">
-              <a:solidFill>
-                <a:schemeClr val="dk2"/>
-              </a:solidFill>
-              <a:latin typeface="Open Sans"/>
-              <a:ea typeface="Open Sans"/>
-              <a:cs typeface="Open Sans"/>
-              <a:sym typeface="Open Sans"/>
-            </a:endParaRPr>
-          </a:p>
-          <a:p>
-            <a:pPr marL="457200" marR="0" lvl="0" indent="-304800" algn="l" rtl="0">
-              <a:lnSpc>
-                <a:spcPct val="120000"/>
-              </a:lnSpc>
-              <a:spcBef>
-                <a:spcPts val="0"/>
-              </a:spcBef>
-              <a:spcAft>
-                <a:spcPts val="0"/>
-              </a:spcAft>
-              <a:buClr>
-                <a:schemeClr val="dk2"/>
-              </a:buClr>
-              <a:buSzPts val="1200"/>
-              <a:buFont typeface="Open Sans"/>
-              <a:buChar char="●"/>
-            </a:pPr>
-            <a:r>
-              <a:rPr lang="ja" sz="1200" dirty="0">
-                <a:solidFill>
-                  <a:schemeClr val="dk2"/>
-                </a:solidFill>
-                <a:latin typeface="Open Sans"/>
-                <a:ea typeface="Open Sans"/>
-                <a:cs typeface="Open Sans"/>
-                <a:sym typeface="Open Sans"/>
-              </a:rPr>
-              <a:t>PM</a:t>
-            </a:r>
-            <a:r>
-              <a:rPr lang="en-US" altLang="ja" sz="1200" dirty="0">
-                <a:solidFill>
-                  <a:schemeClr val="dk2"/>
-                </a:solidFill>
-                <a:latin typeface="Open Sans"/>
-                <a:ea typeface="Open Sans"/>
-                <a:cs typeface="Open Sans"/>
-                <a:sym typeface="Open Sans"/>
-              </a:rPr>
-              <a:t> </a:t>
-            </a:r>
-            <a:r>
-              <a:rPr lang="ja-JP" altLang="en-US" sz="1200" dirty="0">
-                <a:solidFill>
-                  <a:schemeClr val="dk2"/>
-                </a:solidFill>
-                <a:latin typeface="Open Sans"/>
-                <a:ea typeface="Open Sans"/>
-                <a:cs typeface="Open Sans"/>
-                <a:sym typeface="Open Sans"/>
-              </a:rPr>
-              <a:t>石積</a:t>
-            </a:r>
-            <a:endParaRPr sz="1200" dirty="0">
-              <a:solidFill>
-                <a:schemeClr val="dk2"/>
-              </a:solidFill>
-              <a:latin typeface="Open Sans"/>
-              <a:ea typeface="Open Sans"/>
-              <a:cs typeface="Open Sans"/>
-              <a:sym typeface="Open Sans"/>
-            </a:endParaRPr>
-          </a:p>
-          <a:p>
-            <a:pPr marL="0" marR="0" lvl="0" indent="0" algn="l" rtl="0">
-              <a:lnSpc>
-                <a:spcPct val="120000"/>
-              </a:lnSpc>
-              <a:spcBef>
-                <a:spcPts val="800"/>
-              </a:spcBef>
-              <a:spcAft>
-                <a:spcPts val="0"/>
-              </a:spcAft>
-              <a:buNone/>
-            </a:pPr>
-            <a:r>
-              <a:rPr lang="ja" sz="1200" dirty="0">
-                <a:solidFill>
-                  <a:schemeClr val="dk2"/>
-                </a:solidFill>
-                <a:latin typeface="Open Sans"/>
-                <a:ea typeface="Open Sans"/>
-                <a:cs typeface="Open Sans"/>
-                <a:sym typeface="Open Sans"/>
-              </a:rPr>
-              <a:t>期間</a:t>
-            </a:r>
-            <a:endParaRPr sz="1200" dirty="0">
-              <a:solidFill>
-                <a:schemeClr val="dk2"/>
-              </a:solidFill>
-              <a:latin typeface="Open Sans"/>
-              <a:ea typeface="Open Sans"/>
-              <a:cs typeface="Open Sans"/>
-              <a:sym typeface="Open Sans"/>
-            </a:endParaRPr>
-          </a:p>
-          <a:p>
-            <a:pPr marL="457200" marR="0" lvl="0" indent="-304800" algn="l" rtl="0">
-              <a:lnSpc>
-                <a:spcPct val="120000"/>
-              </a:lnSpc>
-              <a:spcBef>
-                <a:spcPts val="800"/>
-              </a:spcBef>
-              <a:spcAft>
-                <a:spcPts val="0"/>
-              </a:spcAft>
-              <a:buClr>
-                <a:schemeClr val="dk2"/>
-              </a:buClr>
-              <a:buSzPts val="1200"/>
-              <a:buFont typeface="Open Sans"/>
-              <a:buChar char="●"/>
-            </a:pPr>
-            <a:r>
-              <a:rPr lang="en-US" altLang="ja" sz="1200" dirty="0">
-                <a:solidFill>
-                  <a:schemeClr val="dk2"/>
-                </a:solidFill>
-                <a:latin typeface="Open Sans"/>
-                <a:ea typeface="Open Sans"/>
-                <a:cs typeface="Open Sans"/>
-                <a:sym typeface="Open Sans"/>
-              </a:rPr>
-              <a:t>2</a:t>
-            </a:r>
-            <a:r>
-              <a:rPr lang="ja" sz="1200" dirty="0">
-                <a:solidFill>
-                  <a:schemeClr val="dk2"/>
-                </a:solidFill>
-                <a:latin typeface="Open Sans"/>
-                <a:ea typeface="Open Sans"/>
-                <a:cs typeface="Open Sans"/>
-                <a:sym typeface="Open Sans"/>
-              </a:rPr>
-              <a:t>ヶ月</a:t>
-            </a:r>
-            <a:endParaRPr sz="1200" dirty="0">
-              <a:solidFill>
-                <a:schemeClr val="dk2"/>
-              </a:solidFill>
-              <a:latin typeface="Open Sans"/>
-              <a:ea typeface="Open Sans"/>
-              <a:cs typeface="Open Sans"/>
-              <a:sym typeface="Open Sans"/>
-            </a:endParaRPr>
-          </a:p>
-          <a:p>
-            <a:pPr marL="0" marR="0" lvl="0" indent="0" algn="l" rtl="0">
-              <a:lnSpc>
-                <a:spcPct val="120000"/>
-              </a:lnSpc>
-              <a:spcBef>
-                <a:spcPts val="800"/>
-              </a:spcBef>
-              <a:spcAft>
-                <a:spcPts val="0"/>
-              </a:spcAft>
-              <a:buNone/>
-            </a:pPr>
-            <a:r>
-              <a:rPr lang="ja" sz="1200" dirty="0">
-                <a:solidFill>
-                  <a:schemeClr val="dk2"/>
-                </a:solidFill>
-                <a:latin typeface="Open Sans"/>
-                <a:ea typeface="Open Sans"/>
-                <a:cs typeface="Open Sans"/>
-                <a:sym typeface="Open Sans"/>
-              </a:rPr>
-              <a:t>成果物</a:t>
-            </a:r>
-            <a:endParaRPr sz="1200" dirty="0">
-              <a:solidFill>
-                <a:schemeClr val="dk2"/>
-              </a:solidFill>
-              <a:latin typeface="Open Sans"/>
-              <a:ea typeface="Open Sans"/>
-              <a:cs typeface="Open Sans"/>
-              <a:sym typeface="Open Sans"/>
-            </a:endParaRPr>
-          </a:p>
-          <a:p>
-            <a:pPr marL="457200" marR="0" lvl="0" indent="-304800" algn="l" rtl="0">
-              <a:lnSpc>
-                <a:spcPct val="120000"/>
-              </a:lnSpc>
-              <a:spcBef>
-                <a:spcPts val="800"/>
-              </a:spcBef>
-              <a:spcAft>
-                <a:spcPts val="0"/>
-              </a:spcAft>
-              <a:buClr>
-                <a:schemeClr val="dk2"/>
-              </a:buClr>
-              <a:buSzPts val="1200"/>
-              <a:buFont typeface="Open Sans"/>
-              <a:buChar char="●"/>
-            </a:pPr>
-            <a:r>
-              <a:rPr lang="ja" sz="1200" dirty="0">
-                <a:solidFill>
-                  <a:schemeClr val="dk2"/>
-                </a:solidFill>
-                <a:latin typeface="Open Sans"/>
-                <a:ea typeface="Open Sans"/>
-                <a:cs typeface="Open Sans"/>
-                <a:sym typeface="Open Sans"/>
-              </a:rPr>
-              <a:t>要件定義書</a:t>
-            </a:r>
-            <a:endParaRPr lang="en-US" altLang="ja" sz="1200" dirty="0">
-              <a:solidFill>
-                <a:schemeClr val="dk2"/>
-              </a:solidFill>
-              <a:latin typeface="Open Sans"/>
-              <a:ea typeface="Open Sans"/>
-              <a:cs typeface="Open Sans"/>
-              <a:sym typeface="Open Sans"/>
-            </a:endParaRPr>
-          </a:p>
-          <a:p>
-            <a:pPr marL="457200" marR="0" lvl="0" indent="-304800" algn="l" rtl="0">
-              <a:lnSpc>
-                <a:spcPct val="120000"/>
-              </a:lnSpc>
-              <a:spcBef>
-                <a:spcPts val="800"/>
-              </a:spcBef>
-              <a:spcAft>
-                <a:spcPts val="0"/>
-              </a:spcAft>
-              <a:buClr>
-                <a:schemeClr val="dk2"/>
-              </a:buClr>
-              <a:buSzPts val="1200"/>
-              <a:buFont typeface="Open Sans"/>
-              <a:buChar char="●"/>
-            </a:pPr>
-            <a:r>
-              <a:rPr lang="ja-JP" altLang="en-US" sz="1200" dirty="0">
-                <a:solidFill>
-                  <a:schemeClr val="dk2"/>
-                </a:solidFill>
-                <a:latin typeface="Open Sans"/>
-                <a:ea typeface="Open Sans"/>
-                <a:cs typeface="Open Sans"/>
-                <a:sym typeface="Open Sans"/>
-              </a:rPr>
-              <a:t>開発見積書</a:t>
-            </a:r>
-            <a:endParaRPr lang="en-US" altLang="ja-JP" sz="1200" dirty="0">
-              <a:solidFill>
-                <a:schemeClr val="dk2"/>
-              </a:solidFill>
-              <a:latin typeface="Open Sans"/>
-              <a:ea typeface="Open Sans"/>
-              <a:cs typeface="Open Sans"/>
-              <a:sym typeface="Open Sans"/>
-            </a:endParaRPr>
-          </a:p>
-        </p:txBody>
-      </p:sp>
-      <p:sp>
-        <p:nvSpPr>
-          <p:cNvPr id="176" name="Google Shape;176;p24"/>
+          <p:cNvPr id="3" name="Google Shape;123;p20">
+            <a:extLst>
+              <a:ext uri="{FF2B5EF4-FFF2-40B4-BE49-F238E27FC236}">
+                <a16:creationId xmlns:a16="http://schemas.microsoft.com/office/drawing/2014/main" id="{8A163F4A-BD80-40EB-68E3-15DF4AB4B510}"/>
+              </a:ext>
+            </a:extLst>
+          </p:cNvPr>
           <p:cNvSpPr/>
           <p:nvPr/>
         </p:nvSpPr>
@@ -31735,601 +33354,466 @@
           </a:p>
         </p:txBody>
       </p:sp>
-      <p:graphicFrame>
-        <p:nvGraphicFramePr>
-          <p:cNvPr id="177" name="Google Shape;177;p24"/>
-          <p:cNvGraphicFramePr/>
-          <p:nvPr>
-            <p:extLst>
-              <p:ext uri="{D42A27DB-BD31-4B8C-83A1-F6EECF244321}">
-                <p14:modId xmlns:p14="http://schemas.microsoft.com/office/powerpoint/2010/main" val="2602650020"/>
-              </p:ext>
-            </p:extLst>
-          </p:nvPr>
-        </p:nvGraphicFramePr>
-        <p:xfrm>
-          <a:off x="4153425" y="1851800"/>
-          <a:ext cx="4736850" cy="2213333"/>
-        </p:xfrm>
-        <a:graphic>
-          <a:graphicData uri="http://schemas.openxmlformats.org/drawingml/2006/table">
-            <a:tbl>
-              <a:tblPr>
-                <a:noFill/>
-                <a:tableStyleId>{6CEEA473-470A-4611-B8A1-E84EFB49ADAA}</a:tableStyleId>
-              </a:tblPr>
-              <a:tblGrid>
-                <a:gridCol w="830925">
-                  <a:extLst>
-                    <a:ext uri="{9D8B030D-6E8A-4147-A177-3AD203B41FA5}">
-                      <a16:colId xmlns:a16="http://schemas.microsoft.com/office/drawing/2014/main" val="20000"/>
-                    </a:ext>
-                  </a:extLst>
-                </a:gridCol>
-                <a:gridCol w="2326975">
-                  <a:extLst>
-                    <a:ext uri="{9D8B030D-6E8A-4147-A177-3AD203B41FA5}">
-                      <a16:colId xmlns:a16="http://schemas.microsoft.com/office/drawing/2014/main" val="20001"/>
-                    </a:ext>
-                  </a:extLst>
-                </a:gridCol>
-                <a:gridCol w="1578950">
-                  <a:extLst>
-                    <a:ext uri="{9D8B030D-6E8A-4147-A177-3AD203B41FA5}">
-                      <a16:colId xmlns:a16="http://schemas.microsoft.com/office/drawing/2014/main" val="20002"/>
-                    </a:ext>
-                  </a:extLst>
-                </a:gridCol>
-              </a:tblGrid>
-              <a:tr h="227050">
-                <a:tc rowSpan="4">
-                  <a:txBody>
-                    <a:bodyPr/>
-                    <a:lstStyle/>
-                    <a:p>
-                      <a:pPr marL="0" lvl="0" indent="0" algn="l" rtl="0">
-                        <a:lnSpc>
-                          <a:spcPct val="120000"/>
-                        </a:lnSpc>
-                        <a:spcBef>
-                          <a:spcPts val="800"/>
-                        </a:spcBef>
-                        <a:spcAft>
-                          <a:spcPts val="0"/>
-                        </a:spcAft>
-                        <a:buNone/>
-                      </a:pPr>
-                      <a:r>
-                        <a:rPr lang="ja" sz="1000" dirty="0">
-                          <a:solidFill>
-                            <a:schemeClr val="dk2"/>
-                          </a:solidFill>
-                          <a:latin typeface="Open Sans"/>
-                          <a:ea typeface="Open Sans"/>
-                          <a:cs typeface="Open Sans"/>
-                          <a:sym typeface="Open Sans"/>
-                        </a:rPr>
-                        <a:t>要件定義書</a:t>
-                      </a:r>
-                      <a:endParaRPr sz="1000" dirty="0">
-                        <a:solidFill>
-                          <a:schemeClr val="dk2"/>
-                        </a:solidFill>
-                        <a:latin typeface="Open Sans"/>
-                        <a:ea typeface="Open Sans"/>
-                        <a:cs typeface="Open Sans"/>
-                        <a:sym typeface="Open Sans"/>
-                      </a:endParaRPr>
-                    </a:p>
-                  </a:txBody>
-                  <a:tcPr marL="91425" marR="91425" marT="91425" marB="91425"/>
-                </a:tc>
-                <a:tc>
-                  <a:txBody>
-                    <a:bodyPr/>
-                    <a:lstStyle/>
-                    <a:p>
-                      <a:pPr marL="0" lvl="0" indent="0" algn="l" rtl="0">
-                        <a:lnSpc>
-                          <a:spcPct val="120000"/>
-                        </a:lnSpc>
-                        <a:spcBef>
-                          <a:spcPts val="800"/>
-                        </a:spcBef>
-                        <a:spcAft>
-                          <a:spcPts val="0"/>
-                        </a:spcAft>
-                        <a:buNone/>
-                      </a:pPr>
-                      <a:r>
-                        <a:rPr lang="ja" sz="1000">
-                          <a:solidFill>
-                            <a:schemeClr val="dk2"/>
-                          </a:solidFill>
-                          <a:latin typeface="Open Sans"/>
-                          <a:ea typeface="Open Sans"/>
-                          <a:cs typeface="Open Sans"/>
-                          <a:sym typeface="Open Sans"/>
-                        </a:rPr>
-                        <a:t>業務要件</a:t>
-                      </a:r>
-                      <a:endParaRPr sz="1000"/>
-                    </a:p>
-                  </a:txBody>
-                  <a:tcPr marL="91425" marR="91425" marT="91425" marB="91425"/>
-                </a:tc>
-                <a:tc>
-                  <a:txBody>
-                    <a:bodyPr/>
-                    <a:lstStyle/>
-                    <a:p>
-                      <a:pPr marL="0" lvl="0" indent="0" algn="l" rtl="0">
-                        <a:spcBef>
-                          <a:spcPts val="0"/>
-                        </a:spcBef>
-                        <a:spcAft>
-                          <a:spcPts val="0"/>
-                        </a:spcAft>
-                        <a:buNone/>
-                      </a:pPr>
-                      <a:r>
-                        <a:rPr lang="en-US" altLang="ja" sz="1000" dirty="0"/>
-                        <a:t>2</a:t>
-                      </a:r>
-                      <a:r>
-                        <a:rPr lang="ja" sz="1000" dirty="0"/>
-                        <a:t>w</a:t>
-                      </a:r>
-                      <a:endParaRPr sz="1000" dirty="0"/>
-                    </a:p>
-                  </a:txBody>
-                  <a:tcPr marL="91425" marR="91425" marT="91425" marB="91425"/>
-                </a:tc>
-                <a:extLst>
-                  <a:ext uri="{0D108BD9-81ED-4DB2-BD59-A6C34878D82A}">
-                    <a16:rowId xmlns:a16="http://schemas.microsoft.com/office/drawing/2014/main" val="10000"/>
-                  </a:ext>
-                </a:extLst>
-              </a:tr>
-              <a:tr h="227050">
-                <a:tc vMerge="1">
-                  <a:txBody>
-                    <a:bodyPr/>
-                    <a:lstStyle/>
-                    <a:p>
-                      <a:pPr marL="0" lvl="0" indent="0" algn="l" rtl="0">
-                        <a:lnSpc>
-                          <a:spcPct val="120000"/>
-                        </a:lnSpc>
-                        <a:spcBef>
-                          <a:spcPts val="800"/>
-                        </a:spcBef>
-                        <a:spcAft>
-                          <a:spcPts val="0"/>
-                        </a:spcAft>
-                        <a:buNone/>
-                      </a:pPr>
-                      <a:endParaRPr sz="1000" dirty="0">
-                        <a:solidFill>
-                          <a:schemeClr val="dk2"/>
-                        </a:solidFill>
-                        <a:latin typeface="Open Sans"/>
-                        <a:ea typeface="Open Sans"/>
-                        <a:cs typeface="Open Sans"/>
-                        <a:sym typeface="Open Sans"/>
-                      </a:endParaRPr>
-                    </a:p>
-                  </a:txBody>
-                  <a:tcPr marL="91425" marR="91425" marT="91425" marB="91425"/>
-                </a:tc>
-                <a:tc>
-                  <a:txBody>
-                    <a:bodyPr/>
-                    <a:lstStyle/>
-                    <a:p>
-                      <a:pPr marL="0" lvl="0" indent="0" algn="l" rtl="0">
-                        <a:lnSpc>
-                          <a:spcPct val="120000"/>
-                        </a:lnSpc>
-                        <a:spcBef>
-                          <a:spcPts val="800"/>
-                        </a:spcBef>
-                        <a:spcAft>
-                          <a:spcPts val="0"/>
-                        </a:spcAft>
-                        <a:buNone/>
-                      </a:pPr>
-                      <a:r>
-                        <a:rPr lang="ja" sz="1000" dirty="0">
-                          <a:solidFill>
-                            <a:schemeClr val="dk2"/>
-                          </a:solidFill>
-                          <a:latin typeface="Open Sans"/>
-                          <a:ea typeface="Open Sans"/>
-                          <a:cs typeface="Open Sans"/>
-                          <a:sym typeface="Open Sans"/>
-                        </a:rPr>
-                        <a:t>機能要件</a:t>
-                      </a:r>
-                      <a:endParaRPr sz="1000" dirty="0"/>
-                    </a:p>
-                  </a:txBody>
-                  <a:tcPr marL="91425" marR="91425" marT="91425" marB="91425"/>
-                </a:tc>
-                <a:tc>
-                  <a:txBody>
-                    <a:bodyPr/>
-                    <a:lstStyle/>
-                    <a:p>
-                      <a:pPr marL="0" lvl="0" indent="0" algn="l" rtl="0">
-                        <a:spcBef>
-                          <a:spcPts val="0"/>
-                        </a:spcBef>
-                        <a:spcAft>
-                          <a:spcPts val="0"/>
-                        </a:spcAft>
-                        <a:buNone/>
-                      </a:pPr>
-                      <a:r>
-                        <a:rPr lang="en-US" altLang="ja" sz="1000" dirty="0"/>
-                        <a:t>2</a:t>
-                      </a:r>
-                      <a:r>
-                        <a:rPr lang="ja" sz="1000" dirty="0"/>
-                        <a:t>w</a:t>
-                      </a:r>
-                      <a:endParaRPr sz="1000" dirty="0"/>
-                    </a:p>
-                  </a:txBody>
-                  <a:tcPr marL="91425" marR="91425" marT="91425" marB="91425"/>
-                </a:tc>
-                <a:extLst>
-                  <a:ext uri="{0D108BD9-81ED-4DB2-BD59-A6C34878D82A}">
-                    <a16:rowId xmlns:a16="http://schemas.microsoft.com/office/drawing/2014/main" val="10001"/>
-                  </a:ext>
-                </a:extLst>
-              </a:tr>
-              <a:tr h="227050">
-                <a:tc vMerge="1">
-                  <a:txBody>
-                    <a:bodyPr/>
-                    <a:lstStyle/>
-                    <a:p>
-                      <a:pPr marL="0" lvl="0" indent="0" algn="l" rtl="0">
-                        <a:lnSpc>
-                          <a:spcPct val="120000"/>
-                        </a:lnSpc>
-                        <a:spcBef>
-                          <a:spcPts val="800"/>
-                        </a:spcBef>
-                        <a:spcAft>
-                          <a:spcPts val="0"/>
-                        </a:spcAft>
-                        <a:buNone/>
-                      </a:pPr>
-                      <a:endParaRPr sz="1000" dirty="0">
-                        <a:solidFill>
-                          <a:schemeClr val="dk2"/>
-                        </a:solidFill>
-                        <a:latin typeface="Open Sans"/>
-                        <a:ea typeface="Open Sans"/>
-                        <a:cs typeface="Open Sans"/>
-                        <a:sym typeface="Open Sans"/>
-                      </a:endParaRPr>
-                    </a:p>
-                  </a:txBody>
-                  <a:tcPr marL="91425" marR="91425" marT="91425" marB="91425"/>
-                </a:tc>
-                <a:tc>
-                  <a:txBody>
-                    <a:bodyPr/>
-                    <a:lstStyle/>
-                    <a:p>
-                      <a:pPr marL="0" marR="0" lvl="0" indent="0" algn="l" defTabSz="914400" rtl="0" eaLnBrk="1" fontAlgn="auto" latinLnBrk="0" hangingPunct="1">
-                        <a:lnSpc>
-                          <a:spcPct val="120000"/>
-                        </a:lnSpc>
-                        <a:spcBef>
-                          <a:spcPts val="800"/>
-                        </a:spcBef>
-                        <a:spcAft>
-                          <a:spcPts val="0"/>
-                        </a:spcAft>
-                        <a:buClr>
-                          <a:srgbClr val="000000"/>
-                        </a:buClr>
-                        <a:buSzTx/>
-                        <a:buFont typeface="Arial"/>
-                        <a:buNone/>
-                        <a:tabLst/>
-                        <a:defRPr/>
-                      </a:pPr>
-                      <a:r>
-                        <a:rPr lang="ja" sz="1000" dirty="0">
-                          <a:solidFill>
-                            <a:schemeClr val="dk2"/>
-                          </a:solidFill>
-                          <a:latin typeface="Open Sans"/>
-                          <a:ea typeface="Open Sans"/>
-                          <a:cs typeface="Open Sans"/>
-                          <a:sym typeface="Open Sans"/>
-                        </a:rPr>
-                        <a:t>非機能要件</a:t>
-                      </a:r>
-                      <a:r>
-                        <a:rPr lang="en-US" altLang="ja" sz="1000" dirty="0">
-                          <a:solidFill>
-                            <a:schemeClr val="dk2"/>
-                          </a:solidFill>
-                          <a:latin typeface="Open Sans"/>
-                          <a:ea typeface="Open Sans"/>
-                          <a:cs typeface="Open Sans"/>
-                          <a:sym typeface="Open Sans"/>
-                        </a:rPr>
-                        <a:t>&amp;</a:t>
-                      </a:r>
-                      <a:r>
-                        <a:rPr lang="ja-JP" altLang="en-US" sz="1000" dirty="0">
-                          <a:solidFill>
-                            <a:schemeClr val="dk2"/>
-                          </a:solidFill>
-                          <a:latin typeface="Open Sans"/>
-                          <a:ea typeface="Open Sans"/>
-                          <a:cs typeface="Open Sans"/>
-                          <a:sym typeface="Open Sans"/>
-                        </a:rPr>
-                        <a:t>開発要件</a:t>
-                      </a:r>
-                    </a:p>
-                    <a:p>
-                      <a:pPr marL="0" lvl="0" indent="0" algn="l" rtl="0">
-                        <a:lnSpc>
-                          <a:spcPct val="120000"/>
-                        </a:lnSpc>
-                        <a:spcBef>
-                          <a:spcPts val="800"/>
-                        </a:spcBef>
-                        <a:spcAft>
-                          <a:spcPts val="0"/>
-                        </a:spcAft>
-                        <a:buNone/>
-                      </a:pPr>
-                      <a:endParaRPr sz="1000" dirty="0">
-                        <a:solidFill>
-                          <a:schemeClr val="dk2"/>
-                        </a:solidFill>
-                        <a:latin typeface="Open Sans"/>
-                        <a:ea typeface="Open Sans"/>
-                        <a:cs typeface="Open Sans"/>
-                        <a:sym typeface="Open Sans"/>
-                      </a:endParaRPr>
-                    </a:p>
-                  </a:txBody>
-                  <a:tcPr marL="91425" marR="91425" marT="91425" marB="91425"/>
-                </a:tc>
-                <a:tc>
-                  <a:txBody>
-                    <a:bodyPr/>
-                    <a:lstStyle/>
-                    <a:p>
-                      <a:pPr marL="0" lvl="0" indent="0" algn="l" rtl="0">
-                        <a:spcBef>
-                          <a:spcPts val="0"/>
-                        </a:spcBef>
-                        <a:spcAft>
-                          <a:spcPts val="0"/>
-                        </a:spcAft>
-                        <a:buNone/>
-                      </a:pPr>
-                      <a:r>
-                        <a:rPr lang="en-US" altLang="ja" sz="1000" dirty="0"/>
-                        <a:t>2</a:t>
-                      </a:r>
-                      <a:r>
-                        <a:rPr lang="ja" sz="1000" dirty="0"/>
-                        <a:t>w</a:t>
-                      </a:r>
-                      <a:endParaRPr sz="1000" dirty="0"/>
-                    </a:p>
-                  </a:txBody>
-                  <a:tcPr marL="91425" marR="91425" marT="91425" marB="91425"/>
-                </a:tc>
-                <a:extLst>
-                  <a:ext uri="{0D108BD9-81ED-4DB2-BD59-A6C34878D82A}">
-                    <a16:rowId xmlns:a16="http://schemas.microsoft.com/office/drawing/2014/main" val="10002"/>
-                  </a:ext>
-                </a:extLst>
-              </a:tr>
-              <a:tr h="227050">
-                <a:tc vMerge="1">
-                  <a:txBody>
-                    <a:bodyPr/>
-                    <a:lstStyle/>
-                    <a:p>
-                      <a:pPr marL="0" lvl="0" indent="0" algn="l" rtl="0">
-                        <a:lnSpc>
-                          <a:spcPct val="120000"/>
-                        </a:lnSpc>
-                        <a:spcBef>
-                          <a:spcPts val="800"/>
-                        </a:spcBef>
-                        <a:spcAft>
-                          <a:spcPts val="0"/>
-                        </a:spcAft>
-                        <a:buNone/>
-                      </a:pPr>
-                      <a:endParaRPr sz="1000" dirty="0">
-                        <a:solidFill>
-                          <a:schemeClr val="dk2"/>
-                        </a:solidFill>
-                        <a:latin typeface="Open Sans"/>
-                        <a:ea typeface="Open Sans"/>
-                        <a:cs typeface="Open Sans"/>
-                        <a:sym typeface="Open Sans"/>
-                      </a:endParaRPr>
-                    </a:p>
-                  </a:txBody>
-                  <a:tcPr marL="91425" marR="91425" marT="91425" marB="91425"/>
-                </a:tc>
-                <a:tc>
-                  <a:txBody>
-                    <a:bodyPr/>
-                    <a:lstStyle/>
-                    <a:p>
-                      <a:pPr marL="0" lvl="0" indent="0" algn="l" rtl="0">
-                        <a:lnSpc>
-                          <a:spcPct val="120000"/>
-                        </a:lnSpc>
-                        <a:spcBef>
-                          <a:spcPts val="800"/>
-                        </a:spcBef>
-                        <a:spcAft>
-                          <a:spcPts val="0"/>
-                        </a:spcAft>
-                        <a:buNone/>
-                      </a:pPr>
-                      <a:r>
-                        <a:rPr lang="ja-JP" altLang="en-US" sz="1000" dirty="0">
-                          <a:solidFill>
-                            <a:schemeClr val="dk2"/>
-                          </a:solidFill>
-                          <a:latin typeface="Open Sans"/>
-                          <a:ea typeface="Open Sans"/>
-                          <a:cs typeface="Open Sans"/>
-                          <a:sym typeface="Open Sans"/>
-                        </a:rPr>
-                        <a:t>定例のお打ち合わせで確認と修正を繰り返す</a:t>
-                      </a:r>
-                    </a:p>
-                  </a:txBody>
-                  <a:tcPr marL="91425" marR="91425" marT="91425" marB="91425"/>
-                </a:tc>
-                <a:tc>
-                  <a:txBody>
-                    <a:bodyPr/>
-                    <a:lstStyle/>
-                    <a:p>
-                      <a:pPr marL="0" lvl="0" indent="0" algn="l" rtl="0">
-                        <a:spcBef>
-                          <a:spcPts val="0"/>
-                        </a:spcBef>
-                        <a:spcAft>
-                          <a:spcPts val="0"/>
-                        </a:spcAft>
-                        <a:buNone/>
-                      </a:pPr>
-                      <a:endParaRPr lang="ja-JP" altLang="en-US" sz="1000" dirty="0"/>
-                    </a:p>
-                  </a:txBody>
-                  <a:tcPr marL="91425" marR="91425" marT="91425" marB="91425"/>
-                </a:tc>
-                <a:extLst>
-                  <a:ext uri="{0D108BD9-81ED-4DB2-BD59-A6C34878D82A}">
-                    <a16:rowId xmlns:a16="http://schemas.microsoft.com/office/drawing/2014/main" val="10004"/>
-                  </a:ext>
-                </a:extLst>
-              </a:tr>
-              <a:tr h="227050">
-                <a:tc>
-                  <a:txBody>
-                    <a:bodyPr/>
-                    <a:lstStyle/>
-                    <a:p>
-                      <a:pPr marL="0" lvl="0" indent="0" algn="l" rtl="0">
-                        <a:spcBef>
-                          <a:spcPts val="0"/>
-                        </a:spcBef>
-                        <a:spcAft>
-                          <a:spcPts val="0"/>
-                        </a:spcAft>
-                        <a:buNone/>
-                      </a:pPr>
-                      <a:r>
-                        <a:rPr lang="ja" sz="1000" dirty="0"/>
-                        <a:t>決裁</a:t>
-                      </a:r>
-                      <a:endParaRPr sz="1000" dirty="0"/>
-                    </a:p>
-                  </a:txBody>
-                  <a:tcPr marL="91425" marR="91425" marT="91425" marB="91425"/>
-                </a:tc>
-                <a:tc>
-                  <a:txBody>
-                    <a:bodyPr/>
-                    <a:lstStyle/>
-                    <a:p>
-                      <a:pPr marL="0" lvl="0" indent="0" algn="l" rtl="0">
-                        <a:lnSpc>
-                          <a:spcPct val="120000"/>
-                        </a:lnSpc>
-                        <a:spcBef>
-                          <a:spcPts val="800"/>
-                        </a:spcBef>
-                        <a:spcAft>
-                          <a:spcPts val="0"/>
-                        </a:spcAft>
-                        <a:buNone/>
-                      </a:pPr>
-                      <a:r>
-                        <a:rPr lang="ja" sz="1000" dirty="0">
-                          <a:solidFill>
-                            <a:schemeClr val="dk2"/>
-                          </a:solidFill>
-                          <a:latin typeface="Open Sans"/>
-                          <a:ea typeface="Open Sans"/>
-                          <a:cs typeface="Open Sans"/>
-                          <a:sym typeface="Open Sans"/>
-                        </a:rPr>
-                        <a:t>要件定義と開発見積の検収</a:t>
-                      </a:r>
-                      <a:endParaRPr sz="1000" dirty="0"/>
-                    </a:p>
-                  </a:txBody>
-                  <a:tcPr marL="91425" marR="91425" marT="91425" marB="91425"/>
-                </a:tc>
-                <a:tc>
-                  <a:txBody>
-                    <a:bodyPr/>
-                    <a:lstStyle/>
-                    <a:p>
-                      <a:pPr marL="0" lvl="0" indent="0" algn="l" rtl="0">
-                        <a:spcBef>
-                          <a:spcPts val="0"/>
-                        </a:spcBef>
-                        <a:spcAft>
-                          <a:spcPts val="0"/>
-                        </a:spcAft>
-                        <a:buNone/>
-                      </a:pPr>
-                      <a:r>
-                        <a:rPr lang="ja" sz="1000" dirty="0"/>
-                        <a:t>2w</a:t>
-                      </a:r>
-                      <a:endParaRPr sz="1000" dirty="0"/>
-                    </a:p>
-                  </a:txBody>
-                  <a:tcPr marL="91425" marR="91425" marT="91425" marB="91425"/>
-                </a:tc>
-                <a:extLst>
-                  <a:ext uri="{0D108BD9-81ED-4DB2-BD59-A6C34878D82A}">
-                    <a16:rowId xmlns:a16="http://schemas.microsoft.com/office/drawing/2014/main" val="10005"/>
-                  </a:ext>
-                </a:extLst>
-              </a:tr>
-            </a:tbl>
-          </a:graphicData>
-        </a:graphic>
-      </p:graphicFrame>
+      <p:pic>
+        <p:nvPicPr>
+          <p:cNvPr id="5" name="図 4">
+            <a:extLst>
+              <a:ext uri="{FF2B5EF4-FFF2-40B4-BE49-F238E27FC236}">
+                <a16:creationId xmlns:a16="http://schemas.microsoft.com/office/drawing/2014/main" id="{65B41E36-DA72-5617-723A-D233F73E565E}"/>
+              </a:ext>
+            </a:extLst>
+          </p:cNvPr>
+          <p:cNvPicPr>
+            <a:picLocks noChangeAspect="1"/>
+          </p:cNvPicPr>
+          <p:nvPr/>
+        </p:nvPicPr>
+        <p:blipFill>
+          <a:blip r:embed="rId3"/>
+          <a:stretch>
+            <a:fillRect/>
+          </a:stretch>
+        </p:blipFill>
+        <p:spPr>
+          <a:xfrm>
+            <a:off x="1224323" y="2434716"/>
+            <a:ext cx="4320200" cy="2571750"/>
+          </a:xfrm>
+          <a:prstGeom prst="rect">
+            <a:avLst/>
+          </a:prstGeom>
+          <a:ln>
+            <a:solidFill>
+              <a:schemeClr val="tx1"/>
+            </a:solidFill>
+          </a:ln>
+        </p:spPr>
+      </p:pic>
       <p:sp>
         <p:nvSpPr>
-          <p:cNvPr id="178" name="Google Shape;178;p24"/>
+          <p:cNvPr id="6" name="Google Shape;169;p23">
+            <a:extLst>
+              <a:ext uri="{FF2B5EF4-FFF2-40B4-BE49-F238E27FC236}">
+                <a16:creationId xmlns:a16="http://schemas.microsoft.com/office/drawing/2014/main" id="{5EE9DD6A-7407-41E8-0EC0-A283064A03EE}"/>
+              </a:ext>
+            </a:extLst>
+          </p:cNvPr>
+          <p:cNvSpPr/>
+          <p:nvPr/>
+        </p:nvSpPr>
+        <p:spPr>
+          <a:xfrm>
+            <a:off x="718085" y="2153266"/>
+            <a:ext cx="882114" cy="496462"/>
+          </a:xfrm>
+          <a:prstGeom prst="rect">
+            <a:avLst/>
+          </a:prstGeom>
+          <a:solidFill>
+            <a:schemeClr val="accent2"/>
+          </a:solidFill>
+          <a:ln>
+            <a:noFill/>
+          </a:ln>
+        </p:spPr>
+        <p:txBody>
+          <a:bodyPr spcFirstLastPara="1" wrap="square" lIns="91425" tIns="91425" rIns="91425" bIns="91425" anchor="ctr" anchorCtr="0">
+            <a:noAutofit/>
+          </a:bodyPr>
+          <a:lstStyle/>
+          <a:p>
+            <a:pPr marL="0" lvl="0" indent="0" algn="ctr" rtl="0">
+              <a:spcBef>
+                <a:spcPts val="0"/>
+              </a:spcBef>
+              <a:spcAft>
+                <a:spcPts val="0"/>
+              </a:spcAft>
+              <a:buNone/>
+            </a:pPr>
+            <a:r>
+              <a:rPr lang="en-US" sz="1600" b="1" dirty="0">
+                <a:solidFill>
+                  <a:schemeClr val="lt1"/>
+                </a:solidFill>
+              </a:rPr>
+              <a:t>As Is</a:t>
+            </a:r>
+            <a:endParaRPr sz="1600" b="1" dirty="0">
+              <a:solidFill>
+                <a:schemeClr val="lt1"/>
+              </a:solidFill>
+            </a:endParaRPr>
+          </a:p>
+        </p:txBody>
+      </p:sp>
+      <p:sp>
+        <p:nvSpPr>
+          <p:cNvPr id="7" name="矢印: 右 6">
+            <a:extLst>
+              <a:ext uri="{FF2B5EF4-FFF2-40B4-BE49-F238E27FC236}">
+                <a16:creationId xmlns:a16="http://schemas.microsoft.com/office/drawing/2014/main" id="{526E78D6-27F6-B58E-B1C3-1D857B463BF5}"/>
+              </a:ext>
+            </a:extLst>
+          </p:cNvPr>
+          <p:cNvSpPr/>
+          <p:nvPr/>
+        </p:nvSpPr>
+        <p:spPr>
+          <a:xfrm>
+            <a:off x="6209070" y="3094615"/>
+            <a:ext cx="1091381" cy="966020"/>
+          </a:xfrm>
+          <a:prstGeom prst="rightArrow">
+            <a:avLst/>
+          </a:prstGeom>
+          <a:solidFill>
+            <a:srgbClr val="00B050"/>
+          </a:solidFill>
+          <a:ln>
+            <a:solidFill>
+              <a:srgbClr val="00B050"/>
+            </a:solidFill>
+          </a:ln>
+        </p:spPr>
+        <p:style>
+          <a:lnRef idx="2">
+            <a:schemeClr val="accent1">
+              <a:shade val="15000"/>
+            </a:schemeClr>
+          </a:lnRef>
+          <a:fillRef idx="1">
+            <a:schemeClr val="accent1"/>
+          </a:fillRef>
+          <a:effectRef idx="0">
+            <a:schemeClr val="accent1"/>
+          </a:effectRef>
+          <a:fontRef idx="minor">
+            <a:schemeClr val="lt1"/>
+          </a:fontRef>
+        </p:style>
+        <p:txBody>
+          <a:bodyPr rtlCol="0" anchor="ctr"/>
+          <a:lstStyle/>
+          <a:p>
+            <a:pPr algn="ctr"/>
+            <a:r>
+              <a:rPr kumimoji="1" lang="en-US" altLang="ja-JP" sz="1600" b="1" dirty="0"/>
+              <a:t>To Be</a:t>
+            </a:r>
+            <a:endParaRPr kumimoji="1" lang="ja-JP" altLang="en-US" sz="1600" b="1" dirty="0"/>
+          </a:p>
+        </p:txBody>
+      </p:sp>
+    </p:spTree>
+  </p:cSld>
+  <p:clrMapOvr>
+    <a:masterClrMapping/>
+  </p:clrMapOvr>
+</p:sld>
+</file>
+
+<file path=ppt/slides/slide7.xml><?xml version="1.0" encoding="utf-8"?>
+<p:sld xmlns:a="http://schemas.openxmlformats.org/drawingml/2006/main" xmlns:r="http://schemas.openxmlformats.org/officeDocument/2006/relationships" xmlns:p="http://schemas.openxmlformats.org/presentationml/2006/main">
+  <p:cSld>
+    <p:spTree>
+      <p:nvGrpSpPr>
+        <p:cNvPr id="1" name="Shape 157"/>
+        <p:cNvGrpSpPr/>
+        <p:nvPr/>
+      </p:nvGrpSpPr>
+      <p:grpSpPr>
+        <a:xfrm>
+          <a:off x="0" y="0"/>
+          <a:ext cx="0" cy="0"/>
+          <a:chOff x="0" y="0"/>
+          <a:chExt cx="0" cy="0"/>
+        </a:xfrm>
+      </p:grpSpPr>
+      <p:sp>
+        <p:nvSpPr>
+          <p:cNvPr id="2" name="Google Shape;122;p20">
+            <a:extLst>
+              <a:ext uri="{FF2B5EF4-FFF2-40B4-BE49-F238E27FC236}">
+                <a16:creationId xmlns:a16="http://schemas.microsoft.com/office/drawing/2014/main" id="{C3CB4A13-F96E-98BA-076C-72B8F77EA219}"/>
+              </a:ext>
+            </a:extLst>
+          </p:cNvPr>
           <p:cNvSpPr txBox="1"/>
           <p:nvPr/>
         </p:nvSpPr>
         <p:spPr>
           <a:xfrm>
-            <a:off x="4151900" y="1419350"/>
-            <a:ext cx="3175500" cy="432600"/>
+            <a:off x="897962" y="324781"/>
+            <a:ext cx="7958444" cy="485700"/>
+          </a:xfrm>
+          <a:prstGeom prst="rect">
+            <a:avLst/>
+          </a:prstGeom>
+          <a:noFill/>
+          <a:ln>
+            <a:noFill/>
+          </a:ln>
+        </p:spPr>
+        <p:txBody>
+          <a:bodyPr spcFirstLastPara="1" wrap="square" lIns="19050" tIns="19050" rIns="19050" bIns="19050" anchor="ctr" anchorCtr="0">
+            <a:noAutofit/>
+          </a:bodyPr>
+          <a:lstStyle/>
+          <a:p>
+            <a:pPr marL="0" marR="0" lvl="0" indent="0" algn="l" rtl="0">
+              <a:lnSpc>
+                <a:spcPct val="100000"/>
+              </a:lnSpc>
+              <a:spcBef>
+                <a:spcPts val="0"/>
+              </a:spcBef>
+              <a:spcAft>
+                <a:spcPts val="0"/>
+              </a:spcAft>
+              <a:buClr>
+                <a:srgbClr val="31333D"/>
+              </a:buClr>
+              <a:buSzPts val="3000"/>
+              <a:buFont typeface="Maven Pro Medium"/>
+              <a:buNone/>
+            </a:pPr>
+            <a:r>
+              <a:rPr lang="ja-JP" altLang="en-US" sz="3000" dirty="0">
+                <a:solidFill>
+                  <a:srgbClr val="31333D"/>
+                </a:solidFill>
+                <a:latin typeface="Maven Pro Medium"/>
+                <a:ea typeface="Maven Pro Medium"/>
+                <a:cs typeface="Maven Pro Medium"/>
+                <a:sym typeface="Maven Pro Medium"/>
+              </a:rPr>
+              <a:t>要件定義書のイメージ</a:t>
+            </a:r>
+            <a:r>
+              <a:rPr lang="en-US" altLang="ja-JP" sz="3000" dirty="0">
+                <a:solidFill>
+                  <a:srgbClr val="31333D"/>
+                </a:solidFill>
+                <a:latin typeface="Maven Pro Medium"/>
+                <a:ea typeface="Maven Pro Medium"/>
+                <a:cs typeface="Maven Pro Medium"/>
+                <a:sym typeface="Maven Pro Medium"/>
+              </a:rPr>
+              <a:t>(2/3)</a:t>
+            </a:r>
+            <a:r>
+              <a:rPr lang="ja-JP" altLang="en-US" sz="3000" dirty="0">
+                <a:solidFill>
+                  <a:srgbClr val="31333D"/>
+                </a:solidFill>
+                <a:latin typeface="Maven Pro Medium"/>
+                <a:ea typeface="Maven Pro Medium"/>
+                <a:cs typeface="Maven Pro Medium"/>
+                <a:sym typeface="Maven Pro Medium"/>
+              </a:rPr>
+              <a:t>　機能仕様の定義</a:t>
+            </a:r>
+          </a:p>
+          <a:p>
+            <a:pPr marL="0" marR="0" lvl="0" indent="0" algn="l" rtl="0">
+              <a:lnSpc>
+                <a:spcPct val="100000"/>
+              </a:lnSpc>
+              <a:spcBef>
+                <a:spcPts val="0"/>
+              </a:spcBef>
+              <a:spcAft>
+                <a:spcPts val="0"/>
+              </a:spcAft>
+              <a:buClr>
+                <a:srgbClr val="31333D"/>
+              </a:buClr>
+              <a:buSzPts val="3000"/>
+              <a:buFont typeface="Maven Pro Medium"/>
+              <a:buNone/>
+            </a:pPr>
+            <a:endParaRPr lang="ja-JP" altLang="en-US" sz="500" dirty="0"/>
+          </a:p>
+        </p:txBody>
+      </p:sp>
+      <p:sp>
+        <p:nvSpPr>
+          <p:cNvPr id="3" name="Google Shape;123;p20">
+            <a:extLst>
+              <a:ext uri="{FF2B5EF4-FFF2-40B4-BE49-F238E27FC236}">
+                <a16:creationId xmlns:a16="http://schemas.microsoft.com/office/drawing/2014/main" id="{87F27BD2-28BC-DB13-9639-5971DF18F119}"/>
+              </a:ext>
+            </a:extLst>
+          </p:cNvPr>
+          <p:cNvSpPr/>
+          <p:nvPr/>
+        </p:nvSpPr>
+        <p:spPr>
+          <a:xfrm>
+            <a:off x="928638" y="1009764"/>
+            <a:ext cx="591371" cy="210276"/>
+          </a:xfrm>
+          <a:custGeom>
+            <a:avLst/>
+            <a:gdLst/>
+            <a:ahLst/>
+            <a:cxnLst/>
+            <a:rect l="l" t="t" r="r" b="b"/>
+            <a:pathLst>
+              <a:path w="21380" h="21310" extrusionOk="0">
+                <a:moveTo>
+                  <a:pt x="10829" y="4"/>
+                </a:moveTo>
+                <a:cubicBezTo>
+                  <a:pt x="8668" y="-147"/>
+                  <a:pt x="6864" y="4633"/>
+                  <a:pt x="6858" y="10653"/>
+                </a:cubicBezTo>
+                <a:cubicBezTo>
+                  <a:pt x="6852" y="16420"/>
+                  <a:pt x="8513" y="21087"/>
+                  <a:pt x="10581" y="21303"/>
+                </a:cubicBezTo>
+                <a:cubicBezTo>
+                  <a:pt x="12027" y="21453"/>
+                  <a:pt x="13378" y="19280"/>
+                  <a:pt x="14063" y="15706"/>
+                </a:cubicBezTo>
+                <a:cubicBezTo>
+                  <a:pt x="14350" y="14244"/>
+                  <a:pt x="14842" y="13182"/>
+                  <a:pt x="15419" y="12765"/>
+                </a:cubicBezTo>
+                <a:cubicBezTo>
+                  <a:pt x="16212" y="12191"/>
+                  <a:pt x="17052" y="12890"/>
+                  <a:pt x="17603" y="14590"/>
+                </a:cubicBezTo>
+                <a:cubicBezTo>
+                  <a:pt x="18900" y="18813"/>
+                  <a:pt x="21371" y="16270"/>
+                  <a:pt x="21381" y="10698"/>
+                </a:cubicBezTo>
+                <a:cubicBezTo>
+                  <a:pt x="21390" y="5071"/>
+                  <a:pt x="18891" y="2453"/>
+                  <a:pt x="17587" y="6731"/>
+                </a:cubicBezTo>
+                <a:cubicBezTo>
+                  <a:pt x="17150" y="8044"/>
+                  <a:pt x="16527" y="8760"/>
+                  <a:pt x="15887" y="8692"/>
+                </a:cubicBezTo>
+                <a:cubicBezTo>
+                  <a:pt x="15103" y="8610"/>
+                  <a:pt x="14394" y="7388"/>
+                  <a:pt x="14014" y="5464"/>
+                </a:cubicBezTo>
+                <a:cubicBezTo>
+                  <a:pt x="13376" y="2181"/>
+                  <a:pt x="12162" y="97"/>
+                  <a:pt x="10829" y="4"/>
+                </a:cubicBezTo>
+                <a:close/>
+                <a:moveTo>
+                  <a:pt x="2155" y="4559"/>
+                </a:moveTo>
+                <a:cubicBezTo>
+                  <a:pt x="1603" y="4559"/>
+                  <a:pt x="1053" y="5159"/>
+                  <a:pt x="632" y="6339"/>
+                </a:cubicBezTo>
+                <a:cubicBezTo>
+                  <a:pt x="-210" y="8699"/>
+                  <a:pt x="-210" y="12517"/>
+                  <a:pt x="632" y="14877"/>
+                </a:cubicBezTo>
+                <a:cubicBezTo>
+                  <a:pt x="1474" y="17237"/>
+                  <a:pt x="2836" y="17237"/>
+                  <a:pt x="3677" y="14877"/>
+                </a:cubicBezTo>
+                <a:cubicBezTo>
+                  <a:pt x="4519" y="12517"/>
+                  <a:pt x="4519" y="8699"/>
+                  <a:pt x="3677" y="6339"/>
+                </a:cubicBezTo>
+                <a:cubicBezTo>
+                  <a:pt x="3257" y="5159"/>
+                  <a:pt x="2706" y="4559"/>
+                  <a:pt x="2155" y="4559"/>
+                </a:cubicBezTo>
+                <a:close/>
+              </a:path>
+            </a:pathLst>
+          </a:custGeom>
+          <a:gradFill>
+            <a:gsLst>
+              <a:gs pos="0">
+                <a:schemeClr val="accent2"/>
+              </a:gs>
+              <a:gs pos="100000">
+                <a:schemeClr val="accent1"/>
+              </a:gs>
+            </a:gsLst>
+            <a:lin ang="2015895" scaled="0"/>
+          </a:gradFill>
+          <a:ln>
+            <a:noFill/>
+          </a:ln>
+        </p:spPr>
+        <p:txBody>
+          <a:bodyPr spcFirstLastPara="1" wrap="square" lIns="0" tIns="0" rIns="0" bIns="0" anchor="ctr" anchorCtr="0">
+            <a:noAutofit/>
+          </a:bodyPr>
+          <a:lstStyle/>
+          <a:p>
+            <a:pPr marL="0" marR="0" lvl="0" indent="0" algn="ctr" rtl="0">
+              <a:lnSpc>
+                <a:spcPct val="100000"/>
+              </a:lnSpc>
+              <a:spcBef>
+                <a:spcPts val="0"/>
+              </a:spcBef>
+              <a:spcAft>
+                <a:spcPts val="0"/>
+              </a:spcAft>
+              <a:buClr>
+                <a:srgbClr val="FFFFFF"/>
+              </a:buClr>
+              <a:buSzPts val="1100"/>
+              <a:buFont typeface="Helvetica Neue"/>
+              <a:buNone/>
+            </a:pPr>
+            <a:endParaRPr sz="1100" b="1" i="0" u="none" strike="noStrike" cap="none">
+              <a:solidFill>
+                <a:srgbClr val="000000"/>
+              </a:solidFill>
+              <a:latin typeface="Helvetica Neue"/>
+              <a:ea typeface="Helvetica Neue"/>
+              <a:cs typeface="Helvetica Neue"/>
+              <a:sym typeface="Helvetica Neue"/>
+            </a:endParaRPr>
+          </a:p>
+        </p:txBody>
+      </p:sp>
+      <p:sp>
+        <p:nvSpPr>
+          <p:cNvPr id="4" name="Google Shape;151;p21">
+            <a:extLst>
+              <a:ext uri="{FF2B5EF4-FFF2-40B4-BE49-F238E27FC236}">
+                <a16:creationId xmlns:a16="http://schemas.microsoft.com/office/drawing/2014/main" id="{4A340C9C-BF86-A664-99C4-D0663F8FBEEE}"/>
+              </a:ext>
+            </a:extLst>
+          </p:cNvPr>
+          <p:cNvSpPr txBox="1"/>
+          <p:nvPr/>
+        </p:nvSpPr>
+        <p:spPr>
+          <a:xfrm>
+            <a:off x="897963" y="1430444"/>
+            <a:ext cx="6424611" cy="3207924"/>
           </a:xfrm>
           <a:prstGeom prst="rect">
             <a:avLst/>
@@ -32363,7 +33847,7 @@
               <a:buNone/>
             </a:pPr>
             <a:r>
-              <a:rPr lang="ja" sz="1200">
+              <a:rPr lang="ja-JP" altLang="en-US" sz="1200" dirty="0">
                 <a:solidFill>
                   <a:schemeClr val="dk2"/>
                 </a:solidFill>
@@ -32372,9 +33856,425 @@
                 <a:cs typeface="Open Sans"/>
                 <a:sym typeface="Open Sans"/>
               </a:rPr>
-              <a:t>期間内訳</a:t>
+              <a:t>新</a:t>
             </a:r>
-            <a:endParaRPr sz="1200">
+            <a:r>
+              <a:rPr lang="en-US" altLang="ja-JP" sz="1200" dirty="0">
+                <a:solidFill>
+                  <a:schemeClr val="dk2"/>
+                </a:solidFill>
+                <a:latin typeface="Open Sans"/>
+                <a:ea typeface="Open Sans"/>
+                <a:cs typeface="Open Sans"/>
+                <a:sym typeface="Open Sans"/>
+              </a:rPr>
+              <a:t>EC</a:t>
+            </a:r>
+            <a:r>
+              <a:rPr lang="ja-JP" altLang="en-US" sz="1200" dirty="0">
+                <a:solidFill>
+                  <a:schemeClr val="dk2"/>
+                </a:solidFill>
+                <a:latin typeface="Open Sans"/>
+                <a:ea typeface="Open Sans"/>
+                <a:cs typeface="Open Sans"/>
+                <a:sym typeface="Open Sans"/>
+              </a:rPr>
+              <a:t>システムにおける機能要件と非機能要件をそれぞれ定義し、明確化します</a:t>
+            </a:r>
+            <a:endParaRPr lang="en-US" altLang="ja-JP" sz="1200" dirty="0">
+              <a:solidFill>
+                <a:schemeClr val="dk2"/>
+              </a:solidFill>
+              <a:latin typeface="Open Sans"/>
+              <a:ea typeface="Open Sans"/>
+              <a:cs typeface="Open Sans"/>
+              <a:sym typeface="Open Sans"/>
+            </a:endParaRPr>
+          </a:p>
+          <a:p>
+            <a:pPr marL="0" marR="0" lvl="0" indent="0" algn="l" rtl="0">
+              <a:lnSpc>
+                <a:spcPct val="120000"/>
+              </a:lnSpc>
+              <a:spcBef>
+                <a:spcPts val="800"/>
+              </a:spcBef>
+              <a:spcAft>
+                <a:spcPts val="0"/>
+              </a:spcAft>
+              <a:buClr>
+                <a:srgbClr val="646979"/>
+              </a:buClr>
+              <a:buSzPts val="1000"/>
+              <a:buFont typeface="Open Sans"/>
+              <a:buNone/>
+            </a:pPr>
+            <a:endParaRPr lang="en-US" sz="1200" dirty="0">
+              <a:solidFill>
+                <a:schemeClr val="dk2"/>
+              </a:solidFill>
+              <a:latin typeface="Open Sans"/>
+              <a:ea typeface="Open Sans"/>
+              <a:cs typeface="Open Sans"/>
+              <a:sym typeface="Open Sans"/>
+            </a:endParaRPr>
+          </a:p>
+          <a:p>
+            <a:pPr marL="171450" marR="0" lvl="0" indent="-171450" algn="l" rtl="0">
+              <a:lnSpc>
+                <a:spcPct val="120000"/>
+              </a:lnSpc>
+              <a:spcBef>
+                <a:spcPts val="800"/>
+              </a:spcBef>
+              <a:spcAft>
+                <a:spcPts val="0"/>
+              </a:spcAft>
+              <a:buClr>
+                <a:srgbClr val="646979"/>
+              </a:buClr>
+              <a:buSzPts val="1000"/>
+              <a:buFont typeface="Arial" panose="020B0604020202020204" pitchFamily="34" charset="0"/>
+              <a:buChar char="•"/>
+            </a:pPr>
+            <a:r>
+              <a:rPr lang="ja-JP" altLang="en-US" sz="1200" dirty="0">
+                <a:solidFill>
+                  <a:schemeClr val="dk2"/>
+                </a:solidFill>
+                <a:latin typeface="Open Sans"/>
+                <a:ea typeface="Open Sans"/>
+                <a:cs typeface="Open Sans"/>
+                <a:sym typeface="Open Sans"/>
+              </a:rPr>
+              <a:t>機能要件定義とは</a:t>
+            </a:r>
+            <a:endParaRPr lang="en-US" altLang="ja-JP" sz="1200" dirty="0">
+              <a:solidFill>
+                <a:schemeClr val="dk2"/>
+              </a:solidFill>
+              <a:latin typeface="Open Sans"/>
+              <a:ea typeface="Open Sans"/>
+              <a:cs typeface="Open Sans"/>
+              <a:sym typeface="Open Sans"/>
+            </a:endParaRPr>
+          </a:p>
+          <a:p>
+            <a:pPr marL="0" marR="0" lvl="0" indent="0" algn="l" rtl="0">
+              <a:lnSpc>
+                <a:spcPct val="120000"/>
+              </a:lnSpc>
+              <a:spcBef>
+                <a:spcPts val="800"/>
+              </a:spcBef>
+              <a:spcAft>
+                <a:spcPts val="0"/>
+              </a:spcAft>
+              <a:buClr>
+                <a:srgbClr val="646979"/>
+              </a:buClr>
+              <a:buSzPts val="1000"/>
+              <a:buFont typeface="Open Sans"/>
+              <a:buNone/>
+            </a:pPr>
+            <a:r>
+              <a:rPr lang="ja-JP" altLang="en-US" sz="1200" dirty="0">
+                <a:solidFill>
+                  <a:schemeClr val="dk2"/>
+                </a:solidFill>
+                <a:latin typeface="Open Sans"/>
+                <a:ea typeface="Open Sans"/>
+                <a:cs typeface="Open Sans"/>
+                <a:sym typeface="Open Sans"/>
+              </a:rPr>
+              <a:t>　システムで実現したい機能を網羅・定義することです。システムのコア部分にあたります。</a:t>
+            </a:r>
+            <a:endParaRPr lang="en-US" altLang="ja-JP" sz="1200" dirty="0">
+              <a:solidFill>
+                <a:schemeClr val="dk2"/>
+              </a:solidFill>
+              <a:latin typeface="Open Sans"/>
+              <a:ea typeface="Open Sans"/>
+              <a:cs typeface="Open Sans"/>
+              <a:sym typeface="Open Sans"/>
+            </a:endParaRPr>
+          </a:p>
+          <a:p>
+            <a:pPr marL="0" marR="0" lvl="0" indent="0" algn="l" rtl="0">
+              <a:lnSpc>
+                <a:spcPct val="120000"/>
+              </a:lnSpc>
+              <a:spcAft>
+                <a:spcPts val="0"/>
+              </a:spcAft>
+              <a:buClr>
+                <a:srgbClr val="646979"/>
+              </a:buClr>
+              <a:buSzPts val="1000"/>
+              <a:buFont typeface="Open Sans"/>
+              <a:buNone/>
+            </a:pPr>
+            <a:r>
+              <a:rPr lang="ja-JP" altLang="en-US" sz="1200" dirty="0">
+                <a:solidFill>
+                  <a:schemeClr val="dk2"/>
+                </a:solidFill>
+                <a:latin typeface="Open Sans"/>
+                <a:ea typeface="Open Sans"/>
+                <a:cs typeface="Open Sans"/>
+                <a:sym typeface="Open Sans"/>
+              </a:rPr>
+              <a:t>　機能要件定義はプロジェクトの予算、メンバー、スケジュール等に大きく影響します。</a:t>
+            </a:r>
+            <a:endParaRPr lang="en-US" altLang="ja-JP" sz="1200" dirty="0">
+              <a:solidFill>
+                <a:schemeClr val="dk2"/>
+              </a:solidFill>
+              <a:latin typeface="Open Sans"/>
+              <a:ea typeface="Open Sans"/>
+              <a:cs typeface="Open Sans"/>
+              <a:sym typeface="Open Sans"/>
+            </a:endParaRPr>
+          </a:p>
+          <a:p>
+            <a:pPr marL="0" marR="0" lvl="0" indent="0" algn="l" rtl="0">
+              <a:lnSpc>
+                <a:spcPct val="120000"/>
+              </a:lnSpc>
+              <a:spcAft>
+                <a:spcPts val="0"/>
+              </a:spcAft>
+              <a:buClr>
+                <a:srgbClr val="646979"/>
+              </a:buClr>
+              <a:buSzPts val="1000"/>
+              <a:buFont typeface="Open Sans"/>
+              <a:buNone/>
+            </a:pPr>
+            <a:r>
+              <a:rPr lang="ja-JP" altLang="en-US" sz="1200" dirty="0">
+                <a:solidFill>
+                  <a:schemeClr val="dk2"/>
+                </a:solidFill>
+                <a:latin typeface="Open Sans"/>
+                <a:ea typeface="Open Sans"/>
+                <a:cs typeface="Open Sans"/>
+                <a:sym typeface="Open Sans"/>
+              </a:rPr>
+              <a:t>　予算やスケジュールに合わせて、必要な機能に優先順位を付けることも必要です。</a:t>
+            </a:r>
+            <a:endParaRPr lang="en-US" altLang="ja-JP" sz="1200" dirty="0">
+              <a:solidFill>
+                <a:schemeClr val="dk2"/>
+              </a:solidFill>
+              <a:latin typeface="Open Sans"/>
+              <a:ea typeface="Open Sans"/>
+              <a:cs typeface="Open Sans"/>
+              <a:sym typeface="Open Sans"/>
+            </a:endParaRPr>
+          </a:p>
+          <a:p>
+            <a:pPr marL="0" marR="0" lvl="0" indent="0" algn="l" rtl="0">
+              <a:lnSpc>
+                <a:spcPct val="120000"/>
+              </a:lnSpc>
+              <a:spcBef>
+                <a:spcPts val="800"/>
+              </a:spcBef>
+              <a:spcAft>
+                <a:spcPts val="0"/>
+              </a:spcAft>
+              <a:buClr>
+                <a:srgbClr val="646979"/>
+              </a:buClr>
+              <a:buSzPts val="1000"/>
+              <a:buFont typeface="Open Sans"/>
+              <a:buNone/>
+            </a:pPr>
+            <a:endParaRPr lang="en-US" sz="1200" dirty="0">
+              <a:solidFill>
+                <a:schemeClr val="dk2"/>
+              </a:solidFill>
+              <a:latin typeface="Open Sans"/>
+              <a:ea typeface="Open Sans"/>
+              <a:cs typeface="Open Sans"/>
+              <a:sym typeface="Open Sans"/>
+            </a:endParaRPr>
+          </a:p>
+          <a:p>
+            <a:pPr marL="171450" marR="0" lvl="0" indent="-171450" algn="l" rtl="0">
+              <a:lnSpc>
+                <a:spcPct val="120000"/>
+              </a:lnSpc>
+              <a:spcBef>
+                <a:spcPts val="800"/>
+              </a:spcBef>
+              <a:spcAft>
+                <a:spcPts val="0"/>
+              </a:spcAft>
+              <a:buClr>
+                <a:srgbClr val="646979"/>
+              </a:buClr>
+              <a:buSzPts val="1000"/>
+              <a:buFont typeface="Arial" panose="020B0604020202020204" pitchFamily="34" charset="0"/>
+              <a:buChar char="•"/>
+            </a:pPr>
+            <a:r>
+              <a:rPr lang="ja-JP" altLang="en-US" sz="1200" dirty="0">
+                <a:solidFill>
+                  <a:schemeClr val="dk2"/>
+                </a:solidFill>
+                <a:latin typeface="Open Sans"/>
+                <a:ea typeface="Open Sans"/>
+                <a:cs typeface="Open Sans"/>
+                <a:sym typeface="Open Sans"/>
+              </a:rPr>
+              <a:t>非機能要件定義とは</a:t>
+            </a:r>
+            <a:endParaRPr lang="en-US" altLang="ja-JP" sz="1200" dirty="0">
+              <a:solidFill>
+                <a:schemeClr val="dk2"/>
+              </a:solidFill>
+              <a:latin typeface="Open Sans"/>
+              <a:ea typeface="Open Sans"/>
+              <a:cs typeface="Open Sans"/>
+              <a:sym typeface="Open Sans"/>
+            </a:endParaRPr>
+          </a:p>
+          <a:p>
+            <a:pPr marL="0" marR="0" lvl="0" indent="0" algn="l" rtl="0">
+              <a:lnSpc>
+                <a:spcPct val="120000"/>
+              </a:lnSpc>
+              <a:spcBef>
+                <a:spcPts val="800"/>
+              </a:spcBef>
+              <a:spcAft>
+                <a:spcPts val="0"/>
+              </a:spcAft>
+              <a:buClr>
+                <a:srgbClr val="646979"/>
+              </a:buClr>
+              <a:buSzPts val="1000"/>
+              <a:buFont typeface="Open Sans"/>
+              <a:buNone/>
+            </a:pPr>
+            <a:r>
+              <a:rPr lang="ja-JP" altLang="en-US" sz="1200" dirty="0">
+                <a:solidFill>
+                  <a:schemeClr val="dk2"/>
+                </a:solidFill>
+                <a:latin typeface="Open Sans"/>
+                <a:ea typeface="Open Sans"/>
+                <a:cs typeface="Open Sans"/>
+                <a:sym typeface="Open Sans"/>
+              </a:rPr>
+              <a:t>　機能以外の性能、ユーザビリティ、拡張性、保守・運用、移行性、セキュリティなどを</a:t>
+            </a:r>
+            <a:endParaRPr lang="en-US" altLang="ja-JP" sz="1200" dirty="0">
+              <a:solidFill>
+                <a:schemeClr val="dk2"/>
+              </a:solidFill>
+              <a:latin typeface="Open Sans"/>
+              <a:ea typeface="Open Sans"/>
+              <a:cs typeface="Open Sans"/>
+              <a:sym typeface="Open Sans"/>
+            </a:endParaRPr>
+          </a:p>
+          <a:p>
+            <a:pPr marL="0" marR="0" lvl="0" indent="0" algn="l" rtl="0">
+              <a:lnSpc>
+                <a:spcPct val="120000"/>
+              </a:lnSpc>
+              <a:spcAft>
+                <a:spcPts val="0"/>
+              </a:spcAft>
+              <a:buClr>
+                <a:srgbClr val="646979"/>
+              </a:buClr>
+              <a:buSzPts val="1000"/>
+              <a:buFont typeface="Open Sans"/>
+              <a:buNone/>
+            </a:pPr>
+            <a:r>
+              <a:rPr lang="ja-JP" altLang="en-US" sz="1200" dirty="0">
+                <a:solidFill>
+                  <a:schemeClr val="dk2"/>
+                </a:solidFill>
+                <a:latin typeface="Open Sans"/>
+                <a:ea typeface="Open Sans"/>
+                <a:cs typeface="Open Sans"/>
+                <a:sym typeface="Open Sans"/>
+              </a:rPr>
+              <a:t>　定義することです。画面のレイアウトやウイルス対策ソフトの決定なども</a:t>
+            </a:r>
+            <a:endParaRPr lang="en-US" altLang="ja-JP" sz="1200" dirty="0">
+              <a:solidFill>
+                <a:schemeClr val="dk2"/>
+              </a:solidFill>
+              <a:latin typeface="Open Sans"/>
+              <a:ea typeface="Open Sans"/>
+              <a:cs typeface="Open Sans"/>
+              <a:sym typeface="Open Sans"/>
+            </a:endParaRPr>
+          </a:p>
+          <a:p>
+            <a:pPr marL="0" marR="0" lvl="0" indent="0" algn="l" rtl="0">
+              <a:lnSpc>
+                <a:spcPct val="120000"/>
+              </a:lnSpc>
+              <a:spcAft>
+                <a:spcPts val="0"/>
+              </a:spcAft>
+              <a:buClr>
+                <a:srgbClr val="646979"/>
+              </a:buClr>
+              <a:buSzPts val="1000"/>
+              <a:buFont typeface="Open Sans"/>
+              <a:buNone/>
+            </a:pPr>
+            <a:r>
+              <a:rPr lang="ja-JP" altLang="en-US" sz="1200" dirty="0">
+                <a:solidFill>
+                  <a:schemeClr val="dk2"/>
+                </a:solidFill>
+                <a:latin typeface="Open Sans"/>
+                <a:ea typeface="Open Sans"/>
+                <a:cs typeface="Open Sans"/>
+                <a:sym typeface="Open Sans"/>
+              </a:rPr>
+              <a:t>　非機能要件定義に含まれ、実際にシステムを利用するユーザーの満足度にも直結します。</a:t>
+            </a:r>
+            <a:endParaRPr lang="en-US" altLang="ja-JP" sz="1200" dirty="0">
+              <a:solidFill>
+                <a:schemeClr val="dk2"/>
+              </a:solidFill>
+              <a:latin typeface="Open Sans"/>
+              <a:ea typeface="Open Sans"/>
+              <a:cs typeface="Open Sans"/>
+              <a:sym typeface="Open Sans"/>
+            </a:endParaRPr>
+          </a:p>
+          <a:p>
+            <a:pPr marL="0" marR="0" lvl="0" indent="0" algn="l" rtl="0">
+              <a:lnSpc>
+                <a:spcPct val="120000"/>
+              </a:lnSpc>
+              <a:spcBef>
+                <a:spcPts val="800"/>
+              </a:spcBef>
+              <a:spcAft>
+                <a:spcPts val="0"/>
+              </a:spcAft>
+              <a:buClr>
+                <a:srgbClr val="646979"/>
+              </a:buClr>
+              <a:buSzPts val="1000"/>
+              <a:buFont typeface="Open Sans"/>
+              <a:buNone/>
+            </a:pPr>
+            <a:endParaRPr sz="1200" dirty="0">
               <a:solidFill>
                 <a:schemeClr val="dk2"/>
               </a:solidFill>
@@ -32387,6 +34287,358 @@
         </p:txBody>
       </p:sp>
     </p:spTree>
+  </p:cSld>
+  <p:clrMapOvr>
+    <a:masterClrMapping/>
+  </p:clrMapOvr>
+</p:sld>
+</file>
+
+<file path=ppt/slides/slide8.xml><?xml version="1.0" encoding="utf-8"?>
+<p:sld xmlns:a="http://schemas.openxmlformats.org/drawingml/2006/main" xmlns:r="http://schemas.openxmlformats.org/officeDocument/2006/relationships" xmlns:p="http://schemas.openxmlformats.org/presentationml/2006/main">
+  <p:cSld>
+    <p:spTree>
+      <p:nvGrpSpPr>
+        <p:cNvPr id="1" name="Shape 157">
+          <a:extLst>
+            <a:ext uri="{FF2B5EF4-FFF2-40B4-BE49-F238E27FC236}">
+              <a16:creationId xmlns:a16="http://schemas.microsoft.com/office/drawing/2014/main" id="{9F54B627-79A3-15CE-143A-B52B2EB733D2}"/>
+            </a:ext>
+          </a:extLst>
+        </p:cNvPr>
+        <p:cNvGrpSpPr/>
+        <p:nvPr/>
+      </p:nvGrpSpPr>
+      <p:grpSpPr>
+        <a:xfrm>
+          <a:off x="0" y="0"/>
+          <a:ext cx="0" cy="0"/>
+          <a:chOff x="0" y="0"/>
+          <a:chExt cx="0" cy="0"/>
+        </a:xfrm>
+      </p:grpSpPr>
+      <p:sp>
+        <p:nvSpPr>
+          <p:cNvPr id="4" name="Google Shape;151;p21">
+            <a:extLst>
+              <a:ext uri="{FF2B5EF4-FFF2-40B4-BE49-F238E27FC236}">
+                <a16:creationId xmlns:a16="http://schemas.microsoft.com/office/drawing/2014/main" id="{A5D5AE69-1DBE-1200-27E8-C4CA19C49778}"/>
+              </a:ext>
+            </a:extLst>
+          </p:cNvPr>
+          <p:cNvSpPr txBox="1"/>
+          <p:nvPr/>
+        </p:nvSpPr>
+        <p:spPr>
+          <a:xfrm>
+            <a:off x="175292" y="110464"/>
+            <a:ext cx="6424611" cy="3207924"/>
+          </a:xfrm>
+          <a:prstGeom prst="rect">
+            <a:avLst/>
+          </a:prstGeom>
+          <a:noFill/>
+          <a:ln>
+            <a:noFill/>
+          </a:ln>
+        </p:spPr>
+        <p:txBody>
+          <a:bodyPr spcFirstLastPara="1" wrap="square" lIns="19050" tIns="19050" rIns="19050" bIns="19050" anchor="t" anchorCtr="0">
+            <a:noAutofit/>
+          </a:bodyPr>
+          <a:lstStyle/>
+          <a:p>
+            <a:pPr marR="0" lvl="0" algn="l" rtl="0">
+              <a:lnSpc>
+                <a:spcPct val="120000"/>
+              </a:lnSpc>
+              <a:spcBef>
+                <a:spcPts val="800"/>
+              </a:spcBef>
+              <a:spcAft>
+                <a:spcPts val="0"/>
+              </a:spcAft>
+              <a:buClr>
+                <a:srgbClr val="646979"/>
+              </a:buClr>
+              <a:buSzPts val="1000"/>
+            </a:pPr>
+            <a:r>
+              <a:rPr lang="ja-JP" altLang="en-US" sz="1200" dirty="0">
+                <a:solidFill>
+                  <a:schemeClr val="dk2"/>
+                </a:solidFill>
+                <a:latin typeface="Open Sans"/>
+                <a:ea typeface="Open Sans"/>
+                <a:cs typeface="Open Sans"/>
+                <a:sym typeface="Open Sans"/>
+              </a:rPr>
+              <a:t>機能要件定義の一例</a:t>
+            </a:r>
+            <a:endParaRPr lang="en-US" altLang="ja-JP" sz="1200" dirty="0">
+              <a:solidFill>
+                <a:schemeClr val="dk2"/>
+              </a:solidFill>
+              <a:latin typeface="Open Sans"/>
+              <a:ea typeface="Open Sans"/>
+              <a:cs typeface="Open Sans"/>
+              <a:sym typeface="Open Sans"/>
+            </a:endParaRPr>
+          </a:p>
+          <a:p>
+            <a:pPr marL="0" marR="0" lvl="0" indent="0" algn="l" rtl="0">
+              <a:lnSpc>
+                <a:spcPct val="120000"/>
+              </a:lnSpc>
+              <a:spcBef>
+                <a:spcPts val="800"/>
+              </a:spcBef>
+              <a:spcAft>
+                <a:spcPts val="0"/>
+              </a:spcAft>
+              <a:buClr>
+                <a:srgbClr val="646979"/>
+              </a:buClr>
+              <a:buSzPts val="1000"/>
+              <a:buFont typeface="Open Sans"/>
+              <a:buNone/>
+            </a:pPr>
+            <a:r>
+              <a:rPr lang="ja-JP" altLang="en-US" sz="1200" dirty="0">
+                <a:solidFill>
+                  <a:schemeClr val="dk2"/>
+                </a:solidFill>
+                <a:latin typeface="Open Sans"/>
+                <a:ea typeface="Open Sans"/>
+                <a:cs typeface="Open Sans"/>
+                <a:sym typeface="Open Sans"/>
+              </a:rPr>
+              <a:t>　</a:t>
+            </a:r>
+            <a:endParaRPr sz="1200" dirty="0">
+              <a:solidFill>
+                <a:schemeClr val="dk2"/>
+              </a:solidFill>
+              <a:latin typeface="Open Sans"/>
+              <a:ea typeface="Open Sans"/>
+              <a:cs typeface="Open Sans"/>
+              <a:sym typeface="Open Sans"/>
+            </a:endParaRPr>
+          </a:p>
+        </p:txBody>
+      </p:sp>
+      <p:pic>
+        <p:nvPicPr>
+          <p:cNvPr id="8" name="図 7">
+            <a:extLst>
+              <a:ext uri="{FF2B5EF4-FFF2-40B4-BE49-F238E27FC236}">
+                <a16:creationId xmlns:a16="http://schemas.microsoft.com/office/drawing/2014/main" id="{1FA10D6B-7939-50CD-B246-12CA401CDD53}"/>
+              </a:ext>
+            </a:extLst>
+          </p:cNvPr>
+          <p:cNvPicPr>
+            <a:picLocks noChangeAspect="1"/>
+          </p:cNvPicPr>
+          <p:nvPr/>
+        </p:nvPicPr>
+        <p:blipFill>
+          <a:blip r:embed="rId3"/>
+          <a:stretch>
+            <a:fillRect/>
+          </a:stretch>
+        </p:blipFill>
+        <p:spPr>
+          <a:xfrm>
+            <a:off x="1253613" y="537242"/>
+            <a:ext cx="7513044" cy="4606257"/>
+          </a:xfrm>
+          <a:prstGeom prst="rect">
+            <a:avLst/>
+          </a:prstGeom>
+        </p:spPr>
+      </p:pic>
+    </p:spTree>
+    <p:extLst>
+      <p:ext uri="{BB962C8B-B14F-4D97-AF65-F5344CB8AC3E}">
+        <p14:creationId xmlns:p14="http://schemas.microsoft.com/office/powerpoint/2010/main" val="1176537163"/>
+      </p:ext>
+    </p:extLst>
+  </p:cSld>
+  <p:clrMapOvr>
+    <a:masterClrMapping/>
+  </p:clrMapOvr>
+</p:sld>
+</file>
+
+<file path=ppt/slides/slide9.xml><?xml version="1.0" encoding="utf-8"?>
+<p:sld xmlns:a="http://schemas.openxmlformats.org/drawingml/2006/main" xmlns:r="http://schemas.openxmlformats.org/officeDocument/2006/relationships" xmlns:p="http://schemas.openxmlformats.org/presentationml/2006/main">
+  <p:cSld>
+    <p:spTree>
+      <p:nvGrpSpPr>
+        <p:cNvPr id="1" name="Shape 157">
+          <a:extLst>
+            <a:ext uri="{FF2B5EF4-FFF2-40B4-BE49-F238E27FC236}">
+              <a16:creationId xmlns:a16="http://schemas.microsoft.com/office/drawing/2014/main" id="{F277B023-5417-D075-881E-A16497C1787F}"/>
+            </a:ext>
+          </a:extLst>
+        </p:cNvPr>
+        <p:cNvGrpSpPr/>
+        <p:nvPr/>
+      </p:nvGrpSpPr>
+      <p:grpSpPr>
+        <a:xfrm>
+          <a:off x="0" y="0"/>
+          <a:ext cx="0" cy="0"/>
+          <a:chOff x="0" y="0"/>
+          <a:chExt cx="0" cy="0"/>
+        </a:xfrm>
+      </p:grpSpPr>
+      <p:sp>
+        <p:nvSpPr>
+          <p:cNvPr id="4" name="Google Shape;151;p21">
+            <a:extLst>
+              <a:ext uri="{FF2B5EF4-FFF2-40B4-BE49-F238E27FC236}">
+                <a16:creationId xmlns:a16="http://schemas.microsoft.com/office/drawing/2014/main" id="{2A705068-32C8-1503-B41D-A6C8B50F24B7}"/>
+              </a:ext>
+            </a:extLst>
+          </p:cNvPr>
+          <p:cNvSpPr txBox="1"/>
+          <p:nvPr/>
+        </p:nvSpPr>
+        <p:spPr>
+          <a:xfrm>
+            <a:off x="175292" y="110464"/>
+            <a:ext cx="6424611" cy="3207924"/>
+          </a:xfrm>
+          <a:prstGeom prst="rect">
+            <a:avLst/>
+          </a:prstGeom>
+          <a:noFill/>
+          <a:ln>
+            <a:noFill/>
+          </a:ln>
+        </p:spPr>
+        <p:txBody>
+          <a:bodyPr spcFirstLastPara="1" wrap="square" lIns="19050" tIns="19050" rIns="19050" bIns="19050" anchor="t" anchorCtr="0">
+            <a:noAutofit/>
+          </a:bodyPr>
+          <a:lstStyle/>
+          <a:p>
+            <a:pPr marR="0" lvl="0" algn="l" rtl="0">
+              <a:lnSpc>
+                <a:spcPct val="120000"/>
+              </a:lnSpc>
+              <a:spcBef>
+                <a:spcPts val="800"/>
+              </a:spcBef>
+              <a:spcAft>
+                <a:spcPts val="0"/>
+              </a:spcAft>
+              <a:buClr>
+                <a:srgbClr val="646979"/>
+              </a:buClr>
+              <a:buSzPts val="1000"/>
+            </a:pPr>
+            <a:r>
+              <a:rPr lang="ja-JP" altLang="en-US" sz="1200" dirty="0">
+                <a:solidFill>
+                  <a:schemeClr val="dk2"/>
+                </a:solidFill>
+                <a:latin typeface="Open Sans"/>
+                <a:ea typeface="Open Sans"/>
+                <a:cs typeface="Open Sans"/>
+                <a:sym typeface="Open Sans"/>
+              </a:rPr>
+              <a:t>非機能要件定義の一例</a:t>
+            </a:r>
+            <a:endParaRPr lang="en-US" altLang="ja-JP" sz="1200" dirty="0">
+              <a:solidFill>
+                <a:schemeClr val="dk2"/>
+              </a:solidFill>
+              <a:latin typeface="Open Sans"/>
+              <a:ea typeface="Open Sans"/>
+              <a:cs typeface="Open Sans"/>
+              <a:sym typeface="Open Sans"/>
+            </a:endParaRPr>
+          </a:p>
+          <a:p>
+            <a:pPr marL="0" marR="0" lvl="0" indent="0" algn="l" rtl="0">
+              <a:lnSpc>
+                <a:spcPct val="120000"/>
+              </a:lnSpc>
+              <a:spcBef>
+                <a:spcPts val="800"/>
+              </a:spcBef>
+              <a:spcAft>
+                <a:spcPts val="0"/>
+              </a:spcAft>
+              <a:buClr>
+                <a:srgbClr val="646979"/>
+              </a:buClr>
+              <a:buSzPts val="1000"/>
+              <a:buFont typeface="Open Sans"/>
+              <a:buNone/>
+            </a:pPr>
+            <a:r>
+              <a:rPr lang="ja-JP" altLang="en-US" sz="1200" dirty="0">
+                <a:solidFill>
+                  <a:schemeClr val="dk2"/>
+                </a:solidFill>
+                <a:latin typeface="Open Sans"/>
+                <a:ea typeface="Open Sans"/>
+                <a:cs typeface="Open Sans"/>
+                <a:sym typeface="Open Sans"/>
+              </a:rPr>
+              <a:t>　</a:t>
+            </a:r>
+            <a:endParaRPr sz="1200" dirty="0">
+              <a:solidFill>
+                <a:schemeClr val="dk2"/>
+              </a:solidFill>
+              <a:latin typeface="Open Sans"/>
+              <a:ea typeface="Open Sans"/>
+              <a:cs typeface="Open Sans"/>
+              <a:sym typeface="Open Sans"/>
+            </a:endParaRPr>
+          </a:p>
+        </p:txBody>
+      </p:sp>
+      <p:pic>
+        <p:nvPicPr>
+          <p:cNvPr id="3" name="図 2">
+            <a:extLst>
+              <a:ext uri="{FF2B5EF4-FFF2-40B4-BE49-F238E27FC236}">
+                <a16:creationId xmlns:a16="http://schemas.microsoft.com/office/drawing/2014/main" id="{5EAC74C3-83C2-D2EF-1732-913F8B0742F3}"/>
+              </a:ext>
+            </a:extLst>
+          </p:cNvPr>
+          <p:cNvPicPr>
+            <a:picLocks noChangeAspect="1"/>
+          </p:cNvPicPr>
+          <p:nvPr/>
+        </p:nvPicPr>
+        <p:blipFill>
+          <a:blip r:embed="rId3"/>
+          <a:stretch>
+            <a:fillRect/>
+          </a:stretch>
+        </p:blipFill>
+        <p:spPr>
+          <a:xfrm>
+            <a:off x="1430594" y="544616"/>
+            <a:ext cx="7126794" cy="4598883"/>
+          </a:xfrm>
+          <a:prstGeom prst="rect">
+            <a:avLst/>
+          </a:prstGeom>
+        </p:spPr>
+      </p:pic>
+    </p:spTree>
+    <p:extLst>
+      <p:ext uri="{BB962C8B-B14F-4D97-AF65-F5344CB8AC3E}">
+        <p14:creationId xmlns:p14="http://schemas.microsoft.com/office/powerpoint/2010/main" val="4228081613"/>
+      </p:ext>
+    </p:extLst>
   </p:cSld>
   <p:clrMapOvr>
     <a:masterClrMapping/>
